--- a/presentation-source/14-composition.pptx
+++ b/presentation-source/14-composition.pptx
@@ -5,7 +5,7 @@
     <p:sldMasterId id="2147483648" r:id="rId1"/>
   </p:sldMasterIdLst>
   <p:notesMasterIdLst>
-    <p:notesMasterId r:id="rId42"/>
+    <p:notesMasterId r:id="rId43"/>
   </p:notesMasterIdLst>
   <p:sldIdLst>
     <p:sldId id="256" r:id="rId2"/>
@@ -20,34 +20,35 @@
     <p:sldId id="265" r:id="rId11"/>
     <p:sldId id="269" r:id="rId12"/>
     <p:sldId id="284" r:id="rId13"/>
-    <p:sldId id="270" r:id="rId14"/>
-    <p:sldId id="306" r:id="rId15"/>
-    <p:sldId id="307" r:id="rId16"/>
-    <p:sldId id="271" r:id="rId17"/>
-    <p:sldId id="272" r:id="rId18"/>
-    <p:sldId id="301" r:id="rId19"/>
-    <p:sldId id="302" r:id="rId20"/>
-    <p:sldId id="274" r:id="rId21"/>
-    <p:sldId id="285" r:id="rId22"/>
-    <p:sldId id="286" r:id="rId23"/>
-    <p:sldId id="287" r:id="rId24"/>
-    <p:sldId id="296" r:id="rId25"/>
-    <p:sldId id="297" r:id="rId26"/>
-    <p:sldId id="298" r:id="rId27"/>
-    <p:sldId id="299" r:id="rId28"/>
-    <p:sldId id="305" r:id="rId29"/>
-    <p:sldId id="290" r:id="rId30"/>
-    <p:sldId id="288" r:id="rId31"/>
-    <p:sldId id="304" r:id="rId32"/>
-    <p:sldId id="291" r:id="rId33"/>
-    <p:sldId id="292" r:id="rId34"/>
-    <p:sldId id="289" r:id="rId35"/>
-    <p:sldId id="293" r:id="rId36"/>
-    <p:sldId id="294" r:id="rId37"/>
-    <p:sldId id="295" r:id="rId38"/>
-    <p:sldId id="300" r:id="rId39"/>
-    <p:sldId id="303" r:id="rId40"/>
-    <p:sldId id="283" r:id="rId41"/>
+    <p:sldId id="308" r:id="rId14"/>
+    <p:sldId id="270" r:id="rId15"/>
+    <p:sldId id="306" r:id="rId16"/>
+    <p:sldId id="307" r:id="rId17"/>
+    <p:sldId id="271" r:id="rId18"/>
+    <p:sldId id="272" r:id="rId19"/>
+    <p:sldId id="301" r:id="rId20"/>
+    <p:sldId id="302" r:id="rId21"/>
+    <p:sldId id="309" r:id="rId22"/>
+    <p:sldId id="274" r:id="rId23"/>
+    <p:sldId id="285" r:id="rId24"/>
+    <p:sldId id="286" r:id="rId25"/>
+    <p:sldId id="287" r:id="rId26"/>
+    <p:sldId id="296" r:id="rId27"/>
+    <p:sldId id="297" r:id="rId28"/>
+    <p:sldId id="298" r:id="rId29"/>
+    <p:sldId id="299" r:id="rId30"/>
+    <p:sldId id="305" r:id="rId31"/>
+    <p:sldId id="290" r:id="rId32"/>
+    <p:sldId id="288" r:id="rId33"/>
+    <p:sldId id="291" r:id="rId34"/>
+    <p:sldId id="292" r:id="rId35"/>
+    <p:sldId id="289" r:id="rId36"/>
+    <p:sldId id="293" r:id="rId37"/>
+    <p:sldId id="294" r:id="rId38"/>
+    <p:sldId id="295" r:id="rId39"/>
+    <p:sldId id="300" r:id="rId40"/>
+    <p:sldId id="303" r:id="rId41"/>
+    <p:sldId id="283" r:id="rId42"/>
   </p:sldIdLst>
   <p:sldSz cx="9144000" cy="6858000" type="screen4x3"/>
   <p:notesSz cx="6858000" cy="9144000"/>
@@ -195,7 +196,7 @@
           <a:lstStyle>
             <a:lvl1pPr algn="l">
               <a:defRPr sz="1200">
-                <a:latin typeface="Calisto MT"/>
+                <a:latin typeface="Montserrat"/>
               </a:defRPr>
             </a:lvl1pPr>
           </a:lstStyle>
@@ -228,7 +229,7 @@
           <a:lstStyle>
             <a:lvl1pPr algn="r">
               <a:defRPr sz="1200">
-                <a:latin typeface="Calisto MT"/>
+                <a:latin typeface="Montserrat"/>
               </a:defRPr>
             </a:lvl1pPr>
           </a:lstStyle>
@@ -236,7 +237,7 @@
             <a:fld id="{7307762F-A706-E543-A832-3C298AA3103F}" type="datetimeFigureOut">
               <a:rPr lang="en-US" smtClean="0"/>
               <a:pPr/>
-              <a:t>08/09/15</a:t>
+              <a:t>10/06/16</a:t>
             </a:fld>
             <a:endParaRPr lang="en-US" dirty="0"/>
           </a:p>
@@ -359,7 +360,7 @@
           <a:lstStyle>
             <a:lvl1pPr algn="l">
               <a:defRPr sz="1200">
-                <a:latin typeface="Calisto MT"/>
+                <a:latin typeface="Montserrat"/>
               </a:defRPr>
             </a:lvl1pPr>
           </a:lstStyle>
@@ -392,7 +393,7 @@
           <a:lstStyle>
             <a:lvl1pPr algn="r">
               <a:defRPr sz="1200">
-                <a:latin typeface="Calisto MT"/>
+                <a:latin typeface="Montserrat"/>
               </a:defRPr>
             </a:lvl1pPr>
           </a:lstStyle>
@@ -420,7 +421,7 @@
         <a:solidFill>
           <a:schemeClr val="tx1"/>
         </a:solidFill>
-        <a:latin typeface="Calisto MT"/>
+        <a:latin typeface="Montserrat"/>
         <a:ea typeface="+mn-ea"/>
         <a:cs typeface="+mn-cs"/>
       </a:defRPr>
@@ -430,7 +431,7 @@
         <a:solidFill>
           <a:schemeClr val="tx1"/>
         </a:solidFill>
-        <a:latin typeface="Calisto MT"/>
+        <a:latin typeface="Montserrat"/>
         <a:ea typeface="+mn-ea"/>
         <a:cs typeface="+mn-cs"/>
       </a:defRPr>
@@ -440,7 +441,7 @@
         <a:solidFill>
           <a:schemeClr val="tx1"/>
         </a:solidFill>
-        <a:latin typeface="Calisto MT"/>
+        <a:latin typeface="Montserrat"/>
         <a:ea typeface="+mn-ea"/>
         <a:cs typeface="+mn-cs"/>
       </a:defRPr>
@@ -450,7 +451,7 @@
         <a:solidFill>
           <a:schemeClr val="tx1"/>
         </a:solidFill>
-        <a:latin typeface="Calisto MT"/>
+        <a:latin typeface="Montserrat"/>
         <a:ea typeface="+mn-ea"/>
         <a:cs typeface="+mn-cs"/>
       </a:defRPr>
@@ -460,7 +461,7 @@
         <a:solidFill>
           <a:schemeClr val="tx1"/>
         </a:solidFill>
-        <a:latin typeface="Calisto MT"/>
+        <a:latin typeface="Montserrat"/>
         <a:ea typeface="+mn-ea"/>
         <a:cs typeface="+mn-cs"/>
       </a:defRPr>
@@ -803,7 +804,7 @@
           <a:p>
             <a:fld id="{875CF0EB-321F-0749-B37A-89BBA859503C}" type="datetimeFigureOut">
               <a:rPr lang="en-US" smtClean="0"/>
-              <a:t>08/09/15</a:t>
+              <a:t>10/06/16</a:t>
             </a:fld>
             <a:endParaRPr lang="en-US"/>
           </a:p>
@@ -1007,7 +1008,7 @@
           <a:p>
             <a:fld id="{875CF0EB-321F-0749-B37A-89BBA859503C}" type="datetimeFigureOut">
               <a:rPr lang="en-US" smtClean="0"/>
-              <a:t>08/09/15</a:t>
+              <a:t>10/06/16</a:t>
             </a:fld>
             <a:endParaRPr lang="en-US"/>
           </a:p>
@@ -1201,7 +1202,7 @@
           <a:p>
             <a:fld id="{875CF0EB-321F-0749-B37A-89BBA859503C}" type="datetimeFigureOut">
               <a:rPr lang="en-US" smtClean="0"/>
-              <a:t>08/09/15</a:t>
+              <a:t>10/06/16</a:t>
             </a:fld>
             <a:endParaRPr lang="en-US"/>
           </a:p>
@@ -1471,7 +1472,7 @@
           <a:p>
             <a:fld id="{875CF0EB-321F-0749-B37A-89BBA859503C}" type="datetimeFigureOut">
               <a:rPr lang="en-US" smtClean="0"/>
-              <a:t>08/09/15</a:t>
+              <a:t>10/06/16</a:t>
             </a:fld>
             <a:endParaRPr lang="en-US"/>
           </a:p>
@@ -1783,7 +1784,7 @@
           <a:p>
             <a:fld id="{875CF0EB-321F-0749-B37A-89BBA859503C}" type="datetimeFigureOut">
               <a:rPr lang="en-US" smtClean="0"/>
-              <a:t>08/09/15</a:t>
+              <a:t>10/06/16</a:t>
             </a:fld>
             <a:endParaRPr lang="en-US"/>
           </a:p>
@@ -2229,7 +2230,7 @@
           <a:p>
             <a:fld id="{875CF0EB-321F-0749-B37A-89BBA859503C}" type="datetimeFigureOut">
               <a:rPr lang="en-US" smtClean="0"/>
-              <a:t>08/09/15</a:t>
+              <a:t>10/06/16</a:t>
             </a:fld>
             <a:endParaRPr lang="en-US"/>
           </a:p>
@@ -2371,7 +2372,7 @@
           <a:p>
             <a:fld id="{875CF0EB-321F-0749-B37A-89BBA859503C}" type="datetimeFigureOut">
               <a:rPr lang="en-US" smtClean="0"/>
-              <a:t>08/09/15</a:t>
+              <a:t>10/06/16</a:t>
             </a:fld>
             <a:endParaRPr lang="en-US"/>
           </a:p>
@@ -2490,7 +2491,7 @@
           <a:p>
             <a:fld id="{875CF0EB-321F-0749-B37A-89BBA859503C}" type="datetimeFigureOut">
               <a:rPr lang="en-US" smtClean="0"/>
-              <a:t>08/09/15</a:t>
+              <a:t>10/06/16</a:t>
             </a:fld>
             <a:endParaRPr lang="en-US"/>
           </a:p>
@@ -2791,7 +2792,7 @@
           <a:p>
             <a:fld id="{875CF0EB-321F-0749-B37A-89BBA859503C}" type="datetimeFigureOut">
               <a:rPr lang="en-US" smtClean="0"/>
-              <a:t>08/09/15</a:t>
+              <a:t>10/06/16</a:t>
             </a:fld>
             <a:endParaRPr lang="en-US"/>
           </a:p>
@@ -3068,7 +3069,7 @@
           <a:p>
             <a:fld id="{875CF0EB-321F-0749-B37A-89BBA859503C}" type="datetimeFigureOut">
               <a:rPr lang="en-US" smtClean="0"/>
-              <a:t>08/09/15</a:t>
+              <a:t>10/06/16</a:t>
             </a:fld>
             <a:endParaRPr lang="en-US"/>
           </a:p>
@@ -3264,7 +3265,7 @@
       </p:sp>
       <p:sp>
         <p:nvSpPr>
-          <p:cNvPr id="21" name="TextBox 20"/>
+          <p:cNvPr id="7" name="TextBox 6"/>
           <p:cNvSpPr txBox="1">
             <a:spLocks noChangeArrowheads="1"/>
           </p:cNvSpPr>
@@ -3272,8 +3273,8 @@
         </p:nvSpPr>
         <p:spPr bwMode="auto">
           <a:xfrm>
-            <a:off x="1046163" y="6092834"/>
-            <a:ext cx="6595551" cy="707886"/>
+            <a:off x="1168930" y="6344711"/>
+            <a:ext cx="4942379" cy="415498"/>
           </a:xfrm>
           <a:prstGeom prst="rect">
             <a:avLst/>
@@ -3445,10 +3446,22 @@
               <a:defRPr/>
             </a:pPr>
             <a:r>
-              <a:rPr lang="en-US" sz="1000" dirty="0" smtClean="0">
-                <a:latin typeface="Calisto MT"/>
+              <a:rPr lang="en-US" sz="700" dirty="0" smtClean="0">
+                <a:latin typeface="Montserrat"/>
               </a:rPr>
-              <a:t>© Paul Fremantle 2012.  Portions © Jeremy Gibbons 2010, © WSO2 2005-2012 used with permission of the author(s).</a:t>
+              <a:t>© Paul Fremantle </a:t>
+            </a:r>
+            <a:r>
+              <a:rPr lang="en-US" sz="700" dirty="0" smtClean="0">
+                <a:latin typeface="Montserrat"/>
+              </a:rPr>
+              <a:t>2016 except where credited elsewhere. </a:t>
+            </a:r>
+            <a:r>
+              <a:rPr lang="en-US" sz="700" dirty="0" smtClean="0">
+                <a:latin typeface="Montserrat"/>
+              </a:rPr>
+              <a:t> This work is licensed under a Creative Commons</a:t>
             </a:r>
           </a:p>
           <a:p>
@@ -3456,110 +3469,84 @@
               <a:defRPr/>
             </a:pPr>
             <a:r>
-              <a:rPr lang="en-US" sz="1000" dirty="0" smtClean="0">
-                <a:latin typeface="Calisto MT"/>
+              <a:rPr lang="en-US" sz="700" dirty="0" smtClean="0">
+                <a:latin typeface="Montserrat"/>
               </a:rPr>
-              <a:t>Licensed under the Creative Commons 3.0 BY-SA (Attribution-</a:t>
-            </a:r>
-            <a:r>
-              <a:rPr lang="en-US" sz="1000" dirty="0" err="1" smtClean="0">
-                <a:latin typeface="Calisto MT"/>
+              <a:t> Attribution-</a:t>
+            </a:r>
+            <a:r>
+              <a:rPr lang="en-US" sz="700" dirty="0" err="1" smtClean="0">
+                <a:latin typeface="Montserrat"/>
               </a:rPr>
-              <a:t>Sharealike</a:t>
-            </a:r>
-            <a:r>
-              <a:rPr lang="en-US" sz="1000" dirty="0" smtClean="0">
-                <a:latin typeface="Calisto MT"/>
+              <a:t>NonCommercial</a:t>
+            </a:r>
+            <a:r>
+              <a:rPr lang="en-US" sz="700" dirty="0" smtClean="0">
+                <a:latin typeface="Montserrat"/>
               </a:rPr>
-              <a:t>) license.</a:t>
-            </a:r>
-          </a:p>
-          <a:p>
-            <a:pPr algn="l" eaLnBrk="1" hangingPunct="1">
-              <a:defRPr/>
-            </a:pPr>
-            <a:r>
-              <a:rPr lang="en-US" sz="1000" dirty="0" smtClean="0">
-                <a:latin typeface="Calisto MT"/>
+              <a:t>-</a:t>
+            </a:r>
+            <a:r>
+              <a:rPr lang="en-US" sz="700" dirty="0" err="1" smtClean="0">
+                <a:latin typeface="Montserrat"/>
               </a:rPr>
-              <a:t>See </a:t>
-            </a:r>
-            <a:r>
-              <a:rPr lang="en-US" sz="1000" dirty="0" smtClean="0">
-                <a:latin typeface="Calisto MT"/>
+              <a:t>ShareAlike</a:t>
+            </a:r>
+            <a:r>
+              <a:rPr lang="en-US" sz="700" dirty="0" smtClean="0">
+                <a:latin typeface="Montserrat"/>
+              </a:rPr>
+              <a:t> 4.0 International License</a:t>
+            </a:r>
+            <a:br>
+              <a:rPr lang="en-US" sz="700" dirty="0" smtClean="0">
+                <a:latin typeface="Montserrat"/>
+              </a:rPr>
+            </a:br>
+            <a:r>
+              <a:rPr lang="en-US" sz="700" dirty="0" smtClean="0">
+                <a:latin typeface="Montserrat"/>
+              </a:rPr>
+              <a:t>See  </a:t>
+            </a:r>
+            <a:r>
+              <a:rPr lang="en-US" sz="700" dirty="0" smtClean="0">
+                <a:latin typeface="Montserrat"/>
                 <a:hlinkClick r:id="rId13"/>
               </a:rPr>
-              <a:t>http://creativecommons.org/licenses/by-sa/3.0/</a:t>
-            </a:r>
-            <a:r>
-              <a:rPr lang="en-US" sz="1000" dirty="0" smtClean="0">
-                <a:latin typeface="Calisto MT"/>
+              <a:t>http://creativecommons.org/licenses/by-nc-sa/4.0/</a:t>
+            </a:r>
+            <a:r>
+              <a:rPr lang="en-US" sz="700" dirty="0" smtClean="0">
+                <a:latin typeface="Montserrat"/>
               </a:rPr>
               <a:t> </a:t>
             </a:r>
           </a:p>
-          <a:p>
-            <a:pPr algn="l" eaLnBrk="1" hangingPunct="1">
-              <a:defRPr/>
-            </a:pPr>
-            <a:endParaRPr lang="en-US" sz="1000" dirty="0" smtClean="0">
-              <a:latin typeface="Calisto MT"/>
-            </a:endParaRPr>
-          </a:p>
         </p:txBody>
       </p:sp>
       <p:pic>
         <p:nvPicPr>
-          <p:cNvPr id="24" name="Picture 23"/>
+          <p:cNvPr id="8" name="Picture 7"/>
           <p:cNvPicPr>
-            <a:picLocks noChangeAspect="1" noChangeArrowheads="1"/>
+            <a:picLocks noChangeAspect="1"/>
           </p:cNvPicPr>
           <p:nvPr userDrawn="1"/>
         </p:nvPicPr>
         <p:blipFill>
-          <a:blip r:embed="rId14">
-            <a:extLst>
-              <a:ext uri="{28A0092B-C50C-407E-A947-70E740481C1C}">
-                <a14:useLocalDpi xmlns:a14="http://schemas.microsoft.com/office/drawing/2010/main" val="0"/>
-              </a:ext>
-            </a:extLst>
-          </a:blip>
-          <a:srcRect/>
+          <a:blip r:embed="rId14"/>
           <a:stretch>
             <a:fillRect/>
           </a:stretch>
         </p:blipFill>
-        <p:spPr bwMode="auto">
-          <a:xfrm>
-            <a:off x="320764" y="6254746"/>
-            <a:ext cx="725399" cy="258097"/>
+        <p:spPr>
+          <a:xfrm>
+            <a:off x="375635" y="6428175"/>
+            <a:ext cx="792765" cy="279269"/>
           </a:xfrm>
           <a:prstGeom prst="rect">
             <a:avLst/>
           </a:prstGeom>
-          <a:noFill/>
-          <a:ln>
-            <a:noFill/>
-          </a:ln>
-          <a:extLst>
-            <a:ext uri="{909E8E84-426E-40dd-AFC4-6F175D3DCCD1}">
-              <a14:hiddenFill xmlns:a14="http://schemas.microsoft.com/office/drawing/2010/main">
-                <a:solidFill>
-                  <a:srgbClr val="FFFFFF"/>
-                </a:solidFill>
-              </a14:hiddenFill>
-            </a:ext>
-            <a:ext uri="{91240B29-F687-4f45-9708-019B960494DF}">
-              <a14:hiddenLine xmlns:a14="http://schemas.microsoft.com/office/drawing/2010/main" w="9525">
-                <a:solidFill>
-                  <a:srgbClr val="000000"/>
-                </a:solidFill>
-                <a:miter lim="800000"/>
-                <a:headEnd/>
-                <a:tailEnd/>
-              </a14:hiddenLine>
-            </a:ext>
-          </a:extLst>
         </p:spPr>
       </p:pic>
     </p:spTree>
@@ -3594,7 +3581,7 @@
           <a:solidFill>
             <a:schemeClr val="tx1"/>
           </a:solidFill>
-          <a:latin typeface="Calisto MT"/>
+          <a:latin typeface="Montserrat"/>
           <a:ea typeface="+mj-ea"/>
           <a:cs typeface="+mj-cs"/>
         </a:defRPr>
@@ -3611,7 +3598,7 @@
           <a:solidFill>
             <a:schemeClr val="tx1"/>
           </a:solidFill>
-          <a:latin typeface="Calisto MT"/>
+          <a:latin typeface="Montserrat"/>
           <a:ea typeface="+mn-ea"/>
           <a:cs typeface="+mn-cs"/>
         </a:defRPr>
@@ -3626,7 +3613,7 @@
           <a:solidFill>
             <a:schemeClr val="tx1"/>
           </a:solidFill>
-          <a:latin typeface="Calisto MT"/>
+          <a:latin typeface="Montserrat"/>
           <a:ea typeface="+mn-ea"/>
           <a:cs typeface="+mn-cs"/>
         </a:defRPr>
@@ -3641,7 +3628,7 @@
           <a:solidFill>
             <a:schemeClr val="tx1"/>
           </a:solidFill>
-          <a:latin typeface="Calisto MT"/>
+          <a:latin typeface="Montserrat"/>
           <a:ea typeface="+mn-ea"/>
           <a:cs typeface="+mn-cs"/>
         </a:defRPr>
@@ -3656,7 +3643,7 @@
           <a:solidFill>
             <a:schemeClr val="tx1"/>
           </a:solidFill>
-          <a:latin typeface="Calisto MT"/>
+          <a:latin typeface="Montserrat"/>
           <a:ea typeface="+mn-ea"/>
           <a:cs typeface="+mn-cs"/>
         </a:defRPr>
@@ -3671,7 +3658,7 @@
           <a:solidFill>
             <a:schemeClr val="tx1"/>
           </a:solidFill>
-          <a:latin typeface="Calisto MT"/>
+          <a:latin typeface="Montserrat"/>
           <a:ea typeface="+mn-ea"/>
           <a:cs typeface="+mn-cs"/>
         </a:defRPr>
@@ -3870,7 +3857,7 @@
           <a:p>
             <a:r>
               <a:rPr lang="en-US" dirty="0" smtClean="0"/>
-              <a:t>Composition and Orchestration of Services</a:t>
+              <a:t>Choreography and Orchestration of Services</a:t>
             </a:r>
             <a:endParaRPr lang="en-US" dirty="0"/>
           </a:p>
@@ -3888,7 +3875,9 @@
         </p:nvSpPr>
         <p:spPr/>
         <p:txBody>
-          <a:bodyPr/>
+          <a:bodyPr>
+            <a:normAutofit fontScale="92500" lnSpcReduction="20000"/>
+          </a:bodyPr>
           <a:lstStyle/>
           <a:p>
             <a:r>
@@ -3914,7 +3903,7 @@
                 <a:ea typeface="ヒラギノ角ゴ ProN W3" charset="0"/>
                 <a:cs typeface="ヒラギノ角ゴ ProN W3" charset="0"/>
               </a:rPr>
-              <a:t>Sep 2015</a:t>
+              <a:t>June 2016 </a:t>
             </a:r>
             <a:endParaRPr lang="en-US" dirty="0">
               <a:ea typeface="ヒラギノ角ゴ ProN W3" charset="0"/>
@@ -4278,104 +4267,34 @@
           <a:chExt cx="0" cy="0"/>
         </a:xfrm>
       </p:grpSpPr>
-      <p:sp>
-        <p:nvSpPr>
-          <p:cNvPr id="2" name="Title 1"/>
-          <p:cNvSpPr>
-            <a:spLocks noGrp="1"/>
-          </p:cNvSpPr>
-          <p:nvPr>
-            <p:ph type="title"/>
-          </p:nvPr>
-        </p:nvSpPr>
-        <p:spPr/>
-        <p:txBody>
-          <a:bodyPr>
-            <a:normAutofit fontScale="90000"/>
-          </a:bodyPr>
-          <a:lstStyle/>
-          <a:p>
-            <a:r>
-              <a:rPr lang="en-US" dirty="0" smtClean="0"/>
-              <a:t>Business Process Execution Language (BPEL)</a:t>
-            </a:r>
-            <a:endParaRPr lang="en-US" dirty="0"/>
-          </a:p>
-        </p:txBody>
-      </p:sp>
-      <p:sp>
-        <p:nvSpPr>
-          <p:cNvPr id="3" name="Content Placeholder 2"/>
-          <p:cNvSpPr>
-            <a:spLocks noGrp="1"/>
-          </p:cNvSpPr>
-          <p:nvPr>
-            <p:ph idx="1"/>
-          </p:nvPr>
-        </p:nvSpPr>
-        <p:spPr/>
-        <p:txBody>
-          <a:bodyPr>
-            <a:normAutofit/>
-          </a:bodyPr>
-          <a:lstStyle/>
-          <a:p>
-            <a:r>
-              <a:rPr lang="en-US" sz="2800" dirty="0" err="1" smtClean="0"/>
-              <a:t>Standardised</a:t>
-            </a:r>
-            <a:r>
-              <a:rPr lang="en-US" sz="2800" dirty="0" smtClean="0"/>
-              <a:t> XML language for executable processes</a:t>
-            </a:r>
-          </a:p>
-          <a:p>
-            <a:r>
-              <a:rPr lang="en-US" sz="2800" dirty="0" smtClean="0"/>
-              <a:t>Well defined execution</a:t>
-            </a:r>
-          </a:p>
-          <a:p>
-            <a:pPr lvl="1"/>
-            <a:r>
-              <a:rPr lang="en-US" sz="2400" dirty="0" smtClean="0"/>
-              <a:t>No deadlocks</a:t>
-            </a:r>
-          </a:p>
-          <a:p>
-            <a:pPr lvl="1"/>
-            <a:r>
-              <a:rPr lang="en-US" sz="2400" dirty="0" smtClean="0"/>
-              <a:t>Graphs must be acyclic</a:t>
-            </a:r>
-          </a:p>
-          <a:p>
-            <a:r>
-              <a:rPr lang="en-US" sz="2800" dirty="0" smtClean="0"/>
-              <a:t>Tied to WSDL concepts</a:t>
-            </a:r>
-          </a:p>
-          <a:p>
-            <a:r>
-              <a:rPr lang="en-US" sz="2800" dirty="0" smtClean="0"/>
-              <a:t>No built in support for human activities (though this has been added)</a:t>
-            </a:r>
-          </a:p>
-          <a:p>
-            <a:r>
-              <a:rPr lang="en-US" sz="2800" dirty="0" smtClean="0"/>
-              <a:t>No graphical notation</a:t>
-            </a:r>
-          </a:p>
-          <a:p>
-            <a:endParaRPr lang="en-US" sz="2800" dirty="0"/>
-          </a:p>
-        </p:txBody>
-      </p:sp>
+      <p:pic>
+        <p:nvPicPr>
+          <p:cNvPr id="5" name="Picture 4"/>
+          <p:cNvPicPr>
+            <a:picLocks noChangeAspect="1"/>
+          </p:cNvPicPr>
+          <p:nvPr/>
+        </p:nvPicPr>
+        <p:blipFill>
+          <a:blip r:embed="rId2"/>
+          <a:stretch>
+            <a:fillRect/>
+          </a:stretch>
+        </p:blipFill>
+        <p:spPr>
+          <a:xfrm>
+            <a:off x="0" y="101600"/>
+            <a:ext cx="9144000" cy="6650182"/>
+          </a:xfrm>
+          <a:prstGeom prst="rect">
+            <a:avLst/>
+          </a:prstGeom>
+        </p:spPr>
+      </p:pic>
     </p:spTree>
     <p:extLst>
       <p:ext uri="{BB962C8B-B14F-4D97-AF65-F5344CB8AC3E}">
-        <p14:creationId xmlns:p14="http://schemas.microsoft.com/office/powerpoint/2010/main" val="1793529587"/>
+        <p14:creationId xmlns:p14="http://schemas.microsoft.com/office/powerpoint/2010/main" val="1659647989"/>
       </p:ext>
     </p:extLst>
   </p:cSld>
@@ -4415,79 +4334,91 @@
         <p:spPr/>
         <p:txBody>
           <a:bodyPr>
+            <a:normAutofit fontScale="90000"/>
+          </a:bodyPr>
+          <a:lstStyle/>
+          <a:p>
+            <a:r>
+              <a:rPr lang="en-US" dirty="0" smtClean="0"/>
+              <a:t>Business Process Execution Language (BPEL)</a:t>
+            </a:r>
+            <a:endParaRPr lang="en-US" dirty="0"/>
+          </a:p>
+        </p:txBody>
+      </p:sp>
+      <p:sp>
+        <p:nvSpPr>
+          <p:cNvPr id="3" name="Content Placeholder 2"/>
+          <p:cNvSpPr>
+            <a:spLocks noGrp="1"/>
+          </p:cNvSpPr>
+          <p:nvPr>
+            <p:ph idx="1"/>
+          </p:nvPr>
+        </p:nvSpPr>
+        <p:spPr/>
+        <p:txBody>
+          <a:bodyPr>
             <a:normAutofit/>
           </a:bodyPr>
           <a:lstStyle/>
           <a:p>
             <a:r>
-              <a:rPr lang="en-US" dirty="0" smtClean="0"/>
-              <a:t>The main strength of BPEL</a:t>
-            </a:r>
-            <a:br>
-              <a:rPr lang="en-US" dirty="0" smtClean="0"/>
-            </a:br>
-            <a:r>
-              <a:rPr lang="en-US" sz="2200" dirty="0" smtClean="0"/>
-              <a:t>(IMO)</a:t>
-            </a:r>
-            <a:endParaRPr lang="en-US" dirty="0"/>
-          </a:p>
-        </p:txBody>
-      </p:sp>
-      <p:sp>
-        <p:nvSpPr>
-          <p:cNvPr id="3" name="Content Placeholder 2"/>
-          <p:cNvSpPr>
-            <a:spLocks noGrp="1"/>
-          </p:cNvSpPr>
-          <p:nvPr>
-            <p:ph idx="1"/>
-          </p:nvPr>
-        </p:nvSpPr>
-        <p:spPr/>
-        <p:txBody>
-          <a:bodyPr/>
-          <a:lstStyle/>
-          <a:p>
-            <a:r>
-              <a:rPr lang="en-US" dirty="0" smtClean="0"/>
-              <a:t>BPEL is a completely executable standalone language</a:t>
+              <a:rPr lang="en-US" sz="2800" dirty="0" err="1" smtClean="0"/>
+              <a:t>Standardised</a:t>
+            </a:r>
+            <a:r>
+              <a:rPr lang="en-US" sz="2800" dirty="0" smtClean="0"/>
+              <a:t> XML language for executable processes</a:t>
+            </a:r>
+          </a:p>
+          <a:p>
+            <a:r>
+              <a:rPr lang="en-US" sz="2800" dirty="0" smtClean="0"/>
+              <a:t>Well defined execution</a:t>
             </a:r>
           </a:p>
           <a:p>
             <a:pPr lvl="1"/>
             <a:r>
-              <a:rPr lang="en-US" dirty="0" err="1" smtClean="0"/>
-              <a:t>PartnerLinks</a:t>
-            </a:r>
-            <a:r>
-              <a:rPr lang="en-US" dirty="0" smtClean="0"/>
-              <a:t> define places where you can call WSDL services </a:t>
+              <a:rPr lang="en-US" sz="2400" dirty="0" smtClean="0"/>
+              <a:t>No deadlocks</a:t>
             </a:r>
           </a:p>
           <a:p>
             <a:pPr lvl="1"/>
             <a:r>
-              <a:rPr lang="en-US" dirty="0" smtClean="0"/>
-              <a:t>Or where other parties can call WSDL Services into the process</a:t>
-            </a:r>
-          </a:p>
-          <a:p>
-            <a:r>
-              <a:rPr lang="en-US" dirty="0" smtClean="0"/>
-              <a:t>Deployment descriptor + BPEL can be executed without any Java or other language</a:t>
-            </a:r>
-          </a:p>
-          <a:p>
-            <a:pPr lvl="1"/>
-            <a:endParaRPr lang="en-US" dirty="0"/>
+              <a:rPr lang="en-US" sz="2400" dirty="0" smtClean="0"/>
+              <a:t>Graphs must be acyclic</a:t>
+            </a:r>
+          </a:p>
+          <a:p>
+            <a:r>
+              <a:rPr lang="en-US" sz="2800" dirty="0" smtClean="0"/>
+              <a:t>Tied to WSDL concepts</a:t>
+            </a:r>
+          </a:p>
+          <a:p>
+            <a:r>
+              <a:rPr lang="en-US" sz="2800" dirty="0" smtClean="0"/>
+              <a:t>No built in support for human activities (though this has been added)</a:t>
+            </a:r>
+          </a:p>
+          <a:p>
+            <a:r>
+              <a:rPr lang="en-US" sz="2800" dirty="0" smtClean="0"/>
+              <a:t>No graphical notation</a:t>
+            </a:r>
+          </a:p>
+          <a:p>
+            <a:endParaRPr lang="en-US" sz="2800" dirty="0"/>
           </a:p>
         </p:txBody>
       </p:sp>
     </p:spTree>
     <p:extLst>
       <p:ext uri="{BB962C8B-B14F-4D97-AF65-F5344CB8AC3E}">
-        <p14:creationId xmlns:p14="http://schemas.microsoft.com/office/powerpoint/2010/main" val="3805893931"/>
+        <p14:creationId xmlns:p14="http://schemas.microsoft.com/office/powerpoint/2010/main" val="1793529587"/>
       </p:ext>
     </p:extLst>
   </p:cSld>
@@ -4533,7 +4464,7 @@
           <a:p>
             <a:r>
               <a:rPr lang="en-US" dirty="0" smtClean="0"/>
-              <a:t>The main weaknesses of BPEL	</a:t>
+              <a:t>The main strength of BPEL</a:t>
             </a:r>
             <a:br>
               <a:rPr lang="en-US" dirty="0" smtClean="0"/>
@@ -4563,47 +4494,35 @@
           <a:p>
             <a:r>
               <a:rPr lang="en-US" dirty="0" smtClean="0"/>
-              <a:t>Too much like a programming language</a:t>
+              <a:t>BPEL is a completely executable standalone language</a:t>
             </a:r>
           </a:p>
           <a:p>
             <a:pPr lvl="1"/>
             <a:r>
-              <a:rPr lang="en-US" dirty="0" smtClean="0"/>
-              <a:t>Need WS-</a:t>
-            </a:r>
-            <a:r>
               <a:rPr lang="en-US" dirty="0" err="1" smtClean="0"/>
-              <a:t>HumanTask</a:t>
-            </a:r>
-            <a:r>
-              <a:rPr lang="en-US" dirty="0" smtClean="0"/>
-              <a:t>, BPEL4People and script or Java extensions to make it useful for real processes</a:t>
-            </a:r>
-          </a:p>
-          <a:p>
-            <a:r>
-              <a:rPr lang="en-US" dirty="0" smtClean="0"/>
-              <a:t>No </a:t>
-            </a:r>
-            <a:r>
-              <a:rPr lang="en-US" dirty="0" err="1" smtClean="0"/>
-              <a:t>swimlanes</a:t>
-            </a:r>
-            <a:r>
-              <a:rPr lang="en-US" dirty="0" smtClean="0"/>
-              <a:t> (explained in a minute)</a:t>
-            </a:r>
-          </a:p>
-          <a:p>
-            <a:r>
-              <a:rPr lang="en-US" dirty="0" smtClean="0"/>
-              <a:t>No common </a:t>
-            </a:r>
-            <a:r>
-              <a:rPr lang="en-US" smtClean="0"/>
-              <a:t>visual notation</a:t>
-            </a:r>
+              <a:t>PartnerLinks</a:t>
+            </a:r>
+            <a:r>
+              <a:rPr lang="en-US" dirty="0" smtClean="0"/>
+              <a:t> define places where you can call WSDL services </a:t>
+            </a:r>
+          </a:p>
+          <a:p>
+            <a:pPr lvl="1"/>
+            <a:r>
+              <a:rPr lang="en-US" dirty="0" smtClean="0"/>
+              <a:t>Or where other parties can call WSDL Services into the process</a:t>
+            </a:r>
+          </a:p>
+          <a:p>
+            <a:r>
+              <a:rPr lang="en-US" dirty="0" smtClean="0"/>
+              <a:t>Deployment descriptor + BPEL can be executed without any Java or other language</a:t>
+            </a:r>
+          </a:p>
+          <a:p>
+            <a:pPr lvl="1"/>
             <a:endParaRPr lang="en-US" dirty="0"/>
           </a:p>
         </p:txBody>
@@ -4611,7 +4530,7 @@
     </p:spTree>
     <p:extLst>
       <p:ext uri="{BB962C8B-B14F-4D97-AF65-F5344CB8AC3E}">
-        <p14:creationId xmlns:p14="http://schemas.microsoft.com/office/powerpoint/2010/main" val="3810355310"/>
+        <p14:creationId xmlns:p14="http://schemas.microsoft.com/office/powerpoint/2010/main" val="3805893931"/>
       </p:ext>
     </p:extLst>
   </p:cSld>
@@ -4650,84 +4569,92 @@
         </p:nvSpPr>
         <p:spPr/>
         <p:txBody>
+          <a:bodyPr>
+            <a:normAutofit fontScale="90000"/>
+          </a:bodyPr>
+          <a:lstStyle/>
+          <a:p>
+            <a:r>
+              <a:rPr lang="en-US" dirty="0" smtClean="0"/>
+              <a:t>The main weaknesses of BPEL	</a:t>
+            </a:r>
+            <a:br>
+              <a:rPr lang="en-US" dirty="0" smtClean="0"/>
+            </a:br>
+            <a:r>
+              <a:rPr lang="en-US" sz="2200" dirty="0" smtClean="0"/>
+              <a:t>(IMO)</a:t>
+            </a:r>
+            <a:endParaRPr lang="en-US" dirty="0"/>
+          </a:p>
+        </p:txBody>
+      </p:sp>
+      <p:sp>
+        <p:nvSpPr>
+          <p:cNvPr id="3" name="Content Placeholder 2"/>
+          <p:cNvSpPr>
+            <a:spLocks noGrp="1"/>
+          </p:cNvSpPr>
+          <p:nvPr>
+            <p:ph idx="1"/>
+          </p:nvPr>
+        </p:nvSpPr>
+        <p:spPr/>
+        <p:txBody>
           <a:bodyPr/>
           <a:lstStyle/>
           <a:p>
             <a:r>
               <a:rPr lang="en-US" dirty="0" smtClean="0"/>
-              <a:t>BPMN + BPEL</a:t>
+              <a:t>Too much like a programming language</a:t>
+            </a:r>
+          </a:p>
+          <a:p>
+            <a:pPr lvl="1"/>
+            <a:r>
+              <a:rPr lang="en-US" dirty="0" smtClean="0"/>
+              <a:t>Need WS-</a:t>
+            </a:r>
+            <a:r>
+              <a:rPr lang="en-US" dirty="0" err="1" smtClean="0"/>
+              <a:t>HumanTask</a:t>
+            </a:r>
+            <a:r>
+              <a:rPr lang="en-US" dirty="0" smtClean="0"/>
+              <a:t>, BPEL4People and script or Java extensions to make it useful for real processes</a:t>
+            </a:r>
+          </a:p>
+          <a:p>
+            <a:r>
+              <a:rPr lang="en-US" dirty="0" smtClean="0"/>
+              <a:t>No </a:t>
+            </a:r>
+            <a:r>
+              <a:rPr lang="en-US" dirty="0" err="1" smtClean="0"/>
+              <a:t>swimlanes</a:t>
+            </a:r>
+            <a:r>
+              <a:rPr lang="en-US" dirty="0" smtClean="0"/>
+              <a:t> (explained in a minute)</a:t>
+            </a:r>
+          </a:p>
+          <a:p>
+            <a:r>
+              <a:rPr lang="en-US" dirty="0" smtClean="0"/>
+              <a:t>No common </a:t>
+            </a:r>
+            <a:r>
+              <a:rPr lang="en-US" smtClean="0"/>
+              <a:t>visual notation</a:t>
             </a:r>
             <a:endParaRPr lang="en-US" dirty="0"/>
-          </a:p>
-        </p:txBody>
-      </p:sp>
-      <p:sp>
-        <p:nvSpPr>
-          <p:cNvPr id="3" name="Content Placeholder 2"/>
-          <p:cNvSpPr>
-            <a:spLocks noGrp="1"/>
-          </p:cNvSpPr>
-          <p:nvPr>
-            <p:ph idx="1"/>
-          </p:nvPr>
-        </p:nvSpPr>
-        <p:spPr/>
-        <p:txBody>
-          <a:bodyPr/>
-          <a:lstStyle/>
-          <a:p>
-            <a:r>
-              <a:rPr lang="en-US" dirty="0" smtClean="0"/>
-              <a:t>In theory:</a:t>
-            </a:r>
-          </a:p>
-          <a:p>
-            <a:pPr lvl="1"/>
-            <a:r>
-              <a:rPr lang="en-US" dirty="0" smtClean="0"/>
-              <a:t>Process experts design and model in BPMN</a:t>
-            </a:r>
-          </a:p>
-          <a:p>
-            <a:pPr lvl="1"/>
-            <a:r>
-              <a:rPr lang="en-US" dirty="0" smtClean="0"/>
-              <a:t>Developers/</a:t>
-            </a:r>
-            <a:r>
-              <a:rPr lang="en-US" dirty="0" err="1" smtClean="0"/>
-              <a:t>Implementors</a:t>
-            </a:r>
-            <a:r>
-              <a:rPr lang="en-US" dirty="0" smtClean="0"/>
-              <a:t> implement in BPEL</a:t>
-            </a:r>
-          </a:p>
-          <a:p>
-            <a:r>
-              <a:rPr lang="en-US" dirty="0" smtClean="0"/>
-              <a:t>No standard bridging/mapping</a:t>
-            </a:r>
-          </a:p>
-          <a:p>
-            <a:pPr lvl="1"/>
-            <a:r>
-              <a:rPr lang="en-US" dirty="0" smtClean="0"/>
-              <a:t>Double the effort</a:t>
-            </a:r>
-          </a:p>
-          <a:p>
-            <a:pPr marL="457200" lvl="1" indent="0">
-              <a:buNone/>
-            </a:pPr>
-            <a:endParaRPr lang="en-US" dirty="0" smtClean="0"/>
           </a:p>
         </p:txBody>
       </p:sp>
     </p:spTree>
     <p:extLst>
       <p:ext uri="{BB962C8B-B14F-4D97-AF65-F5344CB8AC3E}">
-        <p14:creationId xmlns:p14="http://schemas.microsoft.com/office/powerpoint/2010/main" val="4276600379"/>
+        <p14:creationId xmlns:p14="http://schemas.microsoft.com/office/powerpoint/2010/main" val="3810355310"/>
       </p:ext>
     </p:extLst>
   </p:cSld>
@@ -4771,7 +4698,7 @@
           <a:p>
             <a:r>
               <a:rPr lang="en-US" dirty="0" smtClean="0"/>
-              <a:t>BPMN 2.0</a:t>
+              <a:t>BPMN + BPEL</a:t>
             </a:r>
             <a:endParaRPr lang="en-US" dirty="0"/>
           </a:p>
@@ -4794,33 +4721,56 @@
           <a:p>
             <a:r>
               <a:rPr lang="en-US" dirty="0" smtClean="0"/>
-              <a:t>A notation for a subset of BPEL</a:t>
-            </a:r>
-          </a:p>
-          <a:p>
-            <a:r>
-              <a:rPr lang="en-US" dirty="0" smtClean="0"/>
-              <a:t>Execution semantics for BPMN</a:t>
-            </a:r>
-          </a:p>
-          <a:p>
-            <a:r>
-              <a:rPr lang="en-US" dirty="0" smtClean="0"/>
-              <a:t>Notational support for choreography</a:t>
-            </a:r>
-          </a:p>
-          <a:p>
-            <a:r>
-              <a:rPr lang="en-US" dirty="0" smtClean="0"/>
-              <a:t>The best of both worlds?</a:t>
-            </a:r>
+              <a:t>In theory:</a:t>
+            </a:r>
+          </a:p>
+          <a:p>
+            <a:pPr lvl="1"/>
+            <a:r>
+              <a:rPr lang="en-US" dirty="0" smtClean="0"/>
+              <a:t>Process experts design and model in BPMN</a:t>
+            </a:r>
+          </a:p>
+          <a:p>
+            <a:pPr lvl="1"/>
+            <a:r>
+              <a:rPr lang="en-US" dirty="0" smtClean="0"/>
+              <a:t>Developers/</a:t>
+            </a:r>
+            <a:r>
+              <a:rPr lang="en-US" dirty="0" err="1" smtClean="0"/>
+              <a:t>Implementors</a:t>
+            </a:r>
+            <a:r>
+              <a:rPr lang="en-US" dirty="0" smtClean="0"/>
+              <a:t> implement in BPEL</a:t>
+            </a:r>
+          </a:p>
+          <a:p>
+            <a:r>
+              <a:rPr lang="en-US" dirty="0" smtClean="0"/>
+              <a:t>No standard bridging/mapping</a:t>
+            </a:r>
+          </a:p>
+          <a:p>
+            <a:pPr lvl="1"/>
+            <a:r>
+              <a:rPr lang="en-US" dirty="0" smtClean="0"/>
+              <a:t>Double the effort</a:t>
+            </a:r>
+          </a:p>
+          <a:p>
+            <a:pPr marL="457200" lvl="1" indent="0">
+              <a:buNone/>
+            </a:pPr>
+            <a:endParaRPr lang="en-US" dirty="0" smtClean="0"/>
           </a:p>
         </p:txBody>
       </p:sp>
     </p:spTree>
     <p:extLst>
       <p:ext uri="{BB962C8B-B14F-4D97-AF65-F5344CB8AC3E}">
-        <p14:creationId xmlns:p14="http://schemas.microsoft.com/office/powerpoint/2010/main" val="331266458"/>
+        <p14:creationId xmlns:p14="http://schemas.microsoft.com/office/powerpoint/2010/main" val="4276600379"/>
       </p:ext>
     </p:extLst>
   </p:cSld>
@@ -4859,33 +4809,12 @@
         </p:nvSpPr>
         <p:spPr/>
         <p:txBody>
-          <a:bodyPr>
-            <a:normAutofit fontScale="90000"/>
-          </a:bodyPr>
-          <a:lstStyle/>
-          <a:p>
-            <a:r>
-              <a:rPr lang="en-US" dirty="0" smtClean="0"/>
-              <a:t>CMMN</a:t>
-            </a:r>
-            <a:br>
-              <a:rPr lang="en-US" dirty="0" smtClean="0"/>
-            </a:br>
-            <a:r>
-              <a:rPr lang="en-US" sz="3600" dirty="0" smtClean="0"/>
-              <a:t>Case Management and </a:t>
-            </a:r>
-            <a:r>
-              <a:rPr lang="en-US" sz="3600" dirty="0" err="1" smtClean="0"/>
-              <a:t>Modelling</a:t>
-            </a:r>
-            <a:r>
-              <a:rPr lang="en-US" sz="3600" dirty="0" smtClean="0"/>
-              <a:t> Notation</a:t>
-            </a:r>
-            <a:r>
-              <a:rPr lang="en-US" dirty="0" smtClean="0"/>
-              <a:t> </a:t>
+          <a:bodyPr/>
+          <a:lstStyle/>
+          <a:p>
+            <a:r>
+              <a:rPr lang="en-US" dirty="0" smtClean="0"/>
+              <a:t>BPMN 2.0</a:t>
             </a:r>
             <a:endParaRPr lang="en-US" dirty="0"/>
           </a:p>
@@ -4903,79 +4832,51 @@
         </p:nvSpPr>
         <p:spPr/>
         <p:txBody>
-          <a:bodyPr>
-            <a:normAutofit lnSpcReduction="10000"/>
-          </a:bodyPr>
-          <a:lstStyle/>
-          <a:p>
-            <a:r>
-              <a:rPr lang="en-US" dirty="0" smtClean="0"/>
-              <a:t>A specification from OMG for </a:t>
-            </a:r>
-            <a:r>
-              <a:rPr lang="en-US" dirty="0" err="1" smtClean="0"/>
-              <a:t>modelling</a:t>
-            </a:r>
-            <a:r>
-              <a:rPr lang="en-US" dirty="0" smtClean="0"/>
-              <a:t> how to handle cases</a:t>
-            </a:r>
-          </a:p>
-          <a:p>
-            <a:r>
-              <a:rPr lang="en-US" dirty="0" smtClean="0"/>
-              <a:t>A more flexible approach to workflow that BPMN or BPEL</a:t>
+          <a:bodyPr/>
+          <a:lstStyle/>
+          <a:p>
+            <a:r>
+              <a:rPr lang="en-US" dirty="0" smtClean="0"/>
+              <a:t>A notation for a subset of BPEL</a:t>
+            </a:r>
+          </a:p>
+          <a:p>
+            <a:r>
+              <a:rPr lang="en-US" dirty="0" smtClean="0"/>
+              <a:t>Execution semantics for BPMN</a:t>
+            </a:r>
+          </a:p>
+          <a:p>
+            <a:r>
+              <a:rPr lang="en-US" dirty="0" smtClean="0"/>
+              <a:t>Notational support for choreography</a:t>
+            </a:r>
+          </a:p>
+          <a:p>
+            <a:r>
+              <a:rPr lang="en-US" dirty="0" smtClean="0"/>
+              <a:t>The best of both worlds?</a:t>
+            </a:r>
+          </a:p>
+          <a:p>
+            <a:r>
+              <a:rPr lang="en-US" dirty="0" smtClean="0"/>
+              <a:t>Cons:</a:t>
             </a:r>
           </a:p>
           <a:p>
             <a:pPr lvl="1"/>
             <a:r>
               <a:rPr lang="en-US" dirty="0" smtClean="0"/>
-              <a:t>Certain workflows are very clear</a:t>
-            </a:r>
-          </a:p>
-          <a:p>
-            <a:pPr lvl="2"/>
-            <a:r>
-              <a:rPr lang="en-US" dirty="0" smtClean="0"/>
-              <a:t>Building a car</a:t>
-            </a:r>
-          </a:p>
-          <a:p>
-            <a:pPr lvl="1"/>
-            <a:r>
-              <a:rPr lang="en-US" dirty="0" smtClean="0"/>
-              <a:t>Others are more flexible</a:t>
-            </a:r>
-          </a:p>
-          <a:p>
-            <a:pPr lvl="2"/>
-            <a:r>
-              <a:rPr lang="en-US" dirty="0" smtClean="0"/>
-              <a:t>Hand building a mandolin</a:t>
-            </a:r>
-          </a:p>
-          <a:p>
-            <a:r>
-              <a:rPr lang="en-US" dirty="0" smtClean="0"/>
-              <a:t>Imperative </a:t>
-            </a:r>
-            <a:r>
-              <a:rPr lang="en-US" dirty="0" err="1" smtClean="0"/>
-              <a:t>vs</a:t>
-            </a:r>
-            <a:r>
-              <a:rPr lang="en-US" dirty="0" smtClean="0"/>
-              <a:t> “Causative”</a:t>
-            </a:r>
-            <a:endParaRPr lang="en-US" dirty="0"/>
+              <a:t>Need to write external logic in another language to implement a process</a:t>
+            </a:r>
           </a:p>
         </p:txBody>
       </p:sp>
     </p:spTree>
     <p:extLst>
       <p:ext uri="{BB962C8B-B14F-4D97-AF65-F5344CB8AC3E}">
-        <p14:creationId xmlns:p14="http://schemas.microsoft.com/office/powerpoint/2010/main" val="1031381821"/>
+        <p14:creationId xmlns:p14="http://schemas.microsoft.com/office/powerpoint/2010/main" val="331266458"/>
       </p:ext>
     </p:extLst>
   </p:cSld>
@@ -5015,83 +4916,122 @@
         <p:spPr/>
         <p:txBody>
           <a:bodyPr>
-            <a:normAutofit/>
+            <a:normAutofit fontScale="90000"/>
           </a:bodyPr>
           <a:lstStyle/>
           <a:p>
             <a:r>
               <a:rPr lang="en-US" dirty="0" smtClean="0"/>
-              <a:t>CMMN example</a:t>
-            </a:r>
-            <a:r>
-              <a:rPr lang="en-US" dirty="0"/>
-              <a:t/>
+              <a:t>CMMN</a:t>
             </a:r>
             <a:br>
-              <a:rPr lang="en-US" dirty="0"/>
+              <a:rPr lang="en-US" dirty="0" smtClean="0"/>
             </a:br>
             <a:r>
-              <a:rPr lang="en-US" sz="1100" dirty="0"/>
-              <a:t>Source</a:t>
-            </a:r>
-            <a:r>
-              <a:rPr lang="en-US" sz="1100" dirty="0" smtClean="0"/>
-              <a:t>: </a:t>
-            </a:r>
-            <a:r>
-              <a:rPr lang="en-US" sz="1100" dirty="0" smtClean="0">
-                <a:hlinkClick r:id="rId2"/>
-              </a:rPr>
-              <a:t>http</a:t>
-            </a:r>
-            <a:r>
-              <a:rPr lang="en-US" sz="1100" dirty="0">
-                <a:hlinkClick r:id="rId2"/>
-              </a:rPr>
-              <a:t>://brsilver.com/bpmn-cmmn-compared</a:t>
-            </a:r>
-            <a:r>
-              <a:rPr lang="en-US" sz="1100" dirty="0" smtClean="0">
-                <a:hlinkClick r:id="rId2"/>
-              </a:rPr>
-              <a:t>/</a:t>
-            </a:r>
-            <a:r>
-              <a:rPr lang="en-US" sz="1100" dirty="0" smtClean="0"/>
-              <a:t>  </a:t>
-            </a:r>
-            <a:endParaRPr lang="en-US" sz="1100" dirty="0"/>
-          </a:p>
-        </p:txBody>
-      </p:sp>
-      <p:pic>
-        <p:nvPicPr>
-          <p:cNvPr id="4" name="Picture 3"/>
-          <p:cNvPicPr>
-            <a:picLocks noChangeAspect="1"/>
-          </p:cNvPicPr>
-          <p:nvPr/>
-        </p:nvPicPr>
-        <p:blipFill>
-          <a:blip r:embed="rId3"/>
-          <a:stretch>
-            <a:fillRect/>
-          </a:stretch>
-        </p:blipFill>
-        <p:spPr>
-          <a:xfrm>
-            <a:off x="708389" y="1523966"/>
-            <a:ext cx="7371718" cy="5108203"/>
-          </a:xfrm>
-          <a:prstGeom prst="rect">
-            <a:avLst/>
-          </a:prstGeom>
-        </p:spPr>
-      </p:pic>
+              <a:rPr lang="en-US" sz="3600" dirty="0" smtClean="0"/>
+              <a:t>Case Management and </a:t>
+            </a:r>
+            <a:r>
+              <a:rPr lang="en-US" sz="3600" dirty="0" err="1" smtClean="0"/>
+              <a:t>Modelling</a:t>
+            </a:r>
+            <a:r>
+              <a:rPr lang="en-US" sz="3600" dirty="0" smtClean="0"/>
+              <a:t> Notation</a:t>
+            </a:r>
+            <a:r>
+              <a:rPr lang="en-US" dirty="0" smtClean="0"/>
+              <a:t> </a:t>
+            </a:r>
+            <a:endParaRPr lang="en-US" dirty="0"/>
+          </a:p>
+        </p:txBody>
+      </p:sp>
+      <p:sp>
+        <p:nvSpPr>
+          <p:cNvPr id="3" name="Content Placeholder 2"/>
+          <p:cNvSpPr>
+            <a:spLocks noGrp="1"/>
+          </p:cNvSpPr>
+          <p:nvPr>
+            <p:ph idx="1"/>
+          </p:nvPr>
+        </p:nvSpPr>
+        <p:spPr/>
+        <p:txBody>
+          <a:bodyPr>
+            <a:normAutofit lnSpcReduction="10000"/>
+          </a:bodyPr>
+          <a:lstStyle/>
+          <a:p>
+            <a:r>
+              <a:rPr lang="en-US" dirty="0" smtClean="0"/>
+              <a:t>A specification from OMG for </a:t>
+            </a:r>
+            <a:r>
+              <a:rPr lang="en-US" dirty="0" err="1" smtClean="0"/>
+              <a:t>modelling</a:t>
+            </a:r>
+            <a:r>
+              <a:rPr lang="en-US" dirty="0" smtClean="0"/>
+              <a:t> how to handle cases</a:t>
+            </a:r>
+          </a:p>
+          <a:p>
+            <a:r>
+              <a:rPr lang="en-US" dirty="0" smtClean="0"/>
+              <a:t>A more flexible approach to workflow that BPMN or BPEL</a:t>
+            </a:r>
+          </a:p>
+          <a:p>
+            <a:pPr lvl="1"/>
+            <a:r>
+              <a:rPr lang="en-US" dirty="0" smtClean="0"/>
+              <a:t>Certain workflows are very clear</a:t>
+            </a:r>
+          </a:p>
+          <a:p>
+            <a:pPr lvl="2"/>
+            <a:r>
+              <a:rPr lang="en-US" dirty="0" smtClean="0"/>
+              <a:t>Building a car</a:t>
+            </a:r>
+          </a:p>
+          <a:p>
+            <a:pPr lvl="1"/>
+            <a:r>
+              <a:rPr lang="en-US" dirty="0" smtClean="0"/>
+              <a:t>Others are more flexible</a:t>
+            </a:r>
+          </a:p>
+          <a:p>
+            <a:pPr lvl="2"/>
+            <a:r>
+              <a:rPr lang="en-US" dirty="0" smtClean="0"/>
+              <a:t>Hand building a mandolin</a:t>
+            </a:r>
+          </a:p>
+          <a:p>
+            <a:r>
+              <a:rPr lang="en-US" dirty="0" smtClean="0"/>
+              <a:t>Imperative </a:t>
+            </a:r>
+            <a:r>
+              <a:rPr lang="en-US" dirty="0" err="1" smtClean="0"/>
+              <a:t>vs</a:t>
+            </a:r>
+            <a:r>
+              <a:rPr lang="en-US" dirty="0" smtClean="0"/>
+              <a:t> “Causative”</a:t>
+            </a:r>
+            <a:endParaRPr lang="en-US" dirty="0"/>
+          </a:p>
+        </p:txBody>
+      </p:sp>
     </p:spTree>
     <p:extLst>
       <p:ext uri="{BB962C8B-B14F-4D97-AF65-F5344CB8AC3E}">
-        <p14:creationId xmlns:p14="http://schemas.microsoft.com/office/powerpoint/2010/main" val="4240818444"/>
+        <p14:creationId xmlns:p14="http://schemas.microsoft.com/office/powerpoint/2010/main" val="1031381821"/>
       </p:ext>
     </p:extLst>
   </p:cSld>
@@ -5130,7 +5070,9 @@
         </p:nvSpPr>
         <p:spPr/>
         <p:txBody>
-          <a:bodyPr/>
+          <a:bodyPr>
+            <a:normAutofit fontScale="90000"/>
+          </a:bodyPr>
           <a:lstStyle/>
           <a:p>
             <a:r>
@@ -5151,56 +5093,65 @@
             <p:ph idx="1"/>
           </p:nvPr>
         </p:nvSpPr>
-        <p:spPr/>
+        <p:spPr>
+          <a:xfrm>
+            <a:off x="375635" y="1619444"/>
+            <a:ext cx="8229600" cy="4525963"/>
+          </a:xfrm>
+        </p:spPr>
         <p:txBody>
           <a:bodyPr>
-            <a:normAutofit fontScale="92500" lnSpcReduction="10000"/>
+            <a:noAutofit/>
           </a:bodyPr>
           <a:lstStyle/>
           <a:p>
             <a:r>
-              <a:rPr lang="en-US" dirty="0" smtClean="0"/>
+              <a:rPr lang="en-US" sz="2400" dirty="0" smtClean="0"/>
               <a:t>Hammer &amp; </a:t>
             </a:r>
             <a:r>
-              <a:rPr lang="en-US" dirty="0" err="1" smtClean="0"/>
+              <a:rPr lang="en-US" sz="2400" dirty="0" err="1" smtClean="0"/>
               <a:t>Champy</a:t>
             </a:r>
             <a:r>
-              <a:rPr lang="en-US" dirty="0" smtClean="0"/>
+              <a:rPr lang="en-US" sz="2400" dirty="0" smtClean="0"/>
               <a:t> [</a:t>
             </a:r>
             <a:r>
-              <a:rPr lang="en-US" dirty="0"/>
+              <a:rPr lang="en-US" sz="2400" dirty="0"/>
               <a:t>1993</a:t>
             </a:r>
             <a:r>
-              <a:rPr lang="en-US" dirty="0" smtClean="0"/>
+              <a:rPr lang="en-US" sz="2400" dirty="0" smtClean="0"/>
               <a:t>] “A collection of activities that takes one or more kinds of input and creates an output that is of value to the customer</a:t>
             </a:r>
             <a:r>
-              <a:rPr lang="en-US" dirty="0"/>
+              <a:rPr lang="en-US" sz="2400" dirty="0"/>
               <a:t>.</a:t>
             </a:r>
             <a:r>
-              <a:rPr lang="en-US" dirty="0" smtClean="0"/>
+              <a:rPr lang="en-US" sz="2400" dirty="0" smtClean="0"/>
               <a:t>”</a:t>
             </a:r>
-          </a:p>
-          <a:p>
-            <a:r>
-              <a:rPr lang="en-US" dirty="0" smtClean="0"/>
+            <a:br>
+              <a:rPr lang="en-US" sz="2400" dirty="0" smtClean="0"/>
+            </a:br>
+            <a:endParaRPr lang="en-US" sz="2400" dirty="0" smtClean="0"/>
+          </a:p>
+          <a:p>
+            <a:r>
+              <a:rPr lang="en-US" sz="2400" dirty="0" smtClean="0"/>
               <a:t>Davenport [</a:t>
             </a:r>
             <a:r>
-              <a:rPr lang="en-US" dirty="0"/>
+              <a:rPr lang="en-US" sz="2400" dirty="0"/>
               <a:t>1992</a:t>
             </a:r>
             <a:r>
-              <a:rPr lang="en-US" dirty="0" smtClean="0"/>
+              <a:rPr lang="en-US" sz="2400" dirty="0" smtClean="0"/>
               <a:t>] “A structured, measured set of activities designed to produce a specific output for a particular customer or market. It implies a strong emphasis on how work is done within an organization, in contrast to a product focus’s emphasis on what.”</a:t>
             </a:r>
-            <a:endParaRPr lang="en-US" dirty="0"/>
+            <a:endParaRPr lang="en-US" sz="2400" dirty="0"/>
           </a:p>
         </p:txBody>
       </p:sp>
@@ -5244,21 +5195,55 @@
             <p:ph type="title"/>
           </p:nvPr>
         </p:nvSpPr>
-        <p:spPr>
-          <a:xfrm>
-            <a:off x="457200" y="274638"/>
-            <a:ext cx="3289300" cy="1143000"/>
-          </a:xfrm>
-        </p:spPr>
-        <p:txBody>
-          <a:bodyPr/>
-          <a:lstStyle/>
-          <a:p>
-            <a:r>
-              <a:rPr lang="en-US" dirty="0" smtClean="0"/>
-              <a:t>BPMN 2.0</a:t>
-            </a:r>
-            <a:endParaRPr lang="en-US" dirty="0"/>
+        <p:spPr/>
+        <p:txBody>
+          <a:bodyPr>
+            <a:normAutofit/>
+          </a:bodyPr>
+          <a:lstStyle/>
+          <a:p>
+            <a:r>
+              <a:rPr lang="en-US" dirty="0" smtClean="0"/>
+              <a:t>CMMN example</a:t>
+            </a:r>
+            <a:r>
+              <a:rPr lang="en-US" dirty="0"/>
+              <a:t/>
+            </a:r>
+            <a:br>
+              <a:rPr lang="en-US" dirty="0"/>
+            </a:br>
+            <a:r>
+              <a:rPr lang="en-US" sz="1100" dirty="0"/>
+              <a:t>Source</a:t>
+            </a:r>
+            <a:r>
+              <a:rPr lang="en-US" sz="1100" dirty="0" smtClean="0"/>
+              <a:t>: </a:t>
+            </a:r>
+            <a:r>
+              <a:rPr lang="en-US" sz="1100" dirty="0" smtClean="0">
+                <a:hlinkClick r:id="rId2"/>
+              </a:rPr>
+              <a:t>http</a:t>
+            </a:r>
+            <a:r>
+              <a:rPr lang="en-US" sz="1100" dirty="0">
+                <a:hlinkClick r:id="rId2"/>
+              </a:rPr>
+              <a:t>://brsilver.com/bpmn-cmmn-compared</a:t>
+            </a:r>
+            <a:r>
+              <a:rPr lang="en-US" sz="1100" dirty="0" smtClean="0">
+                <a:hlinkClick r:id="rId2"/>
+              </a:rPr>
+              <a:t>/</a:t>
+            </a:r>
+            <a:r>
+              <a:rPr lang="en-US" sz="1100" dirty="0" smtClean="0"/>
+              <a:t>  </a:t>
+            </a:r>
+            <a:endParaRPr lang="en-US" sz="1100" dirty="0"/>
           </a:p>
         </p:txBody>
       </p:sp>
@@ -5271,15 +5256,15 @@
           <p:nvPr/>
         </p:nvPicPr>
         <p:blipFill>
-          <a:blip r:embed="rId2"/>
+          <a:blip r:embed="rId3"/>
           <a:stretch>
             <a:fillRect/>
           </a:stretch>
         </p:blipFill>
         <p:spPr>
           <a:xfrm>
-            <a:off x="4102100" y="163481"/>
-            <a:ext cx="4730205" cy="5945219"/>
+            <a:off x="708389" y="1523966"/>
+            <a:ext cx="7371718" cy="5108203"/>
           </a:xfrm>
           <a:prstGeom prst="rect">
             <a:avLst/>
@@ -5289,7 +5274,7 @@
     </p:spTree>
     <p:extLst>
       <p:ext uri="{BB962C8B-B14F-4D97-AF65-F5344CB8AC3E}">
-        <p14:creationId xmlns:p14="http://schemas.microsoft.com/office/powerpoint/2010/main" val="1498721028"/>
+        <p14:creationId xmlns:p14="http://schemas.microsoft.com/office/powerpoint/2010/main" val="4240818444"/>
       </p:ext>
     </p:extLst>
   </p:cSld>
@@ -5328,12 +5313,21 @@
         </p:nvSpPr>
         <p:spPr/>
         <p:txBody>
-          <a:bodyPr/>
-          <a:lstStyle/>
-          <a:p>
-            <a:r>
-              <a:rPr lang="en-US" dirty="0" smtClean="0"/>
-              <a:t>BPMN 2.0 Basics</a:t>
+          <a:bodyPr>
+            <a:normAutofit fontScale="90000"/>
+          </a:bodyPr>
+          <a:lstStyle/>
+          <a:p>
+            <a:r>
+              <a:rPr lang="en-US" dirty="0" smtClean="0"/>
+              <a:t>Decision Modeling Notation</a:t>
+            </a:r>
+            <a:br>
+              <a:rPr lang="en-US" dirty="0" smtClean="0"/>
+            </a:br>
+            <a:r>
+              <a:rPr lang="en-US" dirty="0" smtClean="0"/>
+              <a:t>DMN 1.1</a:t>
             </a:r>
             <a:endParaRPr lang="en-US" dirty="0"/>
           </a:p>
@@ -5355,8 +5349,8 @@
         </p:blipFill>
         <p:spPr>
           <a:xfrm>
-            <a:off x="457200" y="1146175"/>
-            <a:ext cx="8585200" cy="5486400"/>
+            <a:off x="1076781" y="1693424"/>
+            <a:ext cx="6328794" cy="5164576"/>
           </a:xfrm>
           <a:prstGeom prst="rect">
             <a:avLst/>
@@ -5366,7 +5360,7 @@
     </p:spTree>
     <p:extLst>
       <p:ext uri="{BB962C8B-B14F-4D97-AF65-F5344CB8AC3E}">
-        <p14:creationId xmlns:p14="http://schemas.microsoft.com/office/powerpoint/2010/main" val="1310807420"/>
+        <p14:creationId xmlns:p14="http://schemas.microsoft.com/office/powerpoint/2010/main" val="2196109852"/>
       </p:ext>
     </p:extLst>
   </p:cSld>
@@ -5403,77 +5397,27 @@
             <p:ph type="title"/>
           </p:nvPr>
         </p:nvSpPr>
-        <p:spPr/>
+        <p:spPr>
+          <a:xfrm>
+            <a:off x="457200" y="274638"/>
+            <a:ext cx="3289300" cy="1143000"/>
+          </a:xfrm>
+        </p:spPr>
         <p:txBody>
           <a:bodyPr/>
           <a:lstStyle/>
           <a:p>
             <a:r>
               <a:rPr lang="en-US" dirty="0" smtClean="0"/>
-              <a:t>BPMN Basic Constructs</a:t>
-            </a:r>
-            <a:endParaRPr lang="en-US" dirty="0"/>
-          </a:p>
-        </p:txBody>
-      </p:sp>
-      <p:sp>
-        <p:nvSpPr>
-          <p:cNvPr id="3" name="Content Placeholder 2"/>
-          <p:cNvSpPr>
-            <a:spLocks noGrp="1"/>
-          </p:cNvSpPr>
-          <p:nvPr>
-            <p:ph idx="1"/>
-          </p:nvPr>
-        </p:nvSpPr>
-        <p:spPr/>
-        <p:txBody>
-          <a:bodyPr/>
-          <a:lstStyle/>
-          <a:p>
-            <a:r>
-              <a:rPr lang="en-US" dirty="0" smtClean="0"/>
-              <a:t>Events</a:t>
-            </a:r>
-          </a:p>
-          <a:p>
-            <a:endParaRPr lang="en-US" dirty="0"/>
-          </a:p>
-          <a:p>
-            <a:r>
-              <a:rPr lang="en-US" dirty="0" smtClean="0"/>
-              <a:t>Activities</a:t>
-            </a:r>
-          </a:p>
-          <a:p>
-            <a:endParaRPr lang="en-US" dirty="0"/>
-          </a:p>
-          <a:p>
-            <a:r>
-              <a:rPr lang="en-US" dirty="0" smtClean="0"/>
-              <a:t>Gateways</a:t>
-            </a:r>
-          </a:p>
-          <a:p>
-            <a:endParaRPr lang="en-US" dirty="0"/>
-          </a:p>
-          <a:p>
-            <a:r>
-              <a:rPr lang="en-US" dirty="0" smtClean="0"/>
-              <a:t>Sequence Flows</a:t>
-            </a:r>
-          </a:p>
-          <a:p>
-            <a:pPr marL="0" indent="0">
-              <a:buNone/>
-            </a:pPr>
+              <a:t>BPMN 2.0</a:t>
+            </a:r>
             <a:endParaRPr lang="en-US" dirty="0"/>
           </a:p>
         </p:txBody>
       </p:sp>
       <p:pic>
         <p:nvPicPr>
-          <p:cNvPr id="5" name="Picture 4"/>
+          <p:cNvPr id="4" name="Picture 3"/>
           <p:cNvPicPr>
             <a:picLocks noChangeAspect="1"/>
           </p:cNvPicPr>
@@ -5487,80 +5431,8 @@
         </p:blipFill>
         <p:spPr>
           <a:xfrm>
-            <a:off x="3111500" y="1600200"/>
-            <a:ext cx="2908300" cy="787400"/>
-          </a:xfrm>
-          <a:prstGeom prst="rect">
-            <a:avLst/>
-          </a:prstGeom>
-        </p:spPr>
-      </p:pic>
-      <p:pic>
-        <p:nvPicPr>
-          <p:cNvPr id="6" name="Picture 5"/>
-          <p:cNvPicPr>
-            <a:picLocks noChangeAspect="1"/>
-          </p:cNvPicPr>
-          <p:nvPr/>
-        </p:nvPicPr>
-        <p:blipFill>
-          <a:blip r:embed="rId3"/>
-          <a:stretch>
-            <a:fillRect/>
-          </a:stretch>
-        </p:blipFill>
-        <p:spPr>
-          <a:xfrm>
-            <a:off x="2571750" y="2653371"/>
-            <a:ext cx="5143500" cy="1045503"/>
-          </a:xfrm>
-          <a:prstGeom prst="rect">
-            <a:avLst/>
-          </a:prstGeom>
-        </p:spPr>
-      </p:pic>
-      <p:pic>
-        <p:nvPicPr>
-          <p:cNvPr id="9" name="Picture 8"/>
-          <p:cNvPicPr>
-            <a:picLocks noChangeAspect="1"/>
-          </p:cNvPicPr>
-          <p:nvPr/>
-        </p:nvPicPr>
-        <p:blipFill>
-          <a:blip r:embed="rId4"/>
-          <a:stretch>
-            <a:fillRect/>
-          </a:stretch>
-        </p:blipFill>
-        <p:spPr>
-          <a:xfrm>
-            <a:off x="3879850" y="4724400"/>
-            <a:ext cx="5130800" cy="1206500"/>
-          </a:xfrm>
-          <a:prstGeom prst="rect">
-            <a:avLst/>
-          </a:prstGeom>
-        </p:spPr>
-      </p:pic>
-      <p:pic>
-        <p:nvPicPr>
-          <p:cNvPr id="4" name="Picture 3"/>
-          <p:cNvPicPr>
-            <a:picLocks noChangeAspect="1"/>
-          </p:cNvPicPr>
-          <p:nvPr/>
-        </p:nvPicPr>
-        <p:blipFill>
-          <a:blip r:embed="rId5"/>
-          <a:stretch>
-            <a:fillRect/>
-          </a:stretch>
-        </p:blipFill>
-        <p:spPr>
-          <a:xfrm>
-            <a:off x="2847964" y="3810000"/>
-            <a:ext cx="4648200" cy="914400"/>
+            <a:off x="4102100" y="163481"/>
+            <a:ext cx="4730205" cy="5945219"/>
           </a:xfrm>
           <a:prstGeom prst="rect">
             <a:avLst/>
@@ -5570,7 +5442,7 @@
     </p:spTree>
     <p:extLst>
       <p:ext uri="{BB962C8B-B14F-4D97-AF65-F5344CB8AC3E}">
-        <p14:creationId xmlns:p14="http://schemas.microsoft.com/office/powerpoint/2010/main" val="311980894"/>
+        <p14:creationId xmlns:p14="http://schemas.microsoft.com/office/powerpoint/2010/main" val="1498721028"/>
       </p:ext>
     </p:extLst>
   </p:cSld>
@@ -5614,40 +5486,15 @@
           <a:p>
             <a:r>
               <a:rPr lang="en-US" dirty="0" smtClean="0"/>
-              <a:t>Text Annotations</a:t>
-            </a:r>
-            <a:endParaRPr lang="en-US" dirty="0"/>
-          </a:p>
-        </p:txBody>
-      </p:sp>
-      <p:sp>
-        <p:nvSpPr>
-          <p:cNvPr id="3" name="Content Placeholder 2"/>
-          <p:cNvSpPr>
-            <a:spLocks noGrp="1"/>
-          </p:cNvSpPr>
-          <p:nvPr>
-            <p:ph idx="1"/>
-          </p:nvPr>
-        </p:nvSpPr>
-        <p:spPr/>
-        <p:txBody>
-          <a:bodyPr/>
-          <a:lstStyle/>
-          <a:p>
-            <a:r>
-              <a:rPr lang="en-US" dirty="0" smtClean="0"/>
-              <a:t>How you document your processes</a:t>
-            </a:r>
-          </a:p>
-          <a:p>
+              <a:t>BPMN 2.0 Basics</a:t>
+            </a:r>
             <a:endParaRPr lang="en-US" dirty="0"/>
           </a:p>
         </p:txBody>
       </p:sp>
       <p:pic>
         <p:nvPicPr>
-          <p:cNvPr id="5" name="Picture 4"/>
+          <p:cNvPr id="4" name="Picture 3"/>
           <p:cNvPicPr>
             <a:picLocks noChangeAspect="1"/>
           </p:cNvPicPr>
@@ -5661,8 +5508,8 @@
         </p:blipFill>
         <p:spPr>
           <a:xfrm>
-            <a:off x="217994" y="2377261"/>
-            <a:ext cx="7227382" cy="4366941"/>
+            <a:off x="457200" y="1146175"/>
+            <a:ext cx="8585200" cy="5486400"/>
           </a:xfrm>
           <a:prstGeom prst="rect">
             <a:avLst/>
@@ -5672,7 +5519,7 @@
     </p:spTree>
     <p:extLst>
       <p:ext uri="{BB962C8B-B14F-4D97-AF65-F5344CB8AC3E}">
-        <p14:creationId xmlns:p14="http://schemas.microsoft.com/office/powerpoint/2010/main" val="4287862343"/>
+        <p14:creationId xmlns:p14="http://schemas.microsoft.com/office/powerpoint/2010/main" val="1310807420"/>
       </p:ext>
     </p:extLst>
   </p:cSld>
@@ -5716,7 +5563,7 @@
           <a:p>
             <a:r>
               <a:rPr lang="en-US" dirty="0" smtClean="0"/>
-              <a:t>Start Events</a:t>
+              <a:t>BPMN Basic Constructs</a:t>
             </a:r>
             <a:endParaRPr lang="en-US" dirty="0"/>
           </a:p>
@@ -5739,36 +5586,34 @@
           <a:p>
             <a:r>
               <a:rPr lang="en-US" dirty="0" smtClean="0"/>
-              <a:t>Start Event </a:t>
-            </a:r>
-          </a:p>
-          <a:p>
-            <a:pPr lvl="1"/>
-            <a:r>
-              <a:rPr lang="en-US" dirty="0" smtClean="0"/>
-              <a:t>Message Start </a:t>
-            </a:r>
+              <a:t>Events</a:t>
+            </a:r>
+          </a:p>
+          <a:p>
             <a:endParaRPr lang="en-US" dirty="0"/>
           </a:p>
           <a:p>
-            <a:pPr lvl="1"/>
-            <a:r>
-              <a:rPr lang="en-US" dirty="0" smtClean="0"/>
-              <a:t>Timer Start </a:t>
-            </a:r>
-          </a:p>
-          <a:p>
-            <a:pPr lvl="1"/>
-            <a:r>
-              <a:rPr lang="en-US" dirty="0" smtClean="0"/>
-              <a:t>Conditional Start</a:t>
-            </a:r>
-          </a:p>
-          <a:p>
-            <a:pPr lvl="1"/>
-            <a:r>
-              <a:rPr lang="en-US" dirty="0" smtClean="0"/>
-              <a:t>Signal Start </a:t>
+            <a:r>
+              <a:rPr lang="en-US" dirty="0" smtClean="0"/>
+              <a:t>Activities</a:t>
+            </a:r>
+          </a:p>
+          <a:p>
+            <a:endParaRPr lang="en-US" dirty="0"/>
+          </a:p>
+          <a:p>
+            <a:r>
+              <a:rPr lang="en-US" dirty="0" smtClean="0"/>
+              <a:t>Gateways</a:t>
+            </a:r>
+          </a:p>
+          <a:p>
+            <a:endParaRPr lang="en-US" dirty="0"/>
+          </a:p>
+          <a:p>
+            <a:r>
+              <a:rPr lang="en-US" dirty="0" smtClean="0"/>
+              <a:t>Sequence Flows</a:t>
             </a:r>
           </a:p>
           <a:p>
@@ -5795,8 +5640,8 @@
         </p:blipFill>
         <p:spPr>
           <a:xfrm>
-            <a:off x="2713118" y="1600199"/>
-            <a:ext cx="980826" cy="776487"/>
+            <a:off x="3111500" y="1600200"/>
+            <a:ext cx="2908300" cy="787400"/>
           </a:xfrm>
           <a:prstGeom prst="rect">
             <a:avLst/>
@@ -5805,7 +5650,7 @@
       </p:pic>
       <p:pic>
         <p:nvPicPr>
-          <p:cNvPr id="8" name="Picture 7"/>
+          <p:cNvPr id="6" name="Picture 5"/>
           <p:cNvPicPr>
             <a:picLocks noChangeAspect="1"/>
           </p:cNvPicPr>
@@ -5819,8 +5664,8 @@
         </p:blipFill>
         <p:spPr>
           <a:xfrm>
-            <a:off x="3553631" y="2082470"/>
-            <a:ext cx="723900" cy="698500"/>
+            <a:off x="2571750" y="2653371"/>
+            <a:ext cx="5143500" cy="1045503"/>
           </a:xfrm>
           <a:prstGeom prst="rect">
             <a:avLst/>
@@ -5843,8 +5688,8 @@
         </p:blipFill>
         <p:spPr>
           <a:xfrm>
-            <a:off x="2918074" y="2625527"/>
-            <a:ext cx="825500" cy="673100"/>
+            <a:off x="3879850" y="4724400"/>
+            <a:ext cx="5130800" cy="1206500"/>
           </a:xfrm>
           <a:prstGeom prst="rect">
             <a:avLst/>
@@ -5853,7 +5698,7 @@
       </p:pic>
       <p:pic>
         <p:nvPicPr>
-          <p:cNvPr id="10" name="Picture 9"/>
+          <p:cNvPr id="4" name="Picture 3"/>
           <p:cNvPicPr>
             <a:picLocks noChangeAspect="1"/>
           </p:cNvPicPr>
@@ -5867,32 +5712,8 @@
         </p:blipFill>
         <p:spPr>
           <a:xfrm>
-            <a:off x="3935595" y="3159654"/>
-            <a:ext cx="812800" cy="749300"/>
-          </a:xfrm>
-          <a:prstGeom prst="rect">
-            <a:avLst/>
-          </a:prstGeom>
-        </p:spPr>
-      </p:pic>
-      <p:pic>
-        <p:nvPicPr>
-          <p:cNvPr id="11" name="Picture 10"/>
-          <p:cNvPicPr>
-            <a:picLocks noChangeAspect="1"/>
-          </p:cNvPicPr>
-          <p:nvPr/>
-        </p:nvPicPr>
-        <p:blipFill>
-          <a:blip r:embed="rId6"/>
-          <a:stretch>
-            <a:fillRect/>
-          </a:stretch>
-        </p:blipFill>
-        <p:spPr>
-          <a:xfrm>
-            <a:off x="2918074" y="3646884"/>
-            <a:ext cx="749300" cy="723900"/>
+            <a:off x="2847964" y="3810000"/>
+            <a:ext cx="4648200" cy="914400"/>
           </a:xfrm>
           <a:prstGeom prst="rect">
             <a:avLst/>
@@ -5902,7 +5723,7 @@
     </p:spTree>
     <p:extLst>
       <p:ext uri="{BB962C8B-B14F-4D97-AF65-F5344CB8AC3E}">
-        <p14:creationId xmlns:p14="http://schemas.microsoft.com/office/powerpoint/2010/main" val="3384156764"/>
+        <p14:creationId xmlns:p14="http://schemas.microsoft.com/office/powerpoint/2010/main" val="311980894"/>
       </p:ext>
     </p:extLst>
   </p:cSld>
@@ -5946,15 +5767,40 @@
           <a:p>
             <a:r>
               <a:rPr lang="en-US" dirty="0" smtClean="0"/>
-              <a:t>Some Intermediate Events</a:t>
-            </a:r>
+              <a:t>Text Annotations</a:t>
+            </a:r>
+            <a:endParaRPr lang="en-US" dirty="0"/>
+          </a:p>
+        </p:txBody>
+      </p:sp>
+      <p:sp>
+        <p:nvSpPr>
+          <p:cNvPr id="3" name="Content Placeholder 2"/>
+          <p:cNvSpPr>
+            <a:spLocks noGrp="1"/>
+          </p:cNvSpPr>
+          <p:nvPr>
+            <p:ph idx="1"/>
+          </p:nvPr>
+        </p:nvSpPr>
+        <p:spPr/>
+        <p:txBody>
+          <a:bodyPr/>
+          <a:lstStyle/>
+          <a:p>
+            <a:r>
+              <a:rPr lang="en-US" dirty="0" smtClean="0"/>
+              <a:t>How you document your processes</a:t>
+            </a:r>
+          </a:p>
+          <a:p>
             <a:endParaRPr lang="en-US" dirty="0"/>
           </a:p>
         </p:txBody>
       </p:sp>
       <p:pic>
         <p:nvPicPr>
-          <p:cNvPr id="4" name="Picture 3"/>
+          <p:cNvPr id="5" name="Picture 4"/>
           <p:cNvPicPr>
             <a:picLocks noChangeAspect="1"/>
           </p:cNvPicPr>
@@ -5968,86 +5814,18 @@
         </p:blipFill>
         <p:spPr>
           <a:xfrm>
-            <a:off x="812490" y="1790700"/>
-            <a:ext cx="1003300" cy="3276600"/>
+            <a:off x="217994" y="2377261"/>
+            <a:ext cx="7227382" cy="4366941"/>
           </a:xfrm>
           <a:prstGeom prst="rect">
             <a:avLst/>
           </a:prstGeom>
         </p:spPr>
       </p:pic>
-      <p:sp>
-        <p:nvSpPr>
-          <p:cNvPr id="5" name="TextBox 4"/>
-          <p:cNvSpPr txBox="1"/>
-          <p:nvPr/>
-        </p:nvSpPr>
-        <p:spPr>
-          <a:xfrm>
-            <a:off x="1815789" y="1981859"/>
-            <a:ext cx="2761443" cy="3170099"/>
-          </a:xfrm>
-          <a:prstGeom prst="rect">
-            <a:avLst/>
-          </a:prstGeom>
-          <a:noFill/>
-        </p:spPr>
-        <p:txBody>
-          <a:bodyPr wrap="square" rtlCol="0">
-            <a:spAutoFit/>
-          </a:bodyPr>
-          <a:lstStyle/>
-          <a:p>
-            <a:r>
-              <a:rPr lang="en-US" sz="2000" dirty="0" smtClean="0"/>
-              <a:t>Basic Intermediate Event</a:t>
-            </a:r>
-          </a:p>
-          <a:p>
-            <a:endParaRPr lang="en-US" sz="2000" dirty="0"/>
-          </a:p>
-          <a:p>
-            <a:r>
-              <a:rPr lang="en-US" sz="2000" dirty="0" smtClean="0"/>
-              <a:t>Message Catch </a:t>
-            </a:r>
-          </a:p>
-          <a:p>
-            <a:endParaRPr lang="en-US" sz="2000" dirty="0"/>
-          </a:p>
-          <a:p>
-            <a:r>
-              <a:rPr lang="en-US" sz="2000" dirty="0" smtClean="0"/>
-              <a:t>Message Throw</a:t>
-            </a:r>
-          </a:p>
-          <a:p>
-            <a:endParaRPr lang="en-US" sz="2000" dirty="0"/>
-          </a:p>
-          <a:p>
-            <a:r>
-              <a:rPr lang="en-US" sz="2000" dirty="0" smtClean="0"/>
-              <a:t>Timer</a:t>
-            </a:r>
-          </a:p>
-          <a:p>
-            <a:endParaRPr lang="en-US" sz="2000" dirty="0"/>
-          </a:p>
-          <a:p>
-            <a:r>
-              <a:rPr lang="en-US" sz="2000" dirty="0" smtClean="0"/>
-              <a:t>Escalation</a:t>
-            </a:r>
-          </a:p>
-          <a:p>
-            <a:endParaRPr lang="en-US" sz="2000" dirty="0"/>
-          </a:p>
-        </p:txBody>
-      </p:sp>
     </p:spTree>
     <p:extLst>
       <p:ext uri="{BB962C8B-B14F-4D97-AF65-F5344CB8AC3E}">
-        <p14:creationId xmlns:p14="http://schemas.microsoft.com/office/powerpoint/2010/main" val="1375110157"/>
+        <p14:creationId xmlns:p14="http://schemas.microsoft.com/office/powerpoint/2010/main" val="4287862343"/>
       </p:ext>
     </p:extLst>
   </p:cSld>
@@ -6091,15 +5869,72 @@
           <a:p>
             <a:r>
               <a:rPr lang="en-US" dirty="0" smtClean="0"/>
-              <a:t>Some End Events</a:t>
-            </a:r>
+              <a:t>Start Events</a:t>
+            </a:r>
+            <a:endParaRPr lang="en-US" dirty="0"/>
+          </a:p>
+        </p:txBody>
+      </p:sp>
+      <p:sp>
+        <p:nvSpPr>
+          <p:cNvPr id="3" name="Content Placeholder 2"/>
+          <p:cNvSpPr>
+            <a:spLocks noGrp="1"/>
+          </p:cNvSpPr>
+          <p:nvPr>
+            <p:ph idx="1"/>
+          </p:nvPr>
+        </p:nvSpPr>
+        <p:spPr/>
+        <p:txBody>
+          <a:bodyPr/>
+          <a:lstStyle/>
+          <a:p>
+            <a:r>
+              <a:rPr lang="en-US" dirty="0" smtClean="0"/>
+              <a:t>Start Event </a:t>
+            </a:r>
+          </a:p>
+          <a:p>
+            <a:pPr lvl="1"/>
+            <a:r>
+              <a:rPr lang="en-US" dirty="0" smtClean="0"/>
+              <a:t>Message Start </a:t>
+            </a:r>
+            <a:endParaRPr lang="en-US" dirty="0"/>
+          </a:p>
+          <a:p>
+            <a:pPr lvl="1"/>
+            <a:r>
+              <a:rPr lang="en-US" dirty="0" smtClean="0"/>
+              <a:t>Timer Start </a:t>
+            </a:r>
+          </a:p>
+          <a:p>
+            <a:pPr lvl="1"/>
+            <a:r>
+              <a:rPr lang="en-US" dirty="0" smtClean="0"/>
+              <a:t>Conditional Start</a:t>
+            </a:r>
+          </a:p>
+          <a:p>
+            <a:pPr lvl="1"/>
+            <a:r>
+              <a:rPr lang="en-US" dirty="0" smtClean="0"/>
+              <a:t>Signal Start </a:t>
+            </a:r>
+          </a:p>
+          <a:p>
+            <a:pPr marL="0" indent="0">
+              <a:buNone/>
+            </a:pPr>
             <a:endParaRPr lang="en-US" dirty="0"/>
           </a:p>
         </p:txBody>
       </p:sp>
       <p:pic>
         <p:nvPicPr>
-          <p:cNvPr id="4" name="Picture 3"/>
+          <p:cNvPr id="5" name="Picture 4"/>
           <p:cNvPicPr>
             <a:picLocks noChangeAspect="1"/>
           </p:cNvPicPr>
@@ -6113,8 +5948,104 @@
         </p:blipFill>
         <p:spPr>
           <a:xfrm>
-            <a:off x="1905000" y="1409700"/>
-            <a:ext cx="5334000" cy="4025900"/>
+            <a:off x="2713118" y="1600199"/>
+            <a:ext cx="980826" cy="776487"/>
+          </a:xfrm>
+          <a:prstGeom prst="rect">
+            <a:avLst/>
+          </a:prstGeom>
+        </p:spPr>
+      </p:pic>
+      <p:pic>
+        <p:nvPicPr>
+          <p:cNvPr id="8" name="Picture 7"/>
+          <p:cNvPicPr>
+            <a:picLocks noChangeAspect="1"/>
+          </p:cNvPicPr>
+          <p:nvPr/>
+        </p:nvPicPr>
+        <p:blipFill>
+          <a:blip r:embed="rId3"/>
+          <a:stretch>
+            <a:fillRect/>
+          </a:stretch>
+        </p:blipFill>
+        <p:spPr>
+          <a:xfrm>
+            <a:off x="3553631" y="2082470"/>
+            <a:ext cx="723900" cy="698500"/>
+          </a:xfrm>
+          <a:prstGeom prst="rect">
+            <a:avLst/>
+          </a:prstGeom>
+        </p:spPr>
+      </p:pic>
+      <p:pic>
+        <p:nvPicPr>
+          <p:cNvPr id="9" name="Picture 8"/>
+          <p:cNvPicPr>
+            <a:picLocks noChangeAspect="1"/>
+          </p:cNvPicPr>
+          <p:nvPr/>
+        </p:nvPicPr>
+        <p:blipFill>
+          <a:blip r:embed="rId4"/>
+          <a:stretch>
+            <a:fillRect/>
+          </a:stretch>
+        </p:blipFill>
+        <p:spPr>
+          <a:xfrm>
+            <a:off x="2918074" y="2625527"/>
+            <a:ext cx="825500" cy="673100"/>
+          </a:xfrm>
+          <a:prstGeom prst="rect">
+            <a:avLst/>
+          </a:prstGeom>
+        </p:spPr>
+      </p:pic>
+      <p:pic>
+        <p:nvPicPr>
+          <p:cNvPr id="10" name="Picture 9"/>
+          <p:cNvPicPr>
+            <a:picLocks noChangeAspect="1"/>
+          </p:cNvPicPr>
+          <p:nvPr/>
+        </p:nvPicPr>
+        <p:blipFill>
+          <a:blip r:embed="rId5"/>
+          <a:stretch>
+            <a:fillRect/>
+          </a:stretch>
+        </p:blipFill>
+        <p:spPr>
+          <a:xfrm>
+            <a:off x="3935595" y="3159654"/>
+            <a:ext cx="812800" cy="749300"/>
+          </a:xfrm>
+          <a:prstGeom prst="rect">
+            <a:avLst/>
+          </a:prstGeom>
+        </p:spPr>
+      </p:pic>
+      <p:pic>
+        <p:nvPicPr>
+          <p:cNvPr id="11" name="Picture 10"/>
+          <p:cNvPicPr>
+            <a:picLocks noChangeAspect="1"/>
+          </p:cNvPicPr>
+          <p:nvPr/>
+        </p:nvPicPr>
+        <p:blipFill>
+          <a:blip r:embed="rId6"/>
+          <a:stretch>
+            <a:fillRect/>
+          </a:stretch>
+        </p:blipFill>
+        <p:spPr>
+          <a:xfrm>
+            <a:off x="2918074" y="3646884"/>
+            <a:ext cx="749300" cy="723900"/>
           </a:xfrm>
           <a:prstGeom prst="rect">
             <a:avLst/>
@@ -6124,7 +6055,7 @@
     </p:spTree>
     <p:extLst>
       <p:ext uri="{BB962C8B-B14F-4D97-AF65-F5344CB8AC3E}">
-        <p14:creationId xmlns:p14="http://schemas.microsoft.com/office/powerpoint/2010/main" val="3427469201"/>
+        <p14:creationId xmlns:p14="http://schemas.microsoft.com/office/powerpoint/2010/main" val="3384156764"/>
       </p:ext>
     </p:extLst>
   </p:cSld>
@@ -6163,18 +6094,13 @@
         </p:nvSpPr>
         <p:spPr/>
         <p:txBody>
-          <a:bodyPr>
-            <a:normAutofit fontScale="90000"/>
-          </a:bodyPr>
-          <a:lstStyle/>
-          <a:p>
-            <a:r>
-              <a:rPr lang="en-US" dirty="0" smtClean="0"/>
-              <a:t>Activities</a:t>
-            </a:r>
-            <a:br>
-              <a:rPr lang="en-US" dirty="0" smtClean="0"/>
-            </a:br>
+          <a:bodyPr/>
+          <a:lstStyle/>
+          <a:p>
+            <a:r>
+              <a:rPr lang="en-US" dirty="0" smtClean="0"/>
+              <a:t>Some Intermediate Events</a:t>
+            </a:r>
             <a:endParaRPr lang="en-US" dirty="0"/>
           </a:p>
         </p:txBody>
@@ -6195,18 +6121,86 @@
         </p:blipFill>
         <p:spPr>
           <a:xfrm>
-            <a:off x="0" y="1198434"/>
-            <a:ext cx="9144000" cy="5659566"/>
+            <a:off x="812490" y="1790700"/>
+            <a:ext cx="1003300" cy="3276600"/>
           </a:xfrm>
           <a:prstGeom prst="rect">
             <a:avLst/>
           </a:prstGeom>
         </p:spPr>
       </p:pic>
+      <p:sp>
+        <p:nvSpPr>
+          <p:cNvPr id="5" name="TextBox 4"/>
+          <p:cNvSpPr txBox="1"/>
+          <p:nvPr/>
+        </p:nvSpPr>
+        <p:spPr>
+          <a:xfrm>
+            <a:off x="1815789" y="1981859"/>
+            <a:ext cx="2761443" cy="3170099"/>
+          </a:xfrm>
+          <a:prstGeom prst="rect">
+            <a:avLst/>
+          </a:prstGeom>
+          <a:noFill/>
+        </p:spPr>
+        <p:txBody>
+          <a:bodyPr wrap="square" rtlCol="0">
+            <a:spAutoFit/>
+          </a:bodyPr>
+          <a:lstStyle/>
+          <a:p>
+            <a:r>
+              <a:rPr lang="en-US" sz="2000" dirty="0" smtClean="0"/>
+              <a:t>Basic Intermediate Event</a:t>
+            </a:r>
+          </a:p>
+          <a:p>
+            <a:endParaRPr lang="en-US" sz="2000" dirty="0"/>
+          </a:p>
+          <a:p>
+            <a:r>
+              <a:rPr lang="en-US" sz="2000" dirty="0" smtClean="0"/>
+              <a:t>Message Catch </a:t>
+            </a:r>
+          </a:p>
+          <a:p>
+            <a:endParaRPr lang="en-US" sz="2000" dirty="0"/>
+          </a:p>
+          <a:p>
+            <a:r>
+              <a:rPr lang="en-US" sz="2000" dirty="0" smtClean="0"/>
+              <a:t>Message Throw</a:t>
+            </a:r>
+          </a:p>
+          <a:p>
+            <a:endParaRPr lang="en-US" sz="2000" dirty="0"/>
+          </a:p>
+          <a:p>
+            <a:r>
+              <a:rPr lang="en-US" sz="2000" dirty="0" smtClean="0"/>
+              <a:t>Timer</a:t>
+            </a:r>
+          </a:p>
+          <a:p>
+            <a:endParaRPr lang="en-US" sz="2000" dirty="0"/>
+          </a:p>
+          <a:p>
+            <a:r>
+              <a:rPr lang="en-US" sz="2000" dirty="0" smtClean="0"/>
+              <a:t>Escalation</a:t>
+            </a:r>
+          </a:p>
+          <a:p>
+            <a:endParaRPr lang="en-US" sz="2000" dirty="0"/>
+          </a:p>
+        </p:txBody>
+      </p:sp>
     </p:spTree>
     <p:extLst>
       <p:ext uri="{BB962C8B-B14F-4D97-AF65-F5344CB8AC3E}">
-        <p14:creationId xmlns:p14="http://schemas.microsoft.com/office/powerpoint/2010/main" val="3743873581"/>
+        <p14:creationId xmlns:p14="http://schemas.microsoft.com/office/powerpoint/2010/main" val="1375110157"/>
       </p:ext>
     </p:extLst>
   </p:cSld>
@@ -6250,45 +6244,40 @@
           <a:p>
             <a:r>
               <a:rPr lang="en-US" dirty="0" smtClean="0"/>
-              <a:t>Service Task	</a:t>
+              <a:t>Some End Events</a:t>
             </a:r>
             <a:endParaRPr lang="en-US" dirty="0"/>
           </a:p>
         </p:txBody>
       </p:sp>
-      <p:sp>
-        <p:nvSpPr>
-          <p:cNvPr id="3" name="Content Placeholder 2"/>
-          <p:cNvSpPr>
-            <a:spLocks noGrp="1"/>
-          </p:cNvSpPr>
-          <p:nvPr>
-            <p:ph idx="1"/>
-          </p:nvPr>
-        </p:nvSpPr>
-        <p:spPr/>
-        <p:txBody>
-          <a:bodyPr/>
-          <a:lstStyle/>
-          <a:p>
-            <a:r>
-              <a:rPr lang="en-US" dirty="0" smtClean="0"/>
-              <a:t>Call a service</a:t>
-            </a:r>
-          </a:p>
-          <a:p>
-            <a:pPr lvl="1"/>
-            <a:r>
-              <a:rPr lang="en-US" dirty="0" smtClean="0"/>
-              <a:t>Unlike BPEL there is no direct way of capturing </a:t>
-            </a:r>
-          </a:p>
-        </p:txBody>
-      </p:sp>
+      <p:pic>
+        <p:nvPicPr>
+          <p:cNvPr id="4" name="Picture 3"/>
+          <p:cNvPicPr>
+            <a:picLocks noChangeAspect="1"/>
+          </p:cNvPicPr>
+          <p:nvPr/>
+        </p:nvPicPr>
+        <p:blipFill>
+          <a:blip r:embed="rId2"/>
+          <a:stretch>
+            <a:fillRect/>
+          </a:stretch>
+        </p:blipFill>
+        <p:spPr>
+          <a:xfrm>
+            <a:off x="1905000" y="1409700"/>
+            <a:ext cx="5334000" cy="4025900"/>
+          </a:xfrm>
+          <a:prstGeom prst="rect">
+            <a:avLst/>
+          </a:prstGeom>
+        </p:spPr>
+      </p:pic>
     </p:spTree>
     <p:extLst>
       <p:ext uri="{BB962C8B-B14F-4D97-AF65-F5344CB8AC3E}">
-        <p14:creationId xmlns:p14="http://schemas.microsoft.com/office/powerpoint/2010/main" val="2695221455"/>
+        <p14:creationId xmlns:p14="http://schemas.microsoft.com/office/powerpoint/2010/main" val="3427469201"/>
       </p:ext>
     </p:extLst>
   </p:cSld>
@@ -6333,22 +6322,11 @@
           <a:lstStyle/>
           <a:p>
             <a:r>
-              <a:rPr lang="en-US" dirty="0" err="1" smtClean="0"/>
-              <a:t>Swimlanes</a:t>
-            </a:r>
-            <a:r>
-              <a:rPr lang="en-US" dirty="0" smtClean="0"/>
-              <a:t>:</a:t>
+              <a:rPr lang="en-US" dirty="0" smtClean="0"/>
+              <a:t>Activities</a:t>
             </a:r>
             <a:br>
               <a:rPr lang="en-US" dirty="0" smtClean="0"/>
-            </a:br>
-            <a:r>
-              <a:rPr lang="en-US" sz="2200" dirty="0"/>
-              <a:t>partition an activity diagram into the responsibilities of different entities </a:t>
-            </a:r>
-            <a:br>
-              <a:rPr lang="en-US" sz="2200" dirty="0"/>
             </a:br>
             <a:endParaRPr lang="en-US" dirty="0"/>
           </a:p>
@@ -6370,8 +6348,8 @@
         </p:blipFill>
         <p:spPr>
           <a:xfrm>
-            <a:off x="806307" y="1417638"/>
-            <a:ext cx="6672174" cy="4491994"/>
+            <a:off x="0" y="1198434"/>
+            <a:ext cx="9144000" cy="5659566"/>
           </a:xfrm>
           <a:prstGeom prst="rect">
             <a:avLst/>
@@ -6381,7 +6359,7 @@
     </p:spTree>
     <p:extLst>
       <p:ext uri="{BB962C8B-B14F-4D97-AF65-F5344CB8AC3E}">
-        <p14:creationId xmlns:p14="http://schemas.microsoft.com/office/powerpoint/2010/main" val="1460905087"/>
+        <p14:creationId xmlns:p14="http://schemas.microsoft.com/office/powerpoint/2010/main" val="3743873581"/>
       </p:ext>
     </p:extLst>
   </p:cSld>
@@ -6444,7 +6422,7 @@
         <p:spPr/>
         <p:txBody>
           <a:bodyPr>
-            <a:normAutofit fontScale="62500" lnSpcReduction="20000"/>
+            <a:normAutofit fontScale="55000" lnSpcReduction="20000"/>
           </a:bodyPr>
           <a:lstStyle/>
           <a:p>
@@ -6653,51 +6631,50 @@
         </p:nvSpPr>
         <p:spPr/>
         <p:txBody>
-          <a:bodyPr>
-            <a:normAutofit fontScale="90000"/>
-          </a:bodyPr>
-          <a:lstStyle/>
-          <a:p>
-            <a:r>
-              <a:rPr lang="en-US" dirty="0" err="1" smtClean="0"/>
-              <a:t>Swimlanes</a:t>
-            </a:r>
-            <a:r>
-              <a:rPr lang="en-US" dirty="0" smtClean="0"/>
-              <a:t> represent different participants</a:t>
+          <a:bodyPr/>
+          <a:lstStyle/>
+          <a:p>
+            <a:r>
+              <a:rPr lang="en-US" dirty="0" smtClean="0"/>
+              <a:t>Service Task	</a:t>
             </a:r>
             <a:endParaRPr lang="en-US" dirty="0"/>
           </a:p>
         </p:txBody>
       </p:sp>
-      <p:pic>
-        <p:nvPicPr>
-          <p:cNvPr id="4" name="Picture 3"/>
-          <p:cNvPicPr>
-            <a:picLocks noChangeAspect="1"/>
-          </p:cNvPicPr>
-          <p:nvPr/>
-        </p:nvPicPr>
-        <p:blipFill>
-          <a:blip r:embed="rId2"/>
-          <a:stretch>
-            <a:fillRect/>
-          </a:stretch>
-        </p:blipFill>
-        <p:spPr>
-          <a:xfrm>
-            <a:off x="63500" y="1560255"/>
-            <a:ext cx="7127875" cy="5297745"/>
-          </a:xfrm>
-          <a:prstGeom prst="rect">
-            <a:avLst/>
-          </a:prstGeom>
-        </p:spPr>
-      </p:pic>
+      <p:sp>
+        <p:nvSpPr>
+          <p:cNvPr id="3" name="Content Placeholder 2"/>
+          <p:cNvSpPr>
+            <a:spLocks noGrp="1"/>
+          </p:cNvSpPr>
+          <p:nvPr>
+            <p:ph idx="1"/>
+          </p:nvPr>
+        </p:nvSpPr>
+        <p:spPr/>
+        <p:txBody>
+          <a:bodyPr/>
+          <a:lstStyle/>
+          <a:p>
+            <a:r>
+              <a:rPr lang="en-US" dirty="0" smtClean="0"/>
+              <a:t>Call a service</a:t>
+            </a:r>
+          </a:p>
+          <a:p>
+            <a:pPr lvl="1"/>
+            <a:r>
+              <a:rPr lang="en-US" dirty="0" smtClean="0"/>
+              <a:t>Unlike BPEL there is no direct way of capturing </a:t>
+            </a:r>
+          </a:p>
+        </p:txBody>
+      </p:sp>
     </p:spTree>
     <p:extLst>
       <p:ext uri="{BB962C8B-B14F-4D97-AF65-F5344CB8AC3E}">
-        <p14:creationId xmlns:p14="http://schemas.microsoft.com/office/powerpoint/2010/main" val="2191312060"/>
+        <p14:creationId xmlns:p14="http://schemas.microsoft.com/office/powerpoint/2010/main" val="2695221455"/>
       </p:ext>
     </p:extLst>
   </p:cSld>
@@ -6736,36 +6713,61 @@
         </p:nvSpPr>
         <p:spPr/>
         <p:txBody>
-          <a:bodyPr/>
-          <a:lstStyle/>
-          <a:p>
+          <a:bodyPr>
+            <a:normAutofit fontScale="90000"/>
+          </a:bodyPr>
+          <a:lstStyle/>
+          <a:p>
+            <a:r>
+              <a:rPr lang="en-US" dirty="0" err="1" smtClean="0"/>
+              <a:t>Swimlanes</a:t>
+            </a:r>
+            <a:r>
+              <a:rPr lang="en-US" dirty="0" smtClean="0"/>
+              <a:t>:</a:t>
+            </a:r>
+            <a:br>
+              <a:rPr lang="en-US" dirty="0" smtClean="0"/>
+            </a:br>
+            <a:r>
+              <a:rPr lang="en-US" sz="2200" dirty="0"/>
+              <a:t>partition an activity diagram into the responsibilities of different entities </a:t>
+            </a:r>
+            <a:br>
+              <a:rPr lang="en-US" sz="2200" dirty="0"/>
+            </a:br>
             <a:endParaRPr lang="en-US" dirty="0"/>
           </a:p>
         </p:txBody>
       </p:sp>
-      <p:sp>
-        <p:nvSpPr>
-          <p:cNvPr id="3" name="Content Placeholder 2"/>
-          <p:cNvSpPr>
-            <a:spLocks noGrp="1"/>
-          </p:cNvSpPr>
-          <p:nvPr>
-            <p:ph idx="1"/>
-          </p:nvPr>
-        </p:nvSpPr>
-        <p:spPr/>
-        <p:txBody>
-          <a:bodyPr/>
-          <a:lstStyle/>
-          <a:p>
-            <a:endParaRPr lang="en-US"/>
-          </a:p>
-        </p:txBody>
-      </p:sp>
+      <p:pic>
+        <p:nvPicPr>
+          <p:cNvPr id="4" name="Picture 3"/>
+          <p:cNvPicPr>
+            <a:picLocks noChangeAspect="1"/>
+          </p:cNvPicPr>
+          <p:nvPr/>
+        </p:nvPicPr>
+        <p:blipFill>
+          <a:blip r:embed="rId2"/>
+          <a:stretch>
+            <a:fillRect/>
+          </a:stretch>
+        </p:blipFill>
+        <p:spPr>
+          <a:xfrm>
+            <a:off x="806307" y="1417638"/>
+            <a:ext cx="6672174" cy="4491994"/>
+          </a:xfrm>
+          <a:prstGeom prst="rect">
+            <a:avLst/>
+          </a:prstGeom>
+        </p:spPr>
+      </p:pic>
     </p:spTree>
     <p:extLst>
       <p:ext uri="{BB962C8B-B14F-4D97-AF65-F5344CB8AC3E}">
-        <p14:creationId xmlns:p14="http://schemas.microsoft.com/office/powerpoint/2010/main" val="2324129605"/>
+        <p14:creationId xmlns:p14="http://schemas.microsoft.com/office/powerpoint/2010/main" val="1460905087"/>
       </p:ext>
     </p:extLst>
   </p:cSld>
@@ -6804,159 +6806,51 @@
         </p:nvSpPr>
         <p:spPr/>
         <p:txBody>
-          <a:bodyPr/>
-          <a:lstStyle/>
-          <a:p>
-            <a:r>
-              <a:rPr lang="en-US" dirty="0" smtClean="0"/>
-              <a:t>Data Flow</a:t>
+          <a:bodyPr>
+            <a:normAutofit fontScale="90000"/>
+          </a:bodyPr>
+          <a:lstStyle/>
+          <a:p>
+            <a:r>
+              <a:rPr lang="en-US" dirty="0" err="1" smtClean="0"/>
+              <a:t>Swimlanes</a:t>
+            </a:r>
+            <a:r>
+              <a:rPr lang="en-US" dirty="0" smtClean="0"/>
+              <a:t> represent different participants</a:t>
             </a:r>
             <a:endParaRPr lang="en-US" dirty="0"/>
           </a:p>
         </p:txBody>
       </p:sp>
-      <p:sp>
-        <p:nvSpPr>
-          <p:cNvPr id="3" name="Content Placeholder 2"/>
-          <p:cNvSpPr>
-            <a:spLocks noGrp="1"/>
-          </p:cNvSpPr>
-          <p:nvPr>
-            <p:ph idx="1"/>
-          </p:nvPr>
-        </p:nvSpPr>
-        <p:spPr/>
-        <p:txBody>
-          <a:bodyPr>
-            <a:normAutofit fontScale="70000" lnSpcReduction="20000"/>
-          </a:bodyPr>
-          <a:lstStyle/>
-          <a:p>
-            <a:r>
-              <a:rPr lang="en-US" dirty="0"/>
-              <a:t>T</a:t>
-            </a:r>
-            <a:r>
-              <a:rPr lang="en-US" dirty="0" smtClean="0"/>
-              <a:t>ransitions </a:t>
-            </a:r>
-            <a:r>
-              <a:rPr lang="en-US" dirty="0"/>
-              <a:t>between activities represent </a:t>
-            </a:r>
-            <a:r>
-              <a:rPr lang="en-US" i="1" dirty="0"/>
-              <a:t>control dependencies</a:t>
-            </a:r>
-            <a:r>
-              <a:rPr lang="en-US" dirty="0"/>
-              <a:t>: one activity must complete before another can start </a:t>
-            </a:r>
-          </a:p>
-          <a:p>
-            <a:r>
-              <a:rPr lang="en-US" dirty="0"/>
-              <a:t>W</a:t>
-            </a:r>
-            <a:r>
-              <a:rPr lang="en-US" dirty="0" smtClean="0"/>
-              <a:t>orkflows </a:t>
-            </a:r>
-            <a:r>
-              <a:rPr lang="en-US" dirty="0"/>
-              <a:t>also have </a:t>
-            </a:r>
-            <a:r>
-              <a:rPr lang="en-US" i="1" dirty="0"/>
-              <a:t>data dependencies</a:t>
-            </a:r>
-            <a:r>
-              <a:rPr lang="en-US" dirty="0"/>
-              <a:t>: one activity produces a result that another requires </a:t>
-            </a:r>
-          </a:p>
-          <a:p>
-            <a:r>
-              <a:rPr lang="en-US" dirty="0"/>
-              <a:t>UML activity diagrams allow </a:t>
-            </a:r>
-            <a:r>
-              <a:rPr lang="en-US" i="1" dirty="0"/>
-              <a:t>object flow </a:t>
-            </a:r>
-            <a:r>
-              <a:rPr lang="en-US" dirty="0"/>
-              <a:t>as well as </a:t>
-            </a:r>
-            <a:r>
-              <a:rPr lang="en-US" i="1" dirty="0"/>
-              <a:t>control flow </a:t>
-            </a:r>
-            <a:endParaRPr lang="en-US" dirty="0"/>
-          </a:p>
-          <a:p>
-            <a:r>
-              <a:rPr lang="en-US" dirty="0"/>
-              <a:t>D</a:t>
-            </a:r>
-            <a:r>
-              <a:rPr lang="en-US" dirty="0" smtClean="0"/>
-              <a:t>ependent </a:t>
-            </a:r>
-            <a:r>
-              <a:rPr lang="en-US" dirty="0"/>
-              <a:t>data is shown as an object icon (rectangle with underlined </a:t>
-            </a:r>
-            <a:r>
-              <a:rPr lang="en-US" dirty="0" smtClean="0"/>
-              <a:t>name </a:t>
-            </a:r>
-            <a:r>
-              <a:rPr lang="en-US" dirty="0"/>
-              <a:t>and type) </a:t>
-            </a:r>
-            <a:endParaRPr lang="en-US" dirty="0" smtClean="0"/>
-          </a:p>
-          <a:p>
-            <a:pPr lvl="1"/>
-            <a:r>
-              <a:rPr lang="en-US" i="1" dirty="0" smtClean="0"/>
-              <a:t>dependencies </a:t>
-            </a:r>
-            <a:r>
-              <a:rPr lang="en-US" dirty="0"/>
-              <a:t>shown as dashed arrows from generating activity to object, and from object to consuming activity(s) </a:t>
-            </a:r>
-            <a:endParaRPr lang="en-US" dirty="0" smtClean="0"/>
-          </a:p>
-          <a:p>
-            <a:pPr lvl="1"/>
-            <a:r>
-              <a:rPr lang="en-US" dirty="0" smtClean="0"/>
-              <a:t>same </a:t>
-            </a:r>
-            <a:r>
-              <a:rPr lang="en-US" dirty="0"/>
-              <a:t>object may occur multiple times in an activity diagram, typically in different </a:t>
-            </a:r>
-            <a:r>
-              <a:rPr lang="en-US" i="1" dirty="0"/>
-              <a:t>states </a:t>
-            </a:r>
-            <a:r>
-              <a:rPr lang="en-US" dirty="0"/>
-              <a:t>(shown in square brackets after object name) </a:t>
-            </a:r>
-          </a:p>
-          <a:p>
-            <a:endParaRPr lang="en-US" dirty="0"/>
-          </a:p>
-        </p:txBody>
-      </p:sp>
+      <p:pic>
+        <p:nvPicPr>
+          <p:cNvPr id="4" name="Picture 3"/>
+          <p:cNvPicPr>
+            <a:picLocks noChangeAspect="1"/>
+          </p:cNvPicPr>
+          <p:nvPr/>
+        </p:nvPicPr>
+        <p:blipFill>
+          <a:blip r:embed="rId2"/>
+          <a:stretch>
+            <a:fillRect/>
+          </a:stretch>
+        </p:blipFill>
+        <p:spPr>
+          <a:xfrm>
+            <a:off x="63500" y="1560255"/>
+            <a:ext cx="7127875" cy="5297745"/>
+          </a:xfrm>
+          <a:prstGeom prst="rect">
+            <a:avLst/>
+          </a:prstGeom>
+        </p:spPr>
+      </p:pic>
     </p:spTree>
     <p:extLst>
       <p:ext uri="{BB962C8B-B14F-4D97-AF65-F5344CB8AC3E}">
-        <p14:creationId xmlns:p14="http://schemas.microsoft.com/office/powerpoint/2010/main" val="401899473"/>
+        <p14:creationId xmlns:p14="http://schemas.microsoft.com/office/powerpoint/2010/main" val="2191312060"/>
       </p:ext>
     </p:extLst>
   </p:cSld>
@@ -7000,40 +6894,154 @@
           <a:p>
             <a:r>
               <a:rPr lang="en-US" dirty="0" smtClean="0"/>
-              <a:t>Example Object Flow</a:t>
+              <a:t>Data Flow</a:t>
             </a:r>
             <a:endParaRPr lang="en-US" dirty="0"/>
           </a:p>
         </p:txBody>
       </p:sp>
-      <p:pic>
-        <p:nvPicPr>
-          <p:cNvPr id="4" name="Picture 3"/>
-          <p:cNvPicPr>
-            <a:picLocks noChangeAspect="1"/>
-          </p:cNvPicPr>
-          <p:nvPr/>
-        </p:nvPicPr>
-        <p:blipFill>
-          <a:blip r:embed="rId2"/>
-          <a:stretch>
-            <a:fillRect/>
-          </a:stretch>
-        </p:blipFill>
-        <p:spPr>
-          <a:xfrm>
-            <a:off x="1092200" y="1181101"/>
-            <a:ext cx="7257268" cy="4927600"/>
-          </a:xfrm>
-          <a:prstGeom prst="rect">
-            <a:avLst/>
-          </a:prstGeom>
-        </p:spPr>
-      </p:pic>
+      <p:sp>
+        <p:nvSpPr>
+          <p:cNvPr id="3" name="Content Placeholder 2"/>
+          <p:cNvSpPr>
+            <a:spLocks noGrp="1"/>
+          </p:cNvSpPr>
+          <p:nvPr>
+            <p:ph idx="1"/>
+          </p:nvPr>
+        </p:nvSpPr>
+        <p:spPr/>
+        <p:txBody>
+          <a:bodyPr>
+            <a:normAutofit fontScale="70000" lnSpcReduction="20000"/>
+          </a:bodyPr>
+          <a:lstStyle/>
+          <a:p>
+            <a:r>
+              <a:rPr lang="en-US" dirty="0"/>
+              <a:t>T</a:t>
+            </a:r>
+            <a:r>
+              <a:rPr lang="en-US" dirty="0" smtClean="0"/>
+              <a:t>ransitions </a:t>
+            </a:r>
+            <a:r>
+              <a:rPr lang="en-US" dirty="0"/>
+              <a:t>between activities represent </a:t>
+            </a:r>
+            <a:r>
+              <a:rPr lang="en-US" i="1" dirty="0"/>
+              <a:t>control dependencies</a:t>
+            </a:r>
+            <a:r>
+              <a:rPr lang="en-US" dirty="0"/>
+              <a:t>: one activity must complete before another can start </a:t>
+            </a:r>
+          </a:p>
+          <a:p>
+            <a:r>
+              <a:rPr lang="en-US" dirty="0"/>
+              <a:t>W</a:t>
+            </a:r>
+            <a:r>
+              <a:rPr lang="en-US" dirty="0" smtClean="0"/>
+              <a:t>orkflows </a:t>
+            </a:r>
+            <a:r>
+              <a:rPr lang="en-US" dirty="0"/>
+              <a:t>also have </a:t>
+            </a:r>
+            <a:r>
+              <a:rPr lang="en-US" i="1" dirty="0"/>
+              <a:t>data dependencies</a:t>
+            </a:r>
+            <a:r>
+              <a:rPr lang="en-US" dirty="0"/>
+              <a:t>: one activity produces a result that another requires </a:t>
+            </a:r>
+          </a:p>
+          <a:p>
+            <a:r>
+              <a:rPr lang="en-US" dirty="0"/>
+              <a:t>UML activity diagrams allow </a:t>
+            </a:r>
+            <a:r>
+              <a:rPr lang="en-US" i="1" dirty="0"/>
+              <a:t>object flow </a:t>
+            </a:r>
+            <a:r>
+              <a:rPr lang="en-US" dirty="0"/>
+              <a:t>as well as </a:t>
+            </a:r>
+            <a:r>
+              <a:rPr lang="en-US" i="1" dirty="0"/>
+              <a:t>control flow </a:t>
+            </a:r>
+            <a:endParaRPr lang="en-US" dirty="0"/>
+          </a:p>
+          <a:p>
+            <a:r>
+              <a:rPr lang="en-US" dirty="0"/>
+              <a:t>D</a:t>
+            </a:r>
+            <a:r>
+              <a:rPr lang="en-US" dirty="0" smtClean="0"/>
+              <a:t>ependent </a:t>
+            </a:r>
+            <a:r>
+              <a:rPr lang="en-US" dirty="0"/>
+              <a:t>data is shown as an object icon (rectangle with underlined </a:t>
+            </a:r>
+            <a:r>
+              <a:rPr lang="en-US" dirty="0" smtClean="0"/>
+              <a:t>name </a:t>
+            </a:r>
+            <a:r>
+              <a:rPr lang="en-US" dirty="0"/>
+              <a:t>and type) </a:t>
+            </a:r>
+            <a:endParaRPr lang="en-US" dirty="0" smtClean="0"/>
+          </a:p>
+          <a:p>
+            <a:pPr lvl="1"/>
+            <a:r>
+              <a:rPr lang="en-US" i="1" dirty="0" smtClean="0"/>
+              <a:t>dependencies </a:t>
+            </a:r>
+            <a:r>
+              <a:rPr lang="en-US" dirty="0"/>
+              <a:t>shown as dashed arrows from generating activity to object, and from object to consuming activity(s) </a:t>
+            </a:r>
+            <a:endParaRPr lang="en-US" dirty="0" smtClean="0"/>
+          </a:p>
+          <a:p>
+            <a:pPr lvl="1"/>
+            <a:r>
+              <a:rPr lang="en-US" dirty="0" smtClean="0"/>
+              <a:t>same </a:t>
+            </a:r>
+            <a:r>
+              <a:rPr lang="en-US" dirty="0"/>
+              <a:t>object may occur multiple times in an activity diagram, typically in different </a:t>
+            </a:r>
+            <a:r>
+              <a:rPr lang="en-US" i="1" dirty="0"/>
+              <a:t>states </a:t>
+            </a:r>
+            <a:r>
+              <a:rPr lang="en-US" dirty="0"/>
+              <a:t>(shown in square brackets after object name) </a:t>
+            </a:r>
+          </a:p>
+          <a:p>
+            <a:endParaRPr lang="en-US" dirty="0"/>
+          </a:p>
+        </p:txBody>
+      </p:sp>
     </p:spTree>
     <p:extLst>
       <p:ext uri="{BB962C8B-B14F-4D97-AF65-F5344CB8AC3E}">
-        <p14:creationId xmlns:p14="http://schemas.microsoft.com/office/powerpoint/2010/main" val="1791712928"/>
+        <p14:creationId xmlns:p14="http://schemas.microsoft.com/office/powerpoint/2010/main" val="401899473"/>
       </p:ext>
     </p:extLst>
   </p:cSld>
@@ -7077,7 +7085,7 @@
           <a:p>
             <a:r>
               <a:rPr lang="en-US" dirty="0" smtClean="0"/>
-              <a:t>Flows</a:t>
+              <a:t>Example Object Flow</a:t>
             </a:r>
             <a:endParaRPr lang="en-US" dirty="0"/>
           </a:p>
@@ -7099,149 +7107,18 @@
         </p:blipFill>
         <p:spPr>
           <a:xfrm>
-            <a:off x="232526" y="1651000"/>
-            <a:ext cx="5418974" cy="4027616"/>
+            <a:off x="1092200" y="1181101"/>
+            <a:ext cx="7257268" cy="4927600"/>
           </a:xfrm>
           <a:prstGeom prst="rect">
             <a:avLst/>
           </a:prstGeom>
         </p:spPr>
       </p:pic>
-      <p:sp>
-        <p:nvSpPr>
-          <p:cNvPr id="6" name="TextBox 5"/>
-          <p:cNvSpPr txBox="1"/>
-          <p:nvPr/>
-        </p:nvSpPr>
-        <p:spPr>
-          <a:xfrm>
-            <a:off x="3730625" y="1916668"/>
-            <a:ext cx="1096724" cy="369332"/>
-          </a:xfrm>
-          <a:prstGeom prst="rect">
-            <a:avLst/>
-          </a:prstGeom>
-          <a:noFill/>
-        </p:spPr>
-        <p:txBody>
-          <a:bodyPr wrap="none" rtlCol="0">
-            <a:spAutoFit/>
-          </a:bodyPr>
-          <a:lstStyle/>
-          <a:p>
-            <a:r>
-              <a:rPr lang="en-US" dirty="0" smtClean="0">
-                <a:solidFill>
-                  <a:srgbClr val="FF0000"/>
-                </a:solidFill>
-              </a:rPr>
-              <a:t>Sequence </a:t>
-            </a:r>
-            <a:endParaRPr lang="en-US" dirty="0">
-              <a:solidFill>
-                <a:srgbClr val="FF0000"/>
-              </a:solidFill>
-            </a:endParaRPr>
-          </a:p>
-        </p:txBody>
-      </p:sp>
-      <p:sp>
-        <p:nvSpPr>
-          <p:cNvPr id="7" name="TextBox 6"/>
-          <p:cNvSpPr txBox="1"/>
-          <p:nvPr/>
-        </p:nvSpPr>
-        <p:spPr>
-          <a:xfrm>
-            <a:off x="3730625" y="2672318"/>
-            <a:ext cx="1011515" cy="369332"/>
-          </a:xfrm>
-          <a:prstGeom prst="rect">
-            <a:avLst/>
-          </a:prstGeom>
-          <a:noFill/>
-        </p:spPr>
-        <p:txBody>
-          <a:bodyPr wrap="none" rtlCol="0">
-            <a:spAutoFit/>
-          </a:bodyPr>
-          <a:lstStyle/>
-          <a:p>
-            <a:r>
-              <a:rPr lang="en-US" dirty="0" smtClean="0">
-                <a:solidFill>
-                  <a:srgbClr val="FF0000"/>
-                </a:solidFill>
-              </a:rPr>
-              <a:t>Message</a:t>
-            </a:r>
-            <a:endParaRPr lang="en-US" dirty="0">
-              <a:solidFill>
-                <a:srgbClr val="FF0000"/>
-              </a:solidFill>
-            </a:endParaRPr>
-          </a:p>
-        </p:txBody>
-      </p:sp>
-      <p:sp>
-        <p:nvSpPr>
-          <p:cNvPr id="8" name="TextBox 7"/>
-          <p:cNvSpPr txBox="1"/>
-          <p:nvPr/>
-        </p:nvSpPr>
-        <p:spPr>
-          <a:xfrm>
-            <a:off x="5651500" y="2672318"/>
-            <a:ext cx="2811963" cy="1754327"/>
-          </a:xfrm>
-          <a:prstGeom prst="rect">
-            <a:avLst/>
-          </a:prstGeom>
-          <a:noFill/>
-        </p:spPr>
-        <p:txBody>
-          <a:bodyPr wrap="none" rtlCol="0">
-            <a:spAutoFit/>
-          </a:bodyPr>
-          <a:lstStyle/>
-          <a:p>
-            <a:r>
-              <a:rPr lang="en-US" dirty="0" smtClean="0"/>
-              <a:t>Sequence flows are within a </a:t>
-            </a:r>
-          </a:p>
-          <a:p>
-            <a:r>
-              <a:rPr lang="en-US" dirty="0" err="1" smtClean="0"/>
-              <a:t>Swimlane</a:t>
-            </a:r>
-            <a:endParaRPr lang="en-US" dirty="0" smtClean="0"/>
-          </a:p>
-          <a:p>
-            <a:endParaRPr lang="en-US" dirty="0"/>
-          </a:p>
-          <a:p>
-            <a:r>
-              <a:rPr lang="en-US" dirty="0" smtClean="0"/>
-              <a:t>Message flows between </a:t>
-            </a:r>
-          </a:p>
-          <a:p>
-            <a:r>
-              <a:rPr lang="en-US" dirty="0" err="1" smtClean="0"/>
-              <a:t>swimlanes</a:t>
-            </a:r>
-            <a:endParaRPr lang="en-US" dirty="0" smtClean="0"/>
-          </a:p>
-          <a:p>
-            <a:endParaRPr lang="en-US" dirty="0"/>
-          </a:p>
-        </p:txBody>
-      </p:sp>
     </p:spTree>
     <p:extLst>
       <p:ext uri="{BB962C8B-B14F-4D97-AF65-F5344CB8AC3E}">
-        <p14:creationId xmlns:p14="http://schemas.microsoft.com/office/powerpoint/2010/main" val="3828208256"/>
+        <p14:creationId xmlns:p14="http://schemas.microsoft.com/office/powerpoint/2010/main" val="1791712928"/>
       </p:ext>
     </p:extLst>
   </p:cSld>
@@ -7285,64 +7162,7 @@
           <a:p>
             <a:r>
               <a:rPr lang="en-US" dirty="0" smtClean="0"/>
-              <a:t>Gateways</a:t>
-            </a:r>
-            <a:endParaRPr lang="en-US" dirty="0"/>
-          </a:p>
-        </p:txBody>
-      </p:sp>
-      <p:sp>
-        <p:nvSpPr>
-          <p:cNvPr id="6" name="Content Placeholder 5"/>
-          <p:cNvSpPr>
-            <a:spLocks noGrp="1"/>
-          </p:cNvSpPr>
-          <p:nvPr>
-            <p:ph idx="1"/>
-          </p:nvPr>
-        </p:nvSpPr>
-        <p:spPr/>
-        <p:txBody>
-          <a:bodyPr/>
-          <a:lstStyle/>
-          <a:p>
-            <a:r>
-              <a:rPr lang="en-US" dirty="0" smtClean="0"/>
-              <a:t>Exclusive Gateway</a:t>
-            </a:r>
-          </a:p>
-          <a:p>
-            <a:pPr lvl="1"/>
-            <a:r>
-              <a:rPr lang="en-US" dirty="0" smtClean="0"/>
-              <a:t>Fork – choose one path (if/else)</a:t>
-            </a:r>
-          </a:p>
-          <a:p>
-            <a:pPr lvl="1"/>
-            <a:r>
-              <a:rPr lang="en-US" dirty="0" smtClean="0"/>
-              <a:t>Join – wait for a single event</a:t>
-            </a:r>
-          </a:p>
-          <a:p>
-            <a:r>
-              <a:rPr lang="en-US" dirty="0" smtClean="0"/>
-              <a:t>Parallel Gateway</a:t>
-            </a:r>
-          </a:p>
-          <a:p>
-            <a:pPr lvl="1"/>
-            <a:r>
-              <a:rPr lang="en-US" dirty="0" smtClean="0"/>
-              <a:t>Fork – do both / all paths</a:t>
-            </a:r>
-          </a:p>
-          <a:p>
-            <a:pPr lvl="1"/>
-            <a:r>
-              <a:rPr lang="en-US" dirty="0" smtClean="0"/>
-              <a:t>Join – wait for all inputs </a:t>
+              <a:t>Flows</a:t>
             </a:r>
             <a:endParaRPr lang="en-US" dirty="0"/>
           </a:p>
@@ -7350,7 +7170,7 @@
       </p:sp>
       <p:pic>
         <p:nvPicPr>
-          <p:cNvPr id="5" name="Picture 4"/>
+          <p:cNvPr id="4" name="Picture 3"/>
           <p:cNvPicPr>
             <a:picLocks noChangeAspect="1"/>
           </p:cNvPicPr>
@@ -7364,42 +7184,149 @@
         </p:blipFill>
         <p:spPr>
           <a:xfrm>
-            <a:off x="6095011" y="1417638"/>
-            <a:ext cx="1117600" cy="1003300"/>
+            <a:off x="232526" y="1651000"/>
+            <a:ext cx="5418974" cy="4027616"/>
           </a:xfrm>
           <a:prstGeom prst="rect">
             <a:avLst/>
           </a:prstGeom>
         </p:spPr>
       </p:pic>
-      <p:pic>
-        <p:nvPicPr>
-          <p:cNvPr id="7" name="Picture 6"/>
-          <p:cNvPicPr>
-            <a:picLocks noChangeAspect="1"/>
-          </p:cNvPicPr>
+      <p:sp>
+        <p:nvSpPr>
+          <p:cNvPr id="6" name="TextBox 5"/>
+          <p:cNvSpPr txBox="1"/>
           <p:nvPr/>
-        </p:nvPicPr>
-        <p:blipFill>
-          <a:blip r:embed="rId3"/>
-          <a:stretch>
-            <a:fillRect/>
-          </a:stretch>
-        </p:blipFill>
-        <p:spPr>
-          <a:xfrm>
-            <a:off x="6095011" y="3135511"/>
-            <a:ext cx="977900" cy="825500"/>
+        </p:nvSpPr>
+        <p:spPr>
+          <a:xfrm>
+            <a:off x="3730625" y="1916668"/>
+            <a:ext cx="1096724" cy="369332"/>
           </a:xfrm>
           <a:prstGeom prst="rect">
             <a:avLst/>
           </a:prstGeom>
-        </p:spPr>
-      </p:pic>
+          <a:noFill/>
+        </p:spPr>
+        <p:txBody>
+          <a:bodyPr wrap="none" rtlCol="0">
+            <a:spAutoFit/>
+          </a:bodyPr>
+          <a:lstStyle/>
+          <a:p>
+            <a:r>
+              <a:rPr lang="en-US" dirty="0" smtClean="0">
+                <a:solidFill>
+                  <a:srgbClr val="FF0000"/>
+                </a:solidFill>
+              </a:rPr>
+              <a:t>Sequence </a:t>
+            </a:r>
+            <a:endParaRPr lang="en-US" dirty="0">
+              <a:solidFill>
+                <a:srgbClr val="FF0000"/>
+              </a:solidFill>
+            </a:endParaRPr>
+          </a:p>
+        </p:txBody>
+      </p:sp>
+      <p:sp>
+        <p:nvSpPr>
+          <p:cNvPr id="7" name="TextBox 6"/>
+          <p:cNvSpPr txBox="1"/>
+          <p:nvPr/>
+        </p:nvSpPr>
+        <p:spPr>
+          <a:xfrm>
+            <a:off x="3730625" y="2672318"/>
+            <a:ext cx="1011515" cy="369332"/>
+          </a:xfrm>
+          <a:prstGeom prst="rect">
+            <a:avLst/>
+          </a:prstGeom>
+          <a:noFill/>
+        </p:spPr>
+        <p:txBody>
+          <a:bodyPr wrap="none" rtlCol="0">
+            <a:spAutoFit/>
+          </a:bodyPr>
+          <a:lstStyle/>
+          <a:p>
+            <a:r>
+              <a:rPr lang="en-US" dirty="0" smtClean="0">
+                <a:solidFill>
+                  <a:srgbClr val="FF0000"/>
+                </a:solidFill>
+              </a:rPr>
+              <a:t>Message</a:t>
+            </a:r>
+            <a:endParaRPr lang="en-US" dirty="0">
+              <a:solidFill>
+                <a:srgbClr val="FF0000"/>
+              </a:solidFill>
+            </a:endParaRPr>
+          </a:p>
+        </p:txBody>
+      </p:sp>
+      <p:sp>
+        <p:nvSpPr>
+          <p:cNvPr id="8" name="TextBox 7"/>
+          <p:cNvSpPr txBox="1"/>
+          <p:nvPr/>
+        </p:nvSpPr>
+        <p:spPr>
+          <a:xfrm>
+            <a:off x="5651500" y="2672318"/>
+            <a:ext cx="2811963" cy="1754327"/>
+          </a:xfrm>
+          <a:prstGeom prst="rect">
+            <a:avLst/>
+          </a:prstGeom>
+          <a:noFill/>
+        </p:spPr>
+        <p:txBody>
+          <a:bodyPr wrap="none" rtlCol="0">
+            <a:spAutoFit/>
+          </a:bodyPr>
+          <a:lstStyle/>
+          <a:p>
+            <a:r>
+              <a:rPr lang="en-US" dirty="0" smtClean="0"/>
+              <a:t>Sequence flows are within a </a:t>
+            </a:r>
+          </a:p>
+          <a:p>
+            <a:r>
+              <a:rPr lang="en-US" dirty="0" err="1" smtClean="0"/>
+              <a:t>Swimlane</a:t>
+            </a:r>
+            <a:endParaRPr lang="en-US" dirty="0" smtClean="0"/>
+          </a:p>
+          <a:p>
+            <a:endParaRPr lang="en-US" dirty="0"/>
+          </a:p>
+          <a:p>
+            <a:r>
+              <a:rPr lang="en-US" dirty="0" smtClean="0"/>
+              <a:t>Message flows between </a:t>
+            </a:r>
+          </a:p>
+          <a:p>
+            <a:r>
+              <a:rPr lang="en-US" dirty="0" err="1" smtClean="0"/>
+              <a:t>swimlanes</a:t>
+            </a:r>
+            <a:endParaRPr lang="en-US" dirty="0" smtClean="0"/>
+          </a:p>
+          <a:p>
+            <a:endParaRPr lang="en-US" dirty="0"/>
+          </a:p>
+        </p:txBody>
+      </p:sp>
     </p:spTree>
     <p:extLst>
       <p:ext uri="{BB962C8B-B14F-4D97-AF65-F5344CB8AC3E}">
-        <p14:creationId xmlns:p14="http://schemas.microsoft.com/office/powerpoint/2010/main" val="3915248992"/>
+        <p14:creationId xmlns:p14="http://schemas.microsoft.com/office/powerpoint/2010/main" val="3828208256"/>
       </p:ext>
     </p:extLst>
   </p:cSld>
@@ -7438,14 +7365,69 @@
         </p:nvSpPr>
         <p:spPr/>
         <p:txBody>
-          <a:bodyPr>
-            <a:normAutofit/>
-          </a:bodyPr>
-          <a:lstStyle/>
-          <a:p>
-            <a:r>
-              <a:rPr lang="en-US" dirty="0" smtClean="0"/>
-              <a:t>Event Gateway</a:t>
+          <a:bodyPr/>
+          <a:lstStyle/>
+          <a:p>
+            <a:r>
+              <a:rPr lang="en-US" dirty="0" smtClean="0"/>
+              <a:t>Gateways</a:t>
+            </a:r>
+            <a:endParaRPr lang="en-US" dirty="0"/>
+          </a:p>
+        </p:txBody>
+      </p:sp>
+      <p:sp>
+        <p:nvSpPr>
+          <p:cNvPr id="6" name="Content Placeholder 5"/>
+          <p:cNvSpPr>
+            <a:spLocks noGrp="1"/>
+          </p:cNvSpPr>
+          <p:nvPr>
+            <p:ph idx="1"/>
+          </p:nvPr>
+        </p:nvSpPr>
+        <p:spPr/>
+        <p:txBody>
+          <a:bodyPr/>
+          <a:lstStyle/>
+          <a:p>
+            <a:r>
+              <a:rPr lang="en-US" dirty="0" smtClean="0"/>
+              <a:t>Exclusive Gateway</a:t>
+            </a:r>
+          </a:p>
+          <a:p>
+            <a:pPr lvl="1"/>
+            <a:r>
+              <a:rPr lang="en-US" dirty="0" smtClean="0"/>
+              <a:t>Fork – choose one path (if/else)</a:t>
+            </a:r>
+          </a:p>
+          <a:p>
+            <a:pPr lvl="1"/>
+            <a:r>
+              <a:rPr lang="en-US" dirty="0" smtClean="0"/>
+              <a:t>Join – wait for a single event</a:t>
+            </a:r>
+          </a:p>
+          <a:p>
+            <a:r>
+              <a:rPr lang="en-US" dirty="0" smtClean="0"/>
+              <a:t>Parallel Gateway</a:t>
+            </a:r>
+          </a:p>
+          <a:p>
+            <a:pPr lvl="1"/>
+            <a:r>
+              <a:rPr lang="en-US" dirty="0" smtClean="0"/>
+              <a:t>Fork – do both / all paths</a:t>
+            </a:r>
+          </a:p>
+          <a:p>
+            <a:pPr lvl="1"/>
+            <a:r>
+              <a:rPr lang="en-US" dirty="0" smtClean="0"/>
+              <a:t>Join – wait for all inputs </a:t>
             </a:r>
             <a:endParaRPr lang="en-US" dirty="0"/>
           </a:p>
@@ -7453,7 +7435,7 @@
       </p:sp>
       <p:pic>
         <p:nvPicPr>
-          <p:cNvPr id="4" name="Picture 3"/>
+          <p:cNvPr id="5" name="Picture 4"/>
           <p:cNvPicPr>
             <a:picLocks noChangeAspect="1"/>
           </p:cNvPicPr>
@@ -7467,48 +7449,42 @@
         </p:blipFill>
         <p:spPr>
           <a:xfrm>
-            <a:off x="0" y="1571295"/>
-            <a:ext cx="9144000" cy="3054424"/>
+            <a:off x="6095011" y="1417638"/>
+            <a:ext cx="1117600" cy="1003300"/>
           </a:xfrm>
           <a:prstGeom prst="rect">
             <a:avLst/>
           </a:prstGeom>
         </p:spPr>
       </p:pic>
-      <p:sp>
-        <p:nvSpPr>
-          <p:cNvPr id="6" name="TextBox 5"/>
-          <p:cNvSpPr txBox="1"/>
+      <p:pic>
+        <p:nvPicPr>
+          <p:cNvPr id="7" name="Picture 6"/>
+          <p:cNvPicPr>
+            <a:picLocks noChangeAspect="1"/>
+          </p:cNvPicPr>
           <p:nvPr/>
-        </p:nvSpPr>
-        <p:spPr>
-          <a:xfrm>
-            <a:off x="823344" y="4842993"/>
-            <a:ext cx="3363150" cy="923330"/>
+        </p:nvPicPr>
+        <p:blipFill>
+          <a:blip r:embed="rId3"/>
+          <a:stretch>
+            <a:fillRect/>
+          </a:stretch>
+        </p:blipFill>
+        <p:spPr>
+          <a:xfrm>
+            <a:off x="6095011" y="3135511"/>
+            <a:ext cx="977900" cy="825500"/>
           </a:xfrm>
           <a:prstGeom prst="rect">
             <a:avLst/>
           </a:prstGeom>
-          <a:noFill/>
-        </p:spPr>
-        <p:txBody>
-          <a:bodyPr wrap="square" rtlCol="0">
-            <a:spAutoFit/>
-          </a:bodyPr>
-          <a:lstStyle/>
-          <a:p>
-            <a:r>
-              <a:rPr lang="en-US" i="1" dirty="0" smtClean="0"/>
-              <a:t>An Event Gateway allows different events to trigger different actions </a:t>
-            </a:r>
-            <a:endParaRPr lang="en-US" i="1" dirty="0"/>
-          </a:p>
-        </p:txBody>
-      </p:sp>
+        </p:spPr>
+      </p:pic>
     </p:spTree>
     <p:extLst>
       <p:ext uri="{BB962C8B-B14F-4D97-AF65-F5344CB8AC3E}">
-        <p14:creationId xmlns:p14="http://schemas.microsoft.com/office/powerpoint/2010/main" val="4138493189"/>
+        <p14:creationId xmlns:p14="http://schemas.microsoft.com/office/powerpoint/2010/main" val="3915248992"/>
       </p:ext>
     </p:extLst>
   </p:cSld>
@@ -7547,12 +7523,14 @@
         </p:nvSpPr>
         <p:spPr/>
         <p:txBody>
-          <a:bodyPr/>
-          <a:lstStyle/>
-          <a:p>
-            <a:r>
-              <a:rPr lang="en-US" dirty="0" smtClean="0"/>
-              <a:t>Complex Gateway</a:t>
+          <a:bodyPr>
+            <a:normAutofit/>
+          </a:bodyPr>
+          <a:lstStyle/>
+          <a:p>
+            <a:r>
+              <a:rPr lang="en-US" dirty="0" smtClean="0"/>
+              <a:t>Event Gateway</a:t>
             </a:r>
             <a:endParaRPr lang="en-US" dirty="0"/>
           </a:p>
@@ -7574,18 +7552,48 @@
         </p:blipFill>
         <p:spPr>
           <a:xfrm>
-            <a:off x="0" y="1689100"/>
-            <a:ext cx="9144000" cy="3466103"/>
+            <a:off x="0" y="1571295"/>
+            <a:ext cx="9144000" cy="3054424"/>
           </a:xfrm>
           <a:prstGeom prst="rect">
             <a:avLst/>
           </a:prstGeom>
         </p:spPr>
       </p:pic>
+      <p:sp>
+        <p:nvSpPr>
+          <p:cNvPr id="6" name="TextBox 5"/>
+          <p:cNvSpPr txBox="1"/>
+          <p:nvPr/>
+        </p:nvSpPr>
+        <p:spPr>
+          <a:xfrm>
+            <a:off x="823344" y="4842993"/>
+            <a:ext cx="3363150" cy="923330"/>
+          </a:xfrm>
+          <a:prstGeom prst="rect">
+            <a:avLst/>
+          </a:prstGeom>
+          <a:noFill/>
+        </p:spPr>
+        <p:txBody>
+          <a:bodyPr wrap="square" rtlCol="0">
+            <a:spAutoFit/>
+          </a:bodyPr>
+          <a:lstStyle/>
+          <a:p>
+            <a:r>
+              <a:rPr lang="en-US" i="1" dirty="0" smtClean="0"/>
+              <a:t>An Event Gateway allows different events to trigger different actions </a:t>
+            </a:r>
+            <a:endParaRPr lang="en-US" i="1" dirty="0"/>
+          </a:p>
+        </p:txBody>
+      </p:sp>
     </p:spTree>
     <p:extLst>
       <p:ext uri="{BB962C8B-B14F-4D97-AF65-F5344CB8AC3E}">
-        <p14:creationId xmlns:p14="http://schemas.microsoft.com/office/powerpoint/2010/main" val="4268673101"/>
+        <p14:creationId xmlns:p14="http://schemas.microsoft.com/office/powerpoint/2010/main" val="4138493189"/>
       </p:ext>
     </p:extLst>
   </p:cSld>
@@ -7622,163 +7630,37 @@
             <p:ph type="title"/>
           </p:nvPr>
         </p:nvSpPr>
-        <p:spPr>
-          <a:xfrm>
-            <a:off x="457200" y="510330"/>
-            <a:ext cx="8229600" cy="1143000"/>
-          </a:xfrm>
-        </p:spPr>
-        <p:txBody>
-          <a:bodyPr>
-            <a:normAutofit fontScale="90000"/>
-          </a:bodyPr>
-          <a:lstStyle/>
-          <a:p>
-            <a:pPr algn="l"/>
-            <a:r>
-              <a:rPr lang="en-US" dirty="0" smtClean="0"/>
-              <a:t>How much </a:t>
-            </a:r>
-            <a:br>
-              <a:rPr lang="en-US" dirty="0" smtClean="0"/>
-            </a:br>
-            <a:r>
-              <a:rPr lang="en-US" dirty="0" smtClean="0"/>
-              <a:t>BPMN</a:t>
-            </a:r>
-            <a:br>
-              <a:rPr lang="en-US" dirty="0" smtClean="0"/>
-            </a:br>
-            <a:r>
-              <a:rPr lang="en-US" dirty="0" smtClean="0"/>
-              <a:t>do you need?</a:t>
+        <p:spPr/>
+        <p:txBody>
+          <a:bodyPr/>
+          <a:lstStyle/>
+          <a:p>
+            <a:r>
+              <a:rPr lang="en-US" dirty="0" smtClean="0"/>
+              <a:t>Complex Gateway</a:t>
             </a:r>
             <a:endParaRPr lang="en-US" dirty="0"/>
-          </a:p>
-        </p:txBody>
-      </p:sp>
-      <p:sp>
-        <p:nvSpPr>
-          <p:cNvPr id="4" name="Rectangle 3"/>
-          <p:cNvSpPr/>
-          <p:nvPr/>
-        </p:nvSpPr>
-        <p:spPr>
-          <a:xfrm>
-            <a:off x="457201" y="2967334"/>
-            <a:ext cx="11535330" cy="1169551"/>
-          </a:xfrm>
-          <a:prstGeom prst="rect">
-            <a:avLst/>
-          </a:prstGeom>
-        </p:spPr>
-        <p:txBody>
-          <a:bodyPr wrap="square">
-            <a:spAutoFit/>
-          </a:bodyPr>
-          <a:lstStyle/>
-          <a:p>
-            <a:r>
-              <a:rPr lang="en-US" sz="1400" dirty="0"/>
-              <a:t>How Much Language is Enough? </a:t>
-            </a:r>
-            <a:r>
-              <a:rPr lang="en-US" sz="1400" dirty="0" smtClean="0"/>
-              <a:t/>
-            </a:r>
-            <a:br>
-              <a:rPr lang="en-US" sz="1400" dirty="0" smtClean="0"/>
-            </a:br>
-            <a:r>
-              <a:rPr lang="en-US" sz="1400" dirty="0" smtClean="0"/>
-              <a:t>Theoretical </a:t>
-            </a:r>
-            <a:r>
-              <a:rPr lang="en-US" sz="1400" dirty="0"/>
-              <a:t>and Practical Use of the </a:t>
-            </a:r>
-            <a:r>
-              <a:rPr lang="en-US" sz="1400" dirty="0" smtClean="0"/>
-              <a:t/>
-            </a:r>
-            <a:br>
-              <a:rPr lang="en-US" sz="1400" dirty="0" smtClean="0"/>
-            </a:br>
-            <a:r>
-              <a:rPr lang="en-US" sz="1400" dirty="0" smtClean="0"/>
-              <a:t>Business </a:t>
-            </a:r>
-            <a:r>
-              <a:rPr lang="en-US" sz="1400" dirty="0"/>
-              <a:t>Process Management </a:t>
-            </a:r>
-            <a:r>
-              <a:rPr lang="en-US" sz="1400" dirty="0" smtClean="0"/>
-              <a:t>Notation</a:t>
-            </a:r>
-          </a:p>
-          <a:p>
-            <a:r>
-              <a:rPr lang="en-US" sz="1400" dirty="0">
-                <a:hlinkClick r:id="rId2"/>
-              </a:rPr>
-              <a:t>http://papers.ssrn.com/sol3</a:t>
-            </a:r>
-            <a:r>
-              <a:rPr lang="en-US" sz="1400" dirty="0" smtClean="0">
-                <a:hlinkClick r:id="rId2"/>
-              </a:rPr>
-              <a:t>/</a:t>
-            </a:r>
-            <a:br>
-              <a:rPr lang="en-US" sz="1400" dirty="0" smtClean="0">
-                <a:hlinkClick r:id="rId2"/>
-              </a:rPr>
-            </a:br>
-            <a:r>
-              <a:rPr lang="en-US" sz="1400" dirty="0" smtClean="0">
-                <a:hlinkClick r:id="rId2"/>
-              </a:rPr>
-              <a:t>papers.cfm</a:t>
-            </a:r>
-            <a:r>
-              <a:rPr lang="en-US" sz="1400" dirty="0">
-                <a:hlinkClick r:id="rId2"/>
-              </a:rPr>
-              <a:t>?abstract_id=</a:t>
-            </a:r>
-            <a:r>
-              <a:rPr lang="en-US" sz="1400" dirty="0" smtClean="0">
-                <a:hlinkClick r:id="rId2"/>
-              </a:rPr>
-              <a:t>2038665</a:t>
-            </a:r>
-            <a:r>
-              <a:rPr lang="en-US" sz="1400" dirty="0" smtClean="0"/>
-              <a:t> </a:t>
-            </a:r>
-            <a:endParaRPr lang="en-US" sz="1400" dirty="0"/>
           </a:p>
         </p:txBody>
       </p:sp>
       <p:pic>
         <p:nvPicPr>
-          <p:cNvPr id="5" name="Picture 4"/>
+          <p:cNvPr id="4" name="Picture 3"/>
           <p:cNvPicPr>
             <a:picLocks noChangeAspect="1"/>
           </p:cNvPicPr>
           <p:nvPr/>
         </p:nvPicPr>
         <p:blipFill>
-          <a:blip r:embed="rId3"/>
+          <a:blip r:embed="rId2"/>
           <a:stretch>
             <a:fillRect/>
           </a:stretch>
         </p:blipFill>
         <p:spPr>
           <a:xfrm>
-            <a:off x="3959352" y="274638"/>
-            <a:ext cx="5184648" cy="5642117"/>
+            <a:off x="0" y="1689100"/>
+            <a:ext cx="9144000" cy="3466103"/>
           </a:xfrm>
           <a:prstGeom prst="rect">
             <a:avLst/>
@@ -7788,7 +7670,7 @@
     </p:spTree>
     <p:extLst>
       <p:ext uri="{BB962C8B-B14F-4D97-AF65-F5344CB8AC3E}">
-        <p14:creationId xmlns:p14="http://schemas.microsoft.com/office/powerpoint/2010/main" val="2677343553"/>
+        <p14:creationId xmlns:p14="http://schemas.microsoft.com/office/powerpoint/2010/main" val="4268673101"/>
       </p:ext>
     </p:extLst>
   </p:cSld>
@@ -7825,45 +7707,142 @@
             <p:ph type="title"/>
           </p:nvPr>
         </p:nvSpPr>
-        <p:spPr/>
+        <p:spPr>
+          <a:xfrm>
+            <a:off x="457200" y="510330"/>
+            <a:ext cx="8229600" cy="1143000"/>
+          </a:xfrm>
+        </p:spPr>
         <p:txBody>
           <a:bodyPr>
-            <a:normAutofit/>
+            <a:normAutofit fontScale="90000"/>
           </a:bodyPr>
           <a:lstStyle/>
           <a:p>
-            <a:r>
-              <a:rPr lang="en-US" dirty="0" smtClean="0"/>
-              <a:t>BPMN Case example</a:t>
-            </a:r>
-            <a:r>
-              <a:rPr lang="en-US" dirty="0"/>
+            <a:pPr algn="l"/>
+            <a:r>
+              <a:rPr lang="en-US" dirty="0" smtClean="0"/>
+              <a:t>How much </a:t>
+            </a:r>
+            <a:br>
+              <a:rPr lang="en-US" dirty="0" smtClean="0"/>
+            </a:br>
+            <a:r>
+              <a:rPr lang="en-US" dirty="0" smtClean="0"/>
+              <a:t>BPMN</a:t>
+            </a:r>
+            <a:br>
+              <a:rPr lang="en-US" dirty="0" smtClean="0"/>
+            </a:br>
+            <a:r>
+              <a:rPr lang="en-US" dirty="0" smtClean="0"/>
+              <a:t>do you need?</a:t>
+            </a:r>
+            <a:endParaRPr lang="en-US" dirty="0"/>
+          </a:p>
+        </p:txBody>
+      </p:sp>
+      <p:sp>
+        <p:nvSpPr>
+          <p:cNvPr id="4" name="Rectangle 3"/>
+          <p:cNvSpPr/>
+          <p:nvPr/>
+        </p:nvSpPr>
+        <p:spPr>
+          <a:xfrm>
+            <a:off x="457201" y="2967334"/>
+            <a:ext cx="11535330" cy="1169551"/>
+          </a:xfrm>
+          <a:prstGeom prst="rect">
+            <a:avLst/>
+          </a:prstGeom>
+        </p:spPr>
+        <p:txBody>
+          <a:bodyPr wrap="square">
+            <a:spAutoFit/>
+          </a:bodyPr>
+          <a:lstStyle/>
+          <a:p>
+            <a:r>
+              <a:rPr lang="en-US" sz="1400" dirty="0"/>
+              <a:t>How Much Language is Enough? </a:t>
+            </a:r>
+            <a:r>
+              <a:rPr lang="en-US" sz="1400" dirty="0" smtClean="0"/>
               <a:t/>
             </a:r>
             <a:br>
-              <a:rPr lang="en-US" dirty="0"/>
+              <a:rPr lang="en-US" sz="1400" dirty="0" smtClean="0"/>
             </a:br>
             <a:r>
-              <a:rPr lang="en-US" sz="1200" dirty="0"/>
-              <a:t>Source: </a:t>
-            </a:r>
-            <a:r>
-              <a:rPr lang="en-US" sz="1200" dirty="0">
+              <a:rPr lang="en-US" sz="1400" dirty="0" smtClean="0"/>
+              <a:t>Theoretical </a:t>
+            </a:r>
+            <a:r>
+              <a:rPr lang="en-US" sz="1400" dirty="0"/>
+              <a:t>and Practical Use of the </a:t>
+            </a:r>
+            <a:r>
+              <a:rPr lang="en-US" sz="1400" dirty="0" smtClean="0"/>
+              <a:t/>
+            </a:r>
+            <a:br>
+              <a:rPr lang="en-US" sz="1400" dirty="0" smtClean="0"/>
+            </a:br>
+            <a:r>
+              <a:rPr lang="en-US" sz="1400" dirty="0" smtClean="0"/>
+              <a:t>Business </a:t>
+            </a:r>
+            <a:r>
+              <a:rPr lang="en-US" sz="1400" dirty="0"/>
+              <a:t>Process Management </a:t>
+            </a:r>
+            <a:r>
+              <a:rPr lang="en-US" sz="1400" dirty="0" smtClean="0"/>
+              <a:t>Notation</a:t>
+            </a:r>
+          </a:p>
+          <a:p>
+            <a:r>
+              <a:rPr lang="en-US" sz="1400" dirty="0">
                 <a:hlinkClick r:id="rId2"/>
               </a:rPr>
-              <a:t>http://brsilver.com/bpmn-cmmn-compared</a:t>
-            </a:r>
-            <a:r>
-              <a:rPr lang="en-US" sz="1200" dirty="0" smtClean="0">
+              <a:t>http://papers.ssrn.com/sol3</a:t>
+            </a:r>
+            <a:r>
+              <a:rPr lang="en-US" sz="1400" dirty="0" smtClean="0">
                 <a:hlinkClick r:id="rId2"/>
               </a:rPr>
               <a:t>/</a:t>
             </a:r>
-            <a:r>
-              <a:rPr lang="en-US" sz="1200" dirty="0" smtClean="0"/>
+            <a:br>
+              <a:rPr lang="en-US" sz="1400" dirty="0" smtClean="0">
+                <a:hlinkClick r:id="rId2"/>
+              </a:rPr>
+            </a:br>
+            <a:r>
+              <a:rPr lang="en-US" sz="1400" dirty="0" smtClean="0">
+                <a:hlinkClick r:id="rId2"/>
+              </a:rPr>
+              <a:t>papers.cfm</a:t>
+            </a:r>
+            <a:r>
+              <a:rPr lang="en-US" sz="1400" dirty="0">
+                <a:hlinkClick r:id="rId2"/>
+              </a:rPr>
+              <a:t>?abstract_id=</a:t>
+            </a:r>
+            <a:r>
+              <a:rPr lang="en-US" sz="1400" dirty="0" smtClean="0">
+                <a:hlinkClick r:id="rId2"/>
+              </a:rPr>
+              <a:t>2038665</a:t>
+            </a:r>
+            <a:r>
+              <a:rPr lang="en-US" sz="1400" dirty="0" smtClean="0"/>
               <a:t> </a:t>
             </a:r>
-            <a:endParaRPr lang="en-US" dirty="0"/>
+            <a:endParaRPr lang="en-US" sz="1400" dirty="0"/>
           </a:p>
         </p:txBody>
       </p:sp>
@@ -7883,8 +7862,8 @@
         </p:blipFill>
         <p:spPr>
           <a:xfrm>
-            <a:off x="0" y="2147027"/>
-            <a:ext cx="9144000" cy="3694545"/>
+            <a:off x="3959352" y="274638"/>
+            <a:ext cx="5184648" cy="5642117"/>
           </a:xfrm>
           <a:prstGeom prst="rect">
             <a:avLst/>
@@ -7894,7 +7873,7 @@
     </p:spTree>
     <p:extLst>
       <p:ext uri="{BB962C8B-B14F-4D97-AF65-F5344CB8AC3E}">
-        <p14:creationId xmlns:p14="http://schemas.microsoft.com/office/powerpoint/2010/main" val="455210491"/>
+        <p14:creationId xmlns:p14="http://schemas.microsoft.com/office/powerpoint/2010/main" val="2677343553"/>
       </p:ext>
     </p:extLst>
   </p:cSld>
@@ -8070,6 +8049,112 @@
         </p:nvSpPr>
         <p:spPr/>
         <p:txBody>
+          <a:bodyPr>
+            <a:normAutofit/>
+          </a:bodyPr>
+          <a:lstStyle/>
+          <a:p>
+            <a:r>
+              <a:rPr lang="en-US" dirty="0" smtClean="0"/>
+              <a:t>BPMN Case example</a:t>
+            </a:r>
+            <a:r>
+              <a:rPr lang="en-US" dirty="0"/>
+              <a:t/>
+            </a:r>
+            <a:br>
+              <a:rPr lang="en-US" dirty="0"/>
+            </a:br>
+            <a:r>
+              <a:rPr lang="en-US" sz="1200" dirty="0"/>
+              <a:t>Source: </a:t>
+            </a:r>
+            <a:r>
+              <a:rPr lang="en-US" sz="1200" dirty="0">
+                <a:hlinkClick r:id="rId2"/>
+              </a:rPr>
+              <a:t>http://brsilver.com/bpmn-cmmn-compared</a:t>
+            </a:r>
+            <a:r>
+              <a:rPr lang="en-US" sz="1200" dirty="0" smtClean="0">
+                <a:hlinkClick r:id="rId2"/>
+              </a:rPr>
+              <a:t>/</a:t>
+            </a:r>
+            <a:r>
+              <a:rPr lang="en-US" sz="1200" dirty="0" smtClean="0"/>
+              <a:t> </a:t>
+            </a:r>
+            <a:endParaRPr lang="en-US" dirty="0"/>
+          </a:p>
+        </p:txBody>
+      </p:sp>
+      <p:pic>
+        <p:nvPicPr>
+          <p:cNvPr id="5" name="Picture 4"/>
+          <p:cNvPicPr>
+            <a:picLocks noChangeAspect="1"/>
+          </p:cNvPicPr>
+          <p:nvPr/>
+        </p:nvPicPr>
+        <p:blipFill>
+          <a:blip r:embed="rId3"/>
+          <a:stretch>
+            <a:fillRect/>
+          </a:stretch>
+        </p:blipFill>
+        <p:spPr>
+          <a:xfrm>
+            <a:off x="0" y="2147027"/>
+            <a:ext cx="9144000" cy="3694545"/>
+          </a:xfrm>
+          <a:prstGeom prst="rect">
+            <a:avLst/>
+          </a:prstGeom>
+        </p:spPr>
+      </p:pic>
+    </p:spTree>
+    <p:extLst>
+      <p:ext uri="{BB962C8B-B14F-4D97-AF65-F5344CB8AC3E}">
+        <p14:creationId xmlns:p14="http://schemas.microsoft.com/office/powerpoint/2010/main" val="455210491"/>
+      </p:ext>
+    </p:extLst>
+  </p:cSld>
+  <p:clrMapOvr>
+    <a:masterClrMapping/>
+  </p:clrMapOvr>
+</p:sld>
+</file>
+
+<file path=ppt/slides/slide41.xml><?xml version="1.0" encoding="utf-8"?>
+<p:sld xmlns:a="http://schemas.openxmlformats.org/drawingml/2006/main" xmlns:r="http://schemas.openxmlformats.org/officeDocument/2006/relationships" xmlns:p="http://schemas.openxmlformats.org/presentationml/2006/main">
+  <p:cSld>
+    <p:spTree>
+      <p:nvGrpSpPr>
+        <p:cNvPr id="1" name=""/>
+        <p:cNvGrpSpPr/>
+        <p:nvPr/>
+      </p:nvGrpSpPr>
+      <p:grpSpPr>
+        <a:xfrm>
+          <a:off x="0" y="0"/>
+          <a:ext cx="0" cy="0"/>
+          <a:chOff x="0" y="0"/>
+          <a:chExt cx="0" cy="0"/>
+        </a:xfrm>
+      </p:grpSpPr>
+      <p:sp>
+        <p:nvSpPr>
+          <p:cNvPr id="2" name="Title 1"/>
+          <p:cNvSpPr>
+            <a:spLocks noGrp="1"/>
+          </p:cNvSpPr>
+          <p:nvPr>
+            <p:ph type="title"/>
+          </p:nvPr>
+        </p:nvSpPr>
+        <p:spPr/>
+        <p:txBody>
           <a:bodyPr/>
           <a:lstStyle/>
           <a:p>
@@ -8094,79 +8179,73 @@
         <p:spPr/>
         <p:txBody>
           <a:bodyPr>
-            <a:normAutofit lnSpcReduction="10000"/>
+            <a:normAutofit/>
           </a:bodyPr>
           <a:lstStyle/>
           <a:p>
             <a:r>
-              <a:rPr lang="en-US" sz="2800" dirty="0" smtClean="0"/>
+              <a:rPr lang="en-US" sz="2400" dirty="0" smtClean="0"/>
               <a:t>Process Management has a strong place in composing SOA systems</a:t>
             </a:r>
           </a:p>
           <a:p>
             <a:pPr lvl="1"/>
             <a:r>
-              <a:rPr lang="en-US" sz="2400" dirty="0" err="1" smtClean="0"/>
+              <a:rPr lang="en-US" sz="2000" dirty="0" err="1" smtClean="0"/>
               <a:t>Externalising</a:t>
             </a:r>
             <a:r>
+              <a:rPr lang="en-US" sz="2000" dirty="0" smtClean="0"/>
+              <a:t> dependencies</a:t>
+            </a:r>
+          </a:p>
+          <a:p>
+            <a:pPr lvl="1"/>
+            <a:r>
+              <a:rPr lang="en-US" sz="2000" dirty="0" smtClean="0"/>
+              <a:t>Agility</a:t>
+            </a:r>
+          </a:p>
+          <a:p>
+            <a:pPr lvl="1"/>
+            <a:r>
+              <a:rPr lang="en-US" sz="2000" dirty="0" smtClean="0"/>
+              <a:t>Sharing with the business owners</a:t>
+            </a:r>
+            <a:endParaRPr lang="en-US" sz="2000" dirty="0"/>
+          </a:p>
+          <a:p>
+            <a:r>
               <a:rPr lang="en-US" sz="2400" dirty="0" smtClean="0"/>
-              <a:t> dependencies</a:t>
-            </a:r>
-          </a:p>
-          <a:p>
-            <a:pPr lvl="1"/>
+              <a:t>BPEL is still widely used, but</a:t>
+            </a:r>
+          </a:p>
+          <a:p>
             <a:r>
               <a:rPr lang="en-US" sz="2400" dirty="0" smtClean="0"/>
-              <a:t>Agility</a:t>
-            </a:r>
-          </a:p>
-          <a:p>
-            <a:pPr lvl="1"/>
+              <a:t>BPMN 2.0 is gaining a lot of mindshare</a:t>
+            </a:r>
+          </a:p>
+          <a:p>
             <a:r>
               <a:rPr lang="en-US" sz="2400" dirty="0" smtClean="0"/>
-              <a:t>Sharing with the business owners</a:t>
+              <a:t>CMMN also has a smaller but active following </a:t>
+            </a:r>
+          </a:p>
+          <a:p>
+            <a:r>
+              <a:rPr lang="en-US" sz="2400" dirty="0" smtClean="0"/>
+              <a:t>Other approaches </a:t>
+            </a:r>
+            <a:r>
+              <a:rPr lang="en-US" sz="2400" dirty="0" smtClean="0"/>
+              <a:t>like Turbine are </a:t>
+            </a:r>
+            <a:r>
+              <a:rPr lang="en-US" sz="2400" smtClean="0"/>
+              <a:t>gaining traction</a:t>
             </a:r>
             <a:endParaRPr lang="en-US" sz="2400" dirty="0"/>
-          </a:p>
-          <a:p>
-            <a:r>
-              <a:rPr lang="en-US" sz="2800" dirty="0" smtClean="0"/>
-              <a:t>BPEL is </a:t>
-            </a:r>
-            <a:r>
-              <a:rPr lang="en-US" sz="2800" dirty="0" smtClean="0"/>
-              <a:t>still widely used, but</a:t>
-            </a:r>
-            <a:endParaRPr lang="en-US" sz="2800" dirty="0" smtClean="0"/>
-          </a:p>
-          <a:p>
-            <a:r>
-              <a:rPr lang="en-US" sz="2800" dirty="0" smtClean="0"/>
-              <a:t>BPMN 2.0 is gaining a lot of </a:t>
-            </a:r>
-            <a:r>
-              <a:rPr lang="en-US" sz="2800" dirty="0" smtClean="0"/>
-              <a:t>mindshare</a:t>
-            </a:r>
-          </a:p>
-          <a:p>
-            <a:r>
-              <a:rPr lang="en-US" sz="2800" dirty="0" smtClean="0"/>
-              <a:t>CMMN also has a smaller but active following </a:t>
-            </a:r>
-            <a:endParaRPr lang="en-US" sz="2800" dirty="0" smtClean="0"/>
-          </a:p>
-          <a:p>
-            <a:r>
-              <a:rPr lang="en-US" sz="2800" dirty="0" smtClean="0"/>
-              <a:t>Other approaches like Amazon SWF may also </a:t>
-            </a:r>
-            <a:r>
-              <a:rPr lang="en-US" sz="2800" dirty="0" smtClean="0"/>
-              <a:t>gain traction</a:t>
-            </a:r>
-            <a:endParaRPr lang="en-US" sz="2800" dirty="0"/>
           </a:p>
         </p:txBody>
       </p:sp>
@@ -8582,7 +8661,9 @@
         </p:nvSpPr>
         <p:spPr/>
         <p:txBody>
-          <a:bodyPr/>
+          <a:bodyPr>
+            <a:normAutofit fontScale="90000"/>
+          </a:bodyPr>
           <a:lstStyle/>
           <a:p>
             <a:r>
@@ -8779,7 +8860,9 @@
         </p:nvSpPr>
         <p:spPr/>
         <p:txBody>
-          <a:bodyPr/>
+          <a:bodyPr>
+            <a:normAutofit fontScale="90000"/>
+          </a:bodyPr>
           <a:lstStyle/>
           <a:p>
             <a:r>
@@ -8811,7 +8894,7 @@
         <p:spPr/>
         <p:txBody>
           <a:bodyPr>
-            <a:normAutofit fontScale="92500" lnSpcReduction="20000"/>
+            <a:normAutofit fontScale="85000" lnSpcReduction="10000"/>
           </a:bodyPr>
           <a:lstStyle/>
           <a:p>
@@ -9029,7 +9112,7 @@
         <p:spPr/>
         <p:txBody>
           <a:bodyPr>
-            <a:normAutofit fontScale="92500"/>
+            <a:normAutofit fontScale="92500" lnSpcReduction="20000"/>
           </a:bodyPr>
           <a:lstStyle/>
           <a:p>

--- a/presentation-source/14-composition.pptx
+++ b/presentation-source/14-composition.pptx
@@ -237,7 +237,7 @@
             <a:fld id="{7307762F-A706-E543-A832-3C298AA3103F}" type="datetimeFigureOut">
               <a:rPr lang="en-US" smtClean="0"/>
               <a:pPr/>
-              <a:t>10/06/16</a:t>
+              <a:t>07/05/17</a:t>
             </a:fld>
             <a:endParaRPr lang="en-US" dirty="0"/>
           </a:p>
@@ -804,7 +804,7 @@
           <a:p>
             <a:fld id="{875CF0EB-321F-0749-B37A-89BBA859503C}" type="datetimeFigureOut">
               <a:rPr lang="en-US" smtClean="0"/>
-              <a:t>10/06/16</a:t>
+              <a:t>07/05/17</a:t>
             </a:fld>
             <a:endParaRPr lang="en-US"/>
           </a:p>
@@ -1008,7 +1008,7 @@
           <a:p>
             <a:fld id="{875CF0EB-321F-0749-B37A-89BBA859503C}" type="datetimeFigureOut">
               <a:rPr lang="en-US" smtClean="0"/>
-              <a:t>10/06/16</a:t>
+              <a:t>07/05/17</a:t>
             </a:fld>
             <a:endParaRPr lang="en-US"/>
           </a:p>
@@ -1202,7 +1202,7 @@
           <a:p>
             <a:fld id="{875CF0EB-321F-0749-B37A-89BBA859503C}" type="datetimeFigureOut">
               <a:rPr lang="en-US" smtClean="0"/>
-              <a:t>10/06/16</a:t>
+              <a:t>07/05/17</a:t>
             </a:fld>
             <a:endParaRPr lang="en-US"/>
           </a:p>
@@ -1472,7 +1472,7 @@
           <a:p>
             <a:fld id="{875CF0EB-321F-0749-B37A-89BBA859503C}" type="datetimeFigureOut">
               <a:rPr lang="en-US" smtClean="0"/>
-              <a:t>10/06/16</a:t>
+              <a:t>07/05/17</a:t>
             </a:fld>
             <a:endParaRPr lang="en-US"/>
           </a:p>
@@ -1784,7 +1784,7 @@
           <a:p>
             <a:fld id="{875CF0EB-321F-0749-B37A-89BBA859503C}" type="datetimeFigureOut">
               <a:rPr lang="en-US" smtClean="0"/>
-              <a:t>10/06/16</a:t>
+              <a:t>07/05/17</a:t>
             </a:fld>
             <a:endParaRPr lang="en-US"/>
           </a:p>
@@ -2230,7 +2230,7 @@
           <a:p>
             <a:fld id="{875CF0EB-321F-0749-B37A-89BBA859503C}" type="datetimeFigureOut">
               <a:rPr lang="en-US" smtClean="0"/>
-              <a:t>10/06/16</a:t>
+              <a:t>07/05/17</a:t>
             </a:fld>
             <a:endParaRPr lang="en-US"/>
           </a:p>
@@ -2372,7 +2372,7 @@
           <a:p>
             <a:fld id="{875CF0EB-321F-0749-B37A-89BBA859503C}" type="datetimeFigureOut">
               <a:rPr lang="en-US" smtClean="0"/>
-              <a:t>10/06/16</a:t>
+              <a:t>07/05/17</a:t>
             </a:fld>
             <a:endParaRPr lang="en-US"/>
           </a:p>
@@ -2491,7 +2491,7 @@
           <a:p>
             <a:fld id="{875CF0EB-321F-0749-B37A-89BBA859503C}" type="datetimeFigureOut">
               <a:rPr lang="en-US" smtClean="0"/>
-              <a:t>10/06/16</a:t>
+              <a:t>07/05/17</a:t>
             </a:fld>
             <a:endParaRPr lang="en-US"/>
           </a:p>
@@ -2792,7 +2792,7 @@
           <a:p>
             <a:fld id="{875CF0EB-321F-0749-B37A-89BBA859503C}" type="datetimeFigureOut">
               <a:rPr lang="en-US" smtClean="0"/>
-              <a:t>10/06/16</a:t>
+              <a:t>07/05/17</a:t>
             </a:fld>
             <a:endParaRPr lang="en-US"/>
           </a:p>
@@ -3069,7 +3069,7 @@
           <a:p>
             <a:fld id="{875CF0EB-321F-0749-B37A-89BBA859503C}" type="datetimeFigureOut">
               <a:rPr lang="en-US" smtClean="0"/>
-              <a:t>10/06/16</a:t>
+              <a:t>07/05/17</a:t>
             </a:fld>
             <a:endParaRPr lang="en-US"/>
           </a:p>
@@ -3449,19 +3449,7 @@
               <a:rPr lang="en-US" sz="700" dirty="0" smtClean="0">
                 <a:latin typeface="Montserrat"/>
               </a:rPr>
-              <a:t>© Paul Fremantle </a:t>
-            </a:r>
-            <a:r>
-              <a:rPr lang="en-US" sz="700" dirty="0" smtClean="0">
-                <a:latin typeface="Montserrat"/>
-              </a:rPr>
-              <a:t>2016 except where credited elsewhere. </a:t>
-            </a:r>
-            <a:r>
-              <a:rPr lang="en-US" sz="700" dirty="0" smtClean="0">
-                <a:latin typeface="Montserrat"/>
-              </a:rPr>
-              <a:t> This work is licensed under a Creative Commons</a:t>
+              <a:t>© Paul Fremantle 2016 except where credited elsewhere.  This work is licensed under a Creative Commons</a:t>
             </a:r>
           </a:p>
           <a:p>
@@ -3899,11 +3887,11 @@
           </a:p>
           <a:p>
             <a:r>
-              <a:rPr lang="en-US" dirty="0" smtClean="0">
+              <a:rPr lang="en-US" smtClean="0">
                 <a:ea typeface="ヒラギノ角ゴ ProN W3" charset="0"/>
                 <a:cs typeface="ヒラギノ角ゴ ProN W3" charset="0"/>
               </a:rPr>
-              <a:t>June 2016 </a:t>
+              <a:t>May 2017 </a:t>
             </a:r>
             <a:endParaRPr lang="en-US" dirty="0">
               <a:ea typeface="ヒラギノ角ゴ ProN W3" charset="0"/>
@@ -5887,7 +5875,9 @@
         </p:nvSpPr>
         <p:spPr/>
         <p:txBody>
-          <a:bodyPr/>
+          <a:bodyPr>
+            <a:normAutofit/>
+          </a:bodyPr>
           <a:lstStyle/>
           <a:p>
             <a:r>
@@ -5948,7 +5938,7 @@
         </p:blipFill>
         <p:spPr>
           <a:xfrm>
-            <a:off x="2713118" y="1600199"/>
+            <a:off x="2954769" y="1570458"/>
             <a:ext cx="980826" cy="776487"/>
           </a:xfrm>
           <a:prstGeom prst="rect">
@@ -5972,7 +5962,7 @@
         </p:blipFill>
         <p:spPr>
           <a:xfrm>
-            <a:off x="3553631" y="2082470"/>
+            <a:off x="4554471" y="2082470"/>
             <a:ext cx="723900" cy="698500"/>
           </a:xfrm>
           <a:prstGeom prst="rect">
@@ -5996,7 +5986,7 @@
         </p:blipFill>
         <p:spPr>
           <a:xfrm>
-            <a:off x="2918074" y="2625527"/>
+            <a:off x="3522845" y="2625527"/>
             <a:ext cx="825500" cy="673100"/>
           </a:xfrm>
           <a:prstGeom prst="rect">
@@ -6020,7 +6010,7 @@
         </p:blipFill>
         <p:spPr>
           <a:xfrm>
-            <a:off x="3935595" y="3159654"/>
+            <a:off x="4839819" y="3159654"/>
             <a:ext cx="812800" cy="749300"/>
           </a:xfrm>
           <a:prstGeom prst="rect">
@@ -6044,7 +6034,7 @@
         </p:blipFill>
         <p:spPr>
           <a:xfrm>
-            <a:off x="2918074" y="3646884"/>
+            <a:off x="3560945" y="3646884"/>
             <a:ext cx="749300" cy="723900"/>
           </a:xfrm>
           <a:prstGeom prst="rect">
@@ -8235,11 +8225,7 @@
           <a:p>
             <a:r>
               <a:rPr lang="en-US" sz="2400" dirty="0" smtClean="0"/>
-              <a:t>Other approaches </a:t>
-            </a:r>
-            <a:r>
-              <a:rPr lang="en-US" sz="2400" dirty="0" smtClean="0"/>
-              <a:t>like Turbine are </a:t>
+              <a:t>Other approaches like Turbine are </a:t>
             </a:r>
             <a:r>
               <a:rPr lang="en-US" sz="2400" smtClean="0"/>

--- a/presentation-source/14-composition.pptx
+++ b/presentation-source/14-composition.pptx
@@ -237,7 +237,7 @@
             <a:fld id="{7307762F-A706-E543-A832-3C298AA3103F}" type="datetimeFigureOut">
               <a:rPr lang="en-US" smtClean="0"/>
               <a:pPr/>
-              <a:t>07/05/17</a:t>
+              <a:t>19/12/17</a:t>
             </a:fld>
             <a:endParaRPr lang="en-US" dirty="0"/>
           </a:p>
@@ -804,7 +804,7 @@
           <a:p>
             <a:fld id="{875CF0EB-321F-0749-B37A-89BBA859503C}" type="datetimeFigureOut">
               <a:rPr lang="en-US" smtClean="0"/>
-              <a:t>07/05/17</a:t>
+              <a:t>19/12/17</a:t>
             </a:fld>
             <a:endParaRPr lang="en-US"/>
           </a:p>
@@ -1008,7 +1008,7 @@
           <a:p>
             <a:fld id="{875CF0EB-321F-0749-B37A-89BBA859503C}" type="datetimeFigureOut">
               <a:rPr lang="en-US" smtClean="0"/>
-              <a:t>07/05/17</a:t>
+              <a:t>19/12/17</a:t>
             </a:fld>
             <a:endParaRPr lang="en-US"/>
           </a:p>
@@ -1202,7 +1202,7 @@
           <a:p>
             <a:fld id="{875CF0EB-321F-0749-B37A-89BBA859503C}" type="datetimeFigureOut">
               <a:rPr lang="en-US" smtClean="0"/>
-              <a:t>07/05/17</a:t>
+              <a:t>19/12/17</a:t>
             </a:fld>
             <a:endParaRPr lang="en-US"/>
           </a:p>
@@ -1472,7 +1472,7 @@
           <a:p>
             <a:fld id="{875CF0EB-321F-0749-B37A-89BBA859503C}" type="datetimeFigureOut">
               <a:rPr lang="en-US" smtClean="0"/>
-              <a:t>07/05/17</a:t>
+              <a:t>19/12/17</a:t>
             </a:fld>
             <a:endParaRPr lang="en-US"/>
           </a:p>
@@ -1784,7 +1784,7 @@
           <a:p>
             <a:fld id="{875CF0EB-321F-0749-B37A-89BBA859503C}" type="datetimeFigureOut">
               <a:rPr lang="en-US" smtClean="0"/>
-              <a:t>07/05/17</a:t>
+              <a:t>19/12/17</a:t>
             </a:fld>
             <a:endParaRPr lang="en-US"/>
           </a:p>
@@ -2230,7 +2230,7 @@
           <a:p>
             <a:fld id="{875CF0EB-321F-0749-B37A-89BBA859503C}" type="datetimeFigureOut">
               <a:rPr lang="en-US" smtClean="0"/>
-              <a:t>07/05/17</a:t>
+              <a:t>19/12/17</a:t>
             </a:fld>
             <a:endParaRPr lang="en-US"/>
           </a:p>
@@ -2372,7 +2372,7 @@
           <a:p>
             <a:fld id="{875CF0EB-321F-0749-B37A-89BBA859503C}" type="datetimeFigureOut">
               <a:rPr lang="en-US" smtClean="0"/>
-              <a:t>07/05/17</a:t>
+              <a:t>19/12/17</a:t>
             </a:fld>
             <a:endParaRPr lang="en-US"/>
           </a:p>
@@ -2491,7 +2491,7 @@
           <a:p>
             <a:fld id="{875CF0EB-321F-0749-B37A-89BBA859503C}" type="datetimeFigureOut">
               <a:rPr lang="en-US" smtClean="0"/>
-              <a:t>07/05/17</a:t>
+              <a:t>19/12/17</a:t>
             </a:fld>
             <a:endParaRPr lang="en-US"/>
           </a:p>
@@ -2792,7 +2792,7 @@
           <a:p>
             <a:fld id="{875CF0EB-321F-0749-B37A-89BBA859503C}" type="datetimeFigureOut">
               <a:rPr lang="en-US" smtClean="0"/>
-              <a:t>07/05/17</a:t>
+              <a:t>19/12/17</a:t>
             </a:fld>
             <a:endParaRPr lang="en-US"/>
           </a:p>
@@ -3069,7 +3069,7 @@
           <a:p>
             <a:fld id="{875CF0EB-321F-0749-B37A-89BBA859503C}" type="datetimeFigureOut">
               <a:rPr lang="en-US" smtClean="0"/>
-              <a:t>07/05/17</a:t>
+              <a:t>19/12/17</a:t>
             </a:fld>
             <a:endParaRPr lang="en-US"/>
           </a:p>
@@ -3887,11 +3887,11 @@
           </a:p>
           <a:p>
             <a:r>
-              <a:rPr lang="en-US" smtClean="0">
+              <a:rPr lang="en-US" dirty="0" smtClean="0">
                 <a:ea typeface="ヒラギノ角ゴ ProN W3" charset="0"/>
                 <a:cs typeface="ヒラギノ角ゴ ProN W3" charset="0"/>
               </a:rPr>
-              <a:t>May 2017 </a:t>
+              <a:t>January 2018</a:t>
             </a:r>
             <a:endParaRPr lang="en-US" dirty="0">
               <a:ea typeface="ヒラギノ角ゴ ProN W3" charset="0"/>
@@ -5938,7 +5938,7 @@
         </p:blipFill>
         <p:spPr>
           <a:xfrm>
-            <a:off x="2954769" y="1570458"/>
+            <a:off x="3367519" y="1470414"/>
             <a:ext cx="980826" cy="776487"/>
           </a:xfrm>
           <a:prstGeom prst="rect">
@@ -6658,6 +6658,18 @@
               <a:rPr lang="en-US" dirty="0" smtClean="0"/>
               <a:t>Unlike BPEL there is no direct way of capturing </a:t>
             </a:r>
+            <a:r>
+              <a:rPr lang="en-US" dirty="0" smtClean="0"/>
+              <a:t>the actual service</a:t>
+            </a:r>
+          </a:p>
+          <a:p>
+            <a:pPr lvl="1"/>
+            <a:r>
+              <a:rPr lang="en-US" dirty="0" smtClean="0"/>
+              <a:t>Typically need to write some code (e.g. Java) to capture that</a:t>
+            </a:r>
+            <a:endParaRPr lang="en-US" dirty="0" smtClean="0"/>
           </a:p>
         </p:txBody>
       </p:sp>
@@ -7439,7 +7451,7 @@
         </p:blipFill>
         <p:spPr>
           <a:xfrm>
-            <a:off x="6095011" y="1417638"/>
+            <a:off x="6653811" y="1417638"/>
             <a:ext cx="1117600" cy="1003300"/>
           </a:xfrm>
           <a:prstGeom prst="rect">
@@ -8306,7 +8318,7 @@
           <a:lstStyle/>
           <a:p>
             <a:r>
-              <a:rPr lang="en-US" dirty="0"/>
+              <a:rPr lang="en-US" i="1" dirty="0"/>
               <a:t>E</a:t>
             </a:r>
             <a:r>
@@ -8389,7 +8401,7 @@
           </a:p>
           <a:p>
             <a:r>
-              <a:rPr lang="en-US" dirty="0"/>
+              <a:rPr lang="en-US" i="1" dirty="0"/>
               <a:t>P</a:t>
             </a:r>
             <a:r>

--- a/presentation-source/14-composition.pptx
+++ b/presentation-source/14-composition.pptx
@@ -253,7 +253,7 @@
             <a:fld id="{7307762F-A706-E543-A832-3C298AA3103F}" type="datetimeFigureOut">
               <a:rPr lang="en-US" smtClean="0"/>
               <a:pPr/>
-              <a:t>11/17/19</a:t>
+              <a:t>11/29/19</a:t>
             </a:fld>
             <a:endParaRPr lang="en-US" dirty="0"/>
           </a:p>
@@ -815,7 +815,7 @@
           <a:p>
             <a:fld id="{875CF0EB-321F-0749-B37A-89BBA859503C}" type="datetimeFigureOut">
               <a:rPr lang="en-US" smtClean="0"/>
-              <a:t>11/17/19</a:t>
+              <a:t>11/29/19</a:t>
             </a:fld>
             <a:endParaRPr lang="en-US"/>
           </a:p>
@@ -1017,7 +1017,7 @@
           <a:p>
             <a:fld id="{875CF0EB-321F-0749-B37A-89BBA859503C}" type="datetimeFigureOut">
               <a:rPr lang="en-US" smtClean="0"/>
-              <a:t>11/17/19</a:t>
+              <a:t>11/29/19</a:t>
             </a:fld>
             <a:endParaRPr lang="en-US"/>
           </a:p>
@@ -1209,7 +1209,7 @@
           <a:p>
             <a:fld id="{875CF0EB-321F-0749-B37A-89BBA859503C}" type="datetimeFigureOut">
               <a:rPr lang="en-US" smtClean="0"/>
-              <a:t>11/17/19</a:t>
+              <a:t>11/29/19</a:t>
             </a:fld>
             <a:endParaRPr lang="en-US"/>
           </a:p>
@@ -1478,7 +1478,7 @@
           <a:p>
             <a:fld id="{875CF0EB-321F-0749-B37A-89BBA859503C}" type="datetimeFigureOut">
               <a:rPr lang="en-US" smtClean="0"/>
-              <a:t>11/17/19</a:t>
+              <a:t>11/29/19</a:t>
             </a:fld>
             <a:endParaRPr lang="en-US"/>
           </a:p>
@@ -1787,7 +1787,7 @@
           <a:p>
             <a:fld id="{875CF0EB-321F-0749-B37A-89BBA859503C}" type="datetimeFigureOut">
               <a:rPr lang="en-US" smtClean="0"/>
-              <a:t>11/17/19</a:t>
+              <a:t>11/29/19</a:t>
             </a:fld>
             <a:endParaRPr lang="en-US"/>
           </a:p>
@@ -2230,7 +2230,7 @@
           <a:p>
             <a:fld id="{875CF0EB-321F-0749-B37A-89BBA859503C}" type="datetimeFigureOut">
               <a:rPr lang="en-US" smtClean="0"/>
-              <a:t>11/17/19</a:t>
+              <a:t>11/29/19</a:t>
             </a:fld>
             <a:endParaRPr lang="en-US"/>
           </a:p>
@@ -2371,7 +2371,7 @@
           <a:p>
             <a:fld id="{875CF0EB-321F-0749-B37A-89BBA859503C}" type="datetimeFigureOut">
               <a:rPr lang="en-US" smtClean="0"/>
-              <a:t>11/17/19</a:t>
+              <a:t>11/29/19</a:t>
             </a:fld>
             <a:endParaRPr lang="en-US"/>
           </a:p>
@@ -2490,7 +2490,7 @@
           <a:p>
             <a:fld id="{875CF0EB-321F-0749-B37A-89BBA859503C}" type="datetimeFigureOut">
               <a:rPr lang="en-US" smtClean="0"/>
-              <a:t>11/17/19</a:t>
+              <a:t>11/29/19</a:t>
             </a:fld>
             <a:endParaRPr lang="en-US"/>
           </a:p>
@@ -2789,7 +2789,7 @@
           <a:p>
             <a:fld id="{875CF0EB-321F-0749-B37A-89BBA859503C}" type="datetimeFigureOut">
               <a:rPr lang="en-US" smtClean="0"/>
-              <a:t>11/17/19</a:t>
+              <a:t>11/29/19</a:t>
             </a:fld>
             <a:endParaRPr lang="en-US"/>
           </a:p>
@@ -3065,7 +3065,7 @@
           <a:p>
             <a:fld id="{875CF0EB-321F-0749-B37A-89BBA859503C}" type="datetimeFigureOut">
               <a:rPr lang="en-US" smtClean="0"/>
-              <a:t>11/17/19</a:t>
+              <a:t>11/29/19</a:t>
             </a:fld>
             <a:endParaRPr lang="en-US"/>
           </a:p>
@@ -3279,14 +3279,14 @@
           </a:ln>
           <a:extLst>
             <a:ext uri="{909E8E84-426E-40dd-AFC4-6F175D3DCCD1}">
-              <a14:hiddenFill xmlns:a14="http://schemas.microsoft.com/office/drawing/2010/main" xmlns="">
+              <a14:hiddenFill xmlns="" xmlns:a14="http://schemas.microsoft.com/office/drawing/2010/main">
                 <a:solidFill>
                   <a:srgbClr val="FFFFFF"/>
                 </a:solidFill>
               </a14:hiddenFill>
             </a:ext>
             <a:ext uri="{91240B29-F687-4f45-9708-019B960494DF}">
-              <a14:hiddenLine xmlns:a14="http://schemas.microsoft.com/office/drawing/2010/main" xmlns="" w="9525">
+              <a14:hiddenLine xmlns="" xmlns:a14="http://schemas.microsoft.com/office/drawing/2010/main" w="9525">
                 <a:solidFill>
                   <a:srgbClr val="000000"/>
                 </a:solidFill>
@@ -7791,7 +7791,7 @@
         </p:blipFill>
         <p:spPr>
           <a:xfrm>
-            <a:off x="1693240" y="2418979"/>
+            <a:off x="1693240" y="2918851"/>
             <a:ext cx="6281618" cy="3707184"/>
           </a:xfrm>
           <a:prstGeom prst="rect">

--- a/presentation-source/14-composition.pptx
+++ b/presentation-source/14-composition.pptx
@@ -43,16 +43,17 @@
     <p:sldId id="288" r:id="rId38"/>
     <p:sldId id="289" r:id="rId39"/>
     <p:sldId id="290" r:id="rId40"/>
+    <p:sldId id="291" r:id="rId41"/>
   </p:sldIdLst>
   <p:sldSz cy="6858000" cx="9144000"/>
   <p:notesSz cx="6858000" cy="9144000"/>
   <p:embeddedFontLst>
     <p:embeddedFont>
       <p:font typeface="Montserrat"/>
-      <p:regular r:id="rId41"/>
-      <p:bold r:id="rId42"/>
-      <p:italic r:id="rId43"/>
-      <p:boldItalic r:id="rId44"/>
+      <p:regular r:id="rId42"/>
+      <p:bold r:id="rId43"/>
+      <p:italic r:id="rId44"/>
+      <p:boldItalic r:id="rId45"/>
     </p:embeddedFont>
   </p:embeddedFontLst>
   <p:defaultTextStyle>
@@ -1787,46 +1788,7 @@
       </p:grpSpPr>
       <p:sp>
         <p:nvSpPr>
-          <p:cNvPr id="151" name="Google Shape;151;p14:notes"/>
-          <p:cNvSpPr txBox="1"/>
-          <p:nvPr>
-            <p:ph idx="1" type="body"/>
-          </p:nvPr>
-        </p:nvSpPr>
-        <p:spPr>
-          <a:xfrm>
-            <a:off x="685800" y="4343400"/>
-            <a:ext cx="5486400" cy="4114800"/>
-          </a:xfrm>
-          <a:prstGeom prst="rect">
-            <a:avLst/>
-          </a:prstGeom>
-        </p:spPr>
-        <p:txBody>
-          <a:bodyPr anchorCtr="0" anchor="t" bIns="45700" lIns="91425" spcFirstLastPara="1" rIns="91425" wrap="square" tIns="45700">
-            <a:noAutofit/>
-          </a:bodyPr>
-          <a:lstStyle/>
-          <a:p>
-            <a:pPr indent="0" lvl="0" marL="0" rtl="0" algn="l">
-              <a:spcBef>
-                <a:spcPts val="0"/>
-              </a:spcBef>
-              <a:spcAft>
-                <a:spcPts val="0"/>
-              </a:spcAft>
-              <a:buNone/>
-            </a:pPr>
-            <a:r>
-              <a:t/>
-            </a:r>
-            <a:endParaRPr/>
-          </a:p>
-        </p:txBody>
-      </p:sp>
-      <p:sp>
-        <p:nvSpPr>
-          <p:cNvPr id="152" name="Google Shape;152;p14:notes"/>
+          <p:cNvPr id="151" name="Google Shape;151;gd1016b0b28_1_0:notes"/>
           <p:cNvSpPr/>
           <p:nvPr>
             <p:ph idx="2" type="sldImg"/>
@@ -1859,6 +1821,89 @@
           </a:custGeom>
         </p:spPr>
       </p:sp>
+      <p:sp>
+        <p:nvSpPr>
+          <p:cNvPr id="152" name="Google Shape;152;gd1016b0b28_1_0:notes"/>
+          <p:cNvSpPr txBox="1"/>
+          <p:nvPr>
+            <p:ph idx="1" type="body"/>
+          </p:nvPr>
+        </p:nvSpPr>
+        <p:spPr>
+          <a:xfrm>
+            <a:off x="685800" y="4343400"/>
+            <a:ext cx="5486400" cy="4114800"/>
+          </a:xfrm>
+          <a:prstGeom prst="rect">
+            <a:avLst/>
+          </a:prstGeom>
+        </p:spPr>
+        <p:txBody>
+          <a:bodyPr anchorCtr="0" anchor="t" bIns="45700" lIns="91425" spcFirstLastPara="1" rIns="91425" wrap="square" tIns="45700">
+            <a:noAutofit/>
+          </a:bodyPr>
+          <a:lstStyle/>
+          <a:p>
+            <a:pPr indent="0" lvl="0" marL="0" rtl="0" algn="l">
+              <a:spcBef>
+                <a:spcPts val="0"/>
+              </a:spcBef>
+              <a:spcAft>
+                <a:spcPts val="0"/>
+              </a:spcAft>
+              <a:buNone/>
+            </a:pPr>
+            <a:r>
+              <a:t/>
+            </a:r>
+            <a:endParaRPr/>
+          </a:p>
+        </p:txBody>
+      </p:sp>
+      <p:sp>
+        <p:nvSpPr>
+          <p:cNvPr id="153" name="Google Shape;153;gd1016b0b28_1_0:notes"/>
+          <p:cNvSpPr txBox="1"/>
+          <p:nvPr>
+            <p:ph idx="12" type="sldNum"/>
+          </p:nvPr>
+        </p:nvSpPr>
+        <p:spPr>
+          <a:xfrm>
+            <a:off x="3884613" y="8685213"/>
+            <a:ext cx="2971800" cy="457200"/>
+          </a:xfrm>
+          <a:prstGeom prst="rect">
+            <a:avLst/>
+          </a:prstGeom>
+        </p:spPr>
+        <p:txBody>
+          <a:bodyPr anchorCtr="0" anchor="b" bIns="45700" lIns="91425" spcFirstLastPara="1" rIns="91425" wrap="square" tIns="45700">
+            <a:noAutofit/>
+          </a:bodyPr>
+          <a:lstStyle/>
+          <a:p>
+            <a:pPr indent="0" lvl="0" marL="0" rtl="0" algn="r">
+              <a:spcBef>
+                <a:spcPts val="0"/>
+              </a:spcBef>
+              <a:spcAft>
+                <a:spcPts val="0"/>
+              </a:spcAft>
+              <a:buClr>
+                <a:srgbClr val="000000"/>
+              </a:buClr>
+              <a:buFont typeface="Arial"/>
+              <a:buNone/>
+            </a:pPr>
+            <a:fld id="{00000000-1234-1234-1234-123412341234}" type="slidenum">
+              <a:rPr lang="en-US"/>
+              <a:t>‹#›</a:t>
+            </a:fld>
+            <a:endParaRPr/>
+          </a:p>
+        </p:txBody>
+      </p:sp>
     </p:spTree>
   </p:cSld>
   <p:clrMapOvr>
@@ -1886,7 +1931,7 @@
       </p:grpSpPr>
       <p:sp>
         <p:nvSpPr>
-          <p:cNvPr id="157" name="Google Shape;157;p15:notes"/>
+          <p:cNvPr id="157" name="Google Shape;157;p14:notes"/>
           <p:cNvSpPr txBox="1"/>
           <p:nvPr>
             <p:ph idx="1" type="body"/>
@@ -1925,7 +1970,7 @@
       </p:sp>
       <p:sp>
         <p:nvSpPr>
-          <p:cNvPr id="158" name="Google Shape;158;p15:notes"/>
+          <p:cNvPr id="158" name="Google Shape;158;p14:notes"/>
           <p:cNvSpPr/>
           <p:nvPr>
             <p:ph idx="2" type="sldImg"/>
@@ -1985,7 +2030,7 @@
       </p:grpSpPr>
       <p:sp>
         <p:nvSpPr>
-          <p:cNvPr id="163" name="Google Shape;163;p16:notes"/>
+          <p:cNvPr id="163" name="Google Shape;163;p15:notes"/>
           <p:cNvSpPr txBox="1"/>
           <p:nvPr>
             <p:ph idx="1" type="body"/>
@@ -2024,7 +2069,7 @@
       </p:sp>
       <p:sp>
         <p:nvSpPr>
-          <p:cNvPr id="164" name="Google Shape;164;p16:notes"/>
+          <p:cNvPr id="164" name="Google Shape;164;p15:notes"/>
           <p:cNvSpPr/>
           <p:nvPr>
             <p:ph idx="2" type="sldImg"/>
@@ -2084,7 +2129,7 @@
       </p:grpSpPr>
       <p:sp>
         <p:nvSpPr>
-          <p:cNvPr id="169" name="Google Shape;169;p17:notes"/>
+          <p:cNvPr id="169" name="Google Shape;169;p16:notes"/>
           <p:cNvSpPr txBox="1"/>
           <p:nvPr>
             <p:ph idx="1" type="body"/>
@@ -2123,7 +2168,7 @@
       </p:sp>
       <p:sp>
         <p:nvSpPr>
-          <p:cNvPr id="170" name="Google Shape;170;p17:notes"/>
+          <p:cNvPr id="170" name="Google Shape;170;p16:notes"/>
           <p:cNvSpPr/>
           <p:nvPr>
             <p:ph idx="2" type="sldImg"/>
@@ -2183,7 +2228,7 @@
       </p:grpSpPr>
       <p:sp>
         <p:nvSpPr>
-          <p:cNvPr id="175" name="Google Shape;175;p18:notes"/>
+          <p:cNvPr id="175" name="Google Shape;175;p17:notes"/>
           <p:cNvSpPr txBox="1"/>
           <p:nvPr>
             <p:ph idx="1" type="body"/>
@@ -2222,7 +2267,7 @@
       </p:sp>
       <p:sp>
         <p:nvSpPr>
-          <p:cNvPr id="176" name="Google Shape;176;p18:notes"/>
+          <p:cNvPr id="176" name="Google Shape;176;p17:notes"/>
           <p:cNvSpPr/>
           <p:nvPr>
             <p:ph idx="2" type="sldImg"/>
@@ -2282,7 +2327,7 @@
       </p:grpSpPr>
       <p:sp>
         <p:nvSpPr>
-          <p:cNvPr id="181" name="Google Shape;181;p22:notes"/>
+          <p:cNvPr id="181" name="Google Shape;181;p18:notes"/>
           <p:cNvSpPr txBox="1"/>
           <p:nvPr>
             <p:ph idx="1" type="body"/>
@@ -2321,7 +2366,7 @@
       </p:sp>
       <p:sp>
         <p:nvSpPr>
-          <p:cNvPr id="182" name="Google Shape;182;p22:notes"/>
+          <p:cNvPr id="182" name="Google Shape;182;p18:notes"/>
           <p:cNvSpPr/>
           <p:nvPr>
             <p:ph idx="2" type="sldImg"/>
@@ -2381,7 +2426,7 @@
       </p:grpSpPr>
       <p:sp>
         <p:nvSpPr>
-          <p:cNvPr id="187" name="Google Shape;187;p23:notes"/>
+          <p:cNvPr id="187" name="Google Shape;187;p22:notes"/>
           <p:cNvSpPr txBox="1"/>
           <p:nvPr>
             <p:ph idx="1" type="body"/>
@@ -2420,7 +2465,7 @@
       </p:sp>
       <p:sp>
         <p:nvSpPr>
-          <p:cNvPr id="188" name="Google Shape;188;p23:notes"/>
+          <p:cNvPr id="188" name="Google Shape;188;p22:notes"/>
           <p:cNvSpPr/>
           <p:nvPr>
             <p:ph idx="2" type="sldImg"/>
@@ -2480,7 +2525,7 @@
       </p:grpSpPr>
       <p:sp>
         <p:nvSpPr>
-          <p:cNvPr id="193" name="Google Shape;193;gcf605a2536_0_0:notes"/>
+          <p:cNvPr id="193" name="Google Shape;193;p23:notes"/>
           <p:cNvSpPr txBox="1"/>
           <p:nvPr>
             <p:ph idx="1" type="body"/>
@@ -2519,7 +2564,7 @@
       </p:sp>
       <p:sp>
         <p:nvSpPr>
-          <p:cNvPr id="194" name="Google Shape;194;gcf605a2536_0_0:notes"/>
+          <p:cNvPr id="194" name="Google Shape;194;p23:notes"/>
           <p:cNvSpPr/>
           <p:nvPr>
             <p:ph idx="2" type="sldImg"/>
@@ -2678,7 +2723,7 @@
       </p:grpSpPr>
       <p:sp>
         <p:nvSpPr>
-          <p:cNvPr id="199" name="Google Shape;199;gcf605a2536_0_5:notes"/>
+          <p:cNvPr id="199" name="Google Shape;199;gcf605a2536_0_0:notes"/>
           <p:cNvSpPr txBox="1"/>
           <p:nvPr>
             <p:ph idx="1" type="body"/>
@@ -2717,7 +2762,7 @@
       </p:sp>
       <p:sp>
         <p:nvSpPr>
-          <p:cNvPr id="200" name="Google Shape;200;gcf605a2536_0_5:notes"/>
+          <p:cNvPr id="200" name="Google Shape;200;gcf605a2536_0_0:notes"/>
           <p:cNvSpPr/>
           <p:nvPr>
             <p:ph idx="2" type="sldImg"/>
@@ -2777,7 +2822,7 @@
       </p:grpSpPr>
       <p:sp>
         <p:nvSpPr>
-          <p:cNvPr id="205" name="Google Shape;205;p24:notes"/>
+          <p:cNvPr id="205" name="Google Shape;205;gcf605a2536_0_5:notes"/>
           <p:cNvSpPr txBox="1"/>
           <p:nvPr>
             <p:ph idx="1" type="body"/>
@@ -2816,7 +2861,7 @@
       </p:sp>
       <p:sp>
         <p:nvSpPr>
-          <p:cNvPr id="206" name="Google Shape;206;p24:notes"/>
+          <p:cNvPr id="206" name="Google Shape;206;gcf605a2536_0_5:notes"/>
           <p:cNvSpPr/>
           <p:nvPr>
             <p:ph idx="2" type="sldImg"/>
@@ -2862,7 +2907,7 @@
   <p:cSld>
     <p:spTree>
       <p:nvGrpSpPr>
-        <p:cNvPr id="214" name="Shape 214"/>
+        <p:cNvPr id="210" name="Shape 210"/>
         <p:cNvGrpSpPr/>
         <p:nvPr/>
       </p:nvGrpSpPr>
@@ -2876,7 +2921,7 @@
       </p:grpSpPr>
       <p:sp>
         <p:nvSpPr>
-          <p:cNvPr id="215" name="Google Shape;215;p25:notes"/>
+          <p:cNvPr id="211" name="Google Shape;211;p24:notes"/>
           <p:cNvSpPr txBox="1"/>
           <p:nvPr>
             <p:ph idx="1" type="body"/>
@@ -2915,7 +2960,7 @@
       </p:sp>
       <p:sp>
         <p:nvSpPr>
-          <p:cNvPr id="216" name="Google Shape;216;p25:notes"/>
+          <p:cNvPr id="212" name="Google Shape;212;p24:notes"/>
           <p:cNvSpPr/>
           <p:nvPr>
             <p:ph idx="2" type="sldImg"/>
@@ -2961,7 +3006,7 @@
   <p:cSld>
     <p:spTree>
       <p:nvGrpSpPr>
-        <p:cNvPr id="221" name="Shape 221"/>
+        <p:cNvPr id="220" name="Shape 220"/>
         <p:cNvGrpSpPr/>
         <p:nvPr/>
       </p:nvGrpSpPr>
@@ -2975,7 +3020,7 @@
       </p:grpSpPr>
       <p:sp>
         <p:nvSpPr>
-          <p:cNvPr id="222" name="Google Shape;222;p26:notes"/>
+          <p:cNvPr id="221" name="Google Shape;221;p25:notes"/>
           <p:cNvSpPr txBox="1"/>
           <p:nvPr>
             <p:ph idx="1" type="body"/>
@@ -3014,7 +3059,7 @@
       </p:sp>
       <p:sp>
         <p:nvSpPr>
-          <p:cNvPr id="223" name="Google Shape;223;p26:notes"/>
+          <p:cNvPr id="222" name="Google Shape;222;p25:notes"/>
           <p:cNvSpPr/>
           <p:nvPr>
             <p:ph idx="2" type="sldImg"/>
@@ -3060,7 +3105,7 @@
   <p:cSld>
     <p:spTree>
       <p:nvGrpSpPr>
-        <p:cNvPr id="232" name="Shape 232"/>
+        <p:cNvPr id="227" name="Shape 227"/>
         <p:cNvGrpSpPr/>
         <p:nvPr/>
       </p:nvGrpSpPr>
@@ -3074,7 +3119,7 @@
       </p:grpSpPr>
       <p:sp>
         <p:nvSpPr>
-          <p:cNvPr id="233" name="Google Shape;233;p27:notes"/>
+          <p:cNvPr id="228" name="Google Shape;228;p26:notes"/>
           <p:cNvSpPr txBox="1"/>
           <p:nvPr>
             <p:ph idx="1" type="body"/>
@@ -3113,7 +3158,7 @@
       </p:sp>
       <p:sp>
         <p:nvSpPr>
-          <p:cNvPr id="234" name="Google Shape;234;p27:notes"/>
+          <p:cNvPr id="229" name="Google Shape;229;p26:notes"/>
           <p:cNvSpPr/>
           <p:nvPr>
             <p:ph idx="2" type="sldImg"/>
@@ -3159,7 +3204,7 @@
   <p:cSld>
     <p:spTree>
       <p:nvGrpSpPr>
-        <p:cNvPr id="239" name="Shape 239"/>
+        <p:cNvPr id="238" name="Shape 238"/>
         <p:cNvGrpSpPr/>
         <p:nvPr/>
       </p:nvGrpSpPr>
@@ -3173,7 +3218,7 @@
       </p:grpSpPr>
       <p:sp>
         <p:nvSpPr>
-          <p:cNvPr id="240" name="Google Shape;240;p28:notes"/>
+          <p:cNvPr id="239" name="Google Shape;239;p27:notes"/>
           <p:cNvSpPr txBox="1"/>
           <p:nvPr>
             <p:ph idx="1" type="body"/>
@@ -3212,7 +3257,7 @@
       </p:sp>
       <p:sp>
         <p:nvSpPr>
-          <p:cNvPr id="241" name="Google Shape;241;p28:notes"/>
+          <p:cNvPr id="240" name="Google Shape;240;p27:notes"/>
           <p:cNvSpPr/>
           <p:nvPr>
             <p:ph idx="2" type="sldImg"/>
@@ -3272,7 +3317,7 @@
       </p:grpSpPr>
       <p:sp>
         <p:nvSpPr>
-          <p:cNvPr id="246" name="Google Shape;246;p29:notes"/>
+          <p:cNvPr id="246" name="Google Shape;246;p28:notes"/>
           <p:cNvSpPr txBox="1"/>
           <p:nvPr>
             <p:ph idx="1" type="body"/>
@@ -3311,7 +3356,7 @@
       </p:sp>
       <p:sp>
         <p:nvSpPr>
-          <p:cNvPr id="247" name="Google Shape;247;p29:notes"/>
+          <p:cNvPr id="247" name="Google Shape;247;p28:notes"/>
           <p:cNvSpPr/>
           <p:nvPr>
             <p:ph idx="2" type="sldImg"/>
@@ -3371,7 +3416,7 @@
       </p:grpSpPr>
       <p:sp>
         <p:nvSpPr>
-          <p:cNvPr id="252" name="Google Shape;252;p30:notes"/>
+          <p:cNvPr id="252" name="Google Shape;252;p29:notes"/>
           <p:cNvSpPr txBox="1"/>
           <p:nvPr>
             <p:ph idx="1" type="body"/>
@@ -3410,7 +3455,7 @@
       </p:sp>
       <p:sp>
         <p:nvSpPr>
-          <p:cNvPr id="253" name="Google Shape;253;p30:notes"/>
+          <p:cNvPr id="253" name="Google Shape;253;p29:notes"/>
           <p:cNvSpPr/>
           <p:nvPr>
             <p:ph idx="2" type="sldImg"/>
@@ -3470,7 +3515,7 @@
       </p:grpSpPr>
       <p:sp>
         <p:nvSpPr>
-          <p:cNvPr id="258" name="Google Shape;258;p33:notes"/>
+          <p:cNvPr id="258" name="Google Shape;258;p30:notes"/>
           <p:cNvSpPr txBox="1"/>
           <p:nvPr>
             <p:ph idx="1" type="body"/>
@@ -3509,7 +3554,7 @@
       </p:sp>
       <p:sp>
         <p:nvSpPr>
-          <p:cNvPr id="259" name="Google Shape;259;p33:notes"/>
+          <p:cNvPr id="259" name="Google Shape;259;p30:notes"/>
           <p:cNvSpPr/>
           <p:nvPr>
             <p:ph idx="2" type="sldImg"/>
@@ -3569,7 +3614,7 @@
       </p:grpSpPr>
       <p:sp>
         <p:nvSpPr>
-          <p:cNvPr id="264" name="Google Shape;264;p34:notes"/>
+          <p:cNvPr id="264" name="Google Shape;264;p33:notes"/>
           <p:cNvSpPr txBox="1"/>
           <p:nvPr>
             <p:ph idx="1" type="body"/>
@@ -3608,7 +3653,7 @@
       </p:sp>
       <p:sp>
         <p:nvSpPr>
-          <p:cNvPr id="265" name="Google Shape;265;p34:notes"/>
+          <p:cNvPr id="265" name="Google Shape;265;p33:notes"/>
           <p:cNvSpPr/>
           <p:nvPr>
             <p:ph idx="2" type="sldImg"/>
@@ -3767,7 +3812,7 @@
       </p:grpSpPr>
       <p:sp>
         <p:nvSpPr>
-          <p:cNvPr id="270" name="Google Shape;270;p35:notes"/>
+          <p:cNvPr id="270" name="Google Shape;270;p34:notes"/>
           <p:cNvSpPr txBox="1"/>
           <p:nvPr>
             <p:ph idx="1" type="body"/>
@@ -3806,7 +3851,7 @@
       </p:sp>
       <p:sp>
         <p:nvSpPr>
-          <p:cNvPr id="271" name="Google Shape;271;p35:notes"/>
+          <p:cNvPr id="271" name="Google Shape;271;p34:notes"/>
           <p:cNvSpPr/>
           <p:nvPr>
             <p:ph idx="2" type="sldImg"/>
@@ -3852,7 +3897,7 @@
   <p:cSld>
     <p:spTree>
       <p:nvGrpSpPr>
-        <p:cNvPr id="278" name="Shape 278"/>
+        <p:cNvPr id="275" name="Shape 275"/>
         <p:cNvGrpSpPr/>
         <p:nvPr/>
       </p:nvGrpSpPr>
@@ -3866,7 +3911,7 @@
       </p:grpSpPr>
       <p:sp>
         <p:nvSpPr>
-          <p:cNvPr id="279" name="Google Shape;279;p36:notes"/>
+          <p:cNvPr id="276" name="Google Shape;276;p35:notes"/>
           <p:cNvSpPr txBox="1"/>
           <p:nvPr>
             <p:ph idx="1" type="body"/>
@@ -3905,7 +3950,7 @@
       </p:sp>
       <p:sp>
         <p:nvSpPr>
-          <p:cNvPr id="280" name="Google Shape;280;p36:notes"/>
+          <p:cNvPr id="277" name="Google Shape;277;p35:notes"/>
           <p:cNvSpPr/>
           <p:nvPr>
             <p:ph idx="2" type="sldImg"/>
@@ -3951,7 +3996,7 @@
   <p:cSld>
     <p:spTree>
       <p:nvGrpSpPr>
-        <p:cNvPr id="286" name="Shape 286"/>
+        <p:cNvPr id="284" name="Shape 284"/>
         <p:cNvGrpSpPr/>
         <p:nvPr/>
       </p:nvGrpSpPr>
@@ -3965,7 +4010,7 @@
       </p:grpSpPr>
       <p:sp>
         <p:nvSpPr>
-          <p:cNvPr id="287" name="Google Shape;287;p37:notes"/>
+          <p:cNvPr id="285" name="Google Shape;285;p36:notes"/>
           <p:cNvSpPr txBox="1"/>
           <p:nvPr>
             <p:ph idx="1" type="body"/>
@@ -4004,7 +4049,7 @@
       </p:sp>
       <p:sp>
         <p:nvSpPr>
-          <p:cNvPr id="288" name="Google Shape;288;p37:notes"/>
+          <p:cNvPr id="286" name="Google Shape;286;p36:notes"/>
           <p:cNvSpPr/>
           <p:nvPr>
             <p:ph idx="2" type="sldImg"/>
@@ -4050,7 +4095,7 @@
   <p:cSld>
     <p:spTree>
       <p:nvGrpSpPr>
-        <p:cNvPr id="293" name="Shape 293"/>
+        <p:cNvPr id="292" name="Shape 292"/>
         <p:cNvGrpSpPr/>
         <p:nvPr/>
       </p:nvGrpSpPr>
@@ -4064,7 +4109,7 @@
       </p:grpSpPr>
       <p:sp>
         <p:nvSpPr>
-          <p:cNvPr id="294" name="Google Shape;294;p38:notes"/>
+          <p:cNvPr id="293" name="Google Shape;293;p37:notes"/>
           <p:cNvSpPr txBox="1"/>
           <p:nvPr>
             <p:ph idx="1" type="body"/>
@@ -4103,7 +4148,7 @@
       </p:sp>
       <p:sp>
         <p:nvSpPr>
-          <p:cNvPr id="295" name="Google Shape;295;p38:notes"/>
+          <p:cNvPr id="294" name="Google Shape;294;p37:notes"/>
           <p:cNvSpPr/>
           <p:nvPr>
             <p:ph idx="2" type="sldImg"/>
@@ -4163,7 +4208,7 @@
       </p:grpSpPr>
       <p:sp>
         <p:nvSpPr>
-          <p:cNvPr id="300" name="Google Shape;300;p39:notes"/>
+          <p:cNvPr id="300" name="Google Shape;300;p38:notes"/>
           <p:cNvSpPr txBox="1"/>
           <p:nvPr>
             <p:ph idx="1" type="body"/>
@@ -4202,7 +4247,7 @@
       </p:sp>
       <p:sp>
         <p:nvSpPr>
-          <p:cNvPr id="301" name="Google Shape;301;p39:notes"/>
+          <p:cNvPr id="301" name="Google Shape;301;p38:notes"/>
           <p:cNvSpPr/>
           <p:nvPr>
             <p:ph idx="2" type="sldImg"/>
@@ -4248,7 +4293,7 @@
   <p:cSld>
     <p:spTree>
       <p:nvGrpSpPr>
-        <p:cNvPr id="306" name="Shape 306"/>
+        <p:cNvPr id="305" name="Shape 305"/>
         <p:cNvGrpSpPr/>
         <p:nvPr/>
       </p:nvGrpSpPr>
@@ -4262,7 +4307,7 @@
       </p:grpSpPr>
       <p:sp>
         <p:nvSpPr>
-          <p:cNvPr id="307" name="Google Shape;307;p41:notes"/>
+          <p:cNvPr id="306" name="Google Shape;306;p39:notes"/>
           <p:cNvSpPr txBox="1"/>
           <p:nvPr>
             <p:ph idx="1" type="body"/>
@@ -4301,7 +4346,106 @@
       </p:sp>
       <p:sp>
         <p:nvSpPr>
-          <p:cNvPr id="308" name="Google Shape;308;p41:notes"/>
+          <p:cNvPr id="307" name="Google Shape;307;p39:notes"/>
+          <p:cNvSpPr/>
+          <p:nvPr>
+            <p:ph idx="2" type="sldImg"/>
+          </p:nvPr>
+        </p:nvSpPr>
+        <p:spPr>
+          <a:xfrm>
+            <a:off x="1143000" y="685800"/>
+            <a:ext cx="4572000" cy="3429000"/>
+          </a:xfrm>
+          <a:custGeom>
+            <a:rect b="b" l="l" r="r" t="t"/>
+            <a:pathLst>
+              <a:path extrusionOk="0" h="120000" w="120000">
+                <a:moveTo>
+                  <a:pt x="0" y="0"/>
+                </a:moveTo>
+                <a:lnTo>
+                  <a:pt x="120000" y="0"/>
+                </a:lnTo>
+                <a:lnTo>
+                  <a:pt x="120000" y="120000"/>
+                </a:lnTo>
+                <a:lnTo>
+                  <a:pt x="0" y="120000"/>
+                </a:lnTo>
+                <a:close/>
+              </a:path>
+            </a:pathLst>
+          </a:custGeom>
+        </p:spPr>
+      </p:sp>
+    </p:spTree>
+  </p:cSld>
+  <p:clrMapOvr>
+    <a:masterClrMapping/>
+  </p:clrMapOvr>
+</p:notes>
+</file>
+
+<file path=ppt/notesSlides/notesSlide36.xml><?xml version="1.0" encoding="utf-8"?>
+<p:notes xmlns:a="http://schemas.openxmlformats.org/drawingml/2006/main" xmlns:r="http://schemas.openxmlformats.org/officeDocument/2006/relationships" xmlns:mc="http://schemas.openxmlformats.org/markup-compatibility/2006" xmlns:mv="urn:schemas-microsoft-com:mac:vml" xmlns:p="http://schemas.openxmlformats.org/presentationml/2006/main" xmlns:c="http://schemas.openxmlformats.org/drawingml/2006/chart" xmlns:dgm="http://schemas.openxmlformats.org/drawingml/2006/diagram" xmlns:o="urn:schemas-microsoft-com:office:office" xmlns:v="urn:schemas-microsoft-com:vml" xmlns:pvml="urn:schemas-microsoft-com:office:powerpoint" xmlns:com="http://schemas.openxmlformats.org/drawingml/2006/compatibility" xmlns:p14="http://schemas.microsoft.com/office/powerpoint/2010/main" xmlns:p15="http://schemas.microsoft.com/office/powerpoint/2012/main" xmlns:ahyp="http://schemas.microsoft.com/office/drawing/2018/hyperlinkcolor" showMasterPhAnim="0" showMasterSp="0">
+  <p:cSld>
+    <p:spTree>
+      <p:nvGrpSpPr>
+        <p:cNvPr id="312" name="Shape 312"/>
+        <p:cNvGrpSpPr/>
+        <p:nvPr/>
+      </p:nvGrpSpPr>
+      <p:grpSpPr>
+        <a:xfrm>
+          <a:off x="0" y="0"/>
+          <a:ext cx="0" cy="0"/>
+          <a:chOff x="0" y="0"/>
+          <a:chExt cx="0" cy="0"/>
+        </a:xfrm>
+      </p:grpSpPr>
+      <p:sp>
+        <p:nvSpPr>
+          <p:cNvPr id="313" name="Google Shape;313;p41:notes"/>
+          <p:cNvSpPr txBox="1"/>
+          <p:nvPr>
+            <p:ph idx="1" type="body"/>
+          </p:nvPr>
+        </p:nvSpPr>
+        <p:spPr>
+          <a:xfrm>
+            <a:off x="685800" y="4343400"/>
+            <a:ext cx="5486400" cy="4114800"/>
+          </a:xfrm>
+          <a:prstGeom prst="rect">
+            <a:avLst/>
+          </a:prstGeom>
+        </p:spPr>
+        <p:txBody>
+          <a:bodyPr anchorCtr="0" anchor="t" bIns="45700" lIns="91425" spcFirstLastPara="1" rIns="91425" wrap="square" tIns="45700">
+            <a:noAutofit/>
+          </a:bodyPr>
+          <a:lstStyle/>
+          <a:p>
+            <a:pPr indent="0" lvl="0" marL="0" rtl="0" algn="l">
+              <a:spcBef>
+                <a:spcPts val="0"/>
+              </a:spcBef>
+              <a:spcAft>
+                <a:spcPts val="0"/>
+              </a:spcAft>
+              <a:buNone/>
+            </a:pPr>
+            <a:r>
+              <a:t/>
+            </a:r>
+            <a:endParaRPr/>
+          </a:p>
+        </p:txBody>
+      </p:sp>
+      <p:sp>
+        <p:nvSpPr>
+          <p:cNvPr id="314" name="Google Shape;314;p41:notes"/>
           <p:cNvSpPr/>
           <p:nvPr>
             <p:ph idx="2" type="sldImg"/>
@@ -16491,7 +16635,7 @@
   <p:cSld>
     <p:spTree>
       <p:nvGrpSpPr>
-        <p:cNvPr id="153" name="Shape 153"/>
+        <p:cNvPr id="154" name="Shape 154"/>
         <p:cNvGrpSpPr/>
         <p:nvPr/>
       </p:nvGrpSpPr>
@@ -16503,18 +16647,24 @@
           <a:chExt cx="0" cy="0"/>
         </a:xfrm>
       </p:grpSpPr>
-      <p:sp>
-        <p:nvSpPr>
-          <p:cNvPr id="154" name="Google Shape;154;p24"/>
-          <p:cNvSpPr txBox="1"/>
-          <p:nvPr>
-            <p:ph type="title"/>
-          </p:nvPr>
-        </p:nvSpPr>
+      <p:pic>
+        <p:nvPicPr>
+          <p:cNvPr id="155" name="Google Shape;155;p24"/>
+          <p:cNvPicPr preferRelativeResize="0"/>
+          <p:nvPr/>
+        </p:nvPicPr>
+        <p:blipFill>
+          <a:blip r:embed="rId3">
+            <a:alphaModFix/>
+          </a:blip>
+          <a:stretch>
+            <a:fillRect/>
+          </a:stretch>
+        </p:blipFill>
         <p:spPr>
           <a:xfrm>
-            <a:off x="457200" y="274638"/>
-            <a:ext cx="8229600" cy="1143000"/>
+            <a:off x="152400" y="381000"/>
+            <a:ext cx="8839201" cy="5748700"/>
           </a:xfrm>
           <a:prstGeom prst="rect">
             <a:avLst/>
@@ -16524,221 +16674,7 @@
             <a:noFill/>
           </a:ln>
         </p:spPr>
-        <p:txBody>
-          <a:bodyPr anchorCtr="0" anchor="ctr" bIns="45700" lIns="91425" spcFirstLastPara="1" rIns="91425" wrap="square" tIns="45700">
-            <a:normAutofit fontScale="90000"/>
-          </a:bodyPr>
-          <a:lstStyle/>
-          <a:p>
-            <a:pPr indent="0" lvl="0" marL="0" rtl="0" algn="ctr">
-              <a:spcBef>
-                <a:spcPts val="0"/>
-              </a:spcBef>
-              <a:spcAft>
-                <a:spcPts val="0"/>
-              </a:spcAft>
-              <a:buClr>
-                <a:schemeClr val="dk1"/>
-              </a:buClr>
-              <a:buSzPct val="100000"/>
-              <a:buFont typeface="Montserrat"/>
-              <a:buNone/>
-            </a:pPr>
-            <a:r>
-              <a:rPr lang="en-US"/>
-              <a:t>Business Process Execution Language (BPEL)</a:t>
-            </a:r>
-            <a:endParaRPr/>
-          </a:p>
-        </p:txBody>
-      </p:sp>
-      <p:sp>
-        <p:nvSpPr>
-          <p:cNvPr id="155" name="Google Shape;155;p24"/>
-          <p:cNvSpPr txBox="1"/>
-          <p:nvPr>
-            <p:ph idx="1" type="body"/>
-          </p:nvPr>
-        </p:nvSpPr>
-        <p:spPr>
-          <a:xfrm>
-            <a:off x="375635" y="1600200"/>
-            <a:ext cx="8229600" cy="4525963"/>
-          </a:xfrm>
-          <a:prstGeom prst="rect">
-            <a:avLst/>
-          </a:prstGeom>
-          <a:noFill/>
-          <a:ln>
-            <a:noFill/>
-          </a:ln>
-        </p:spPr>
-        <p:txBody>
-          <a:bodyPr anchorCtr="0" anchor="t" bIns="45700" lIns="91425" spcFirstLastPara="1" rIns="91425" wrap="square" tIns="45700">
-            <a:normAutofit/>
-          </a:bodyPr>
-          <a:lstStyle/>
-          <a:p>
-            <a:pPr indent="-342900" lvl="0" marL="342900" rtl="0" algn="l">
-              <a:spcBef>
-                <a:spcPts val="0"/>
-              </a:spcBef>
-              <a:spcAft>
-                <a:spcPts val="0"/>
-              </a:spcAft>
-              <a:buClr>
-                <a:schemeClr val="dk1"/>
-              </a:buClr>
-              <a:buSzPts val="2800"/>
-              <a:buChar char="•"/>
-            </a:pPr>
-            <a:r>
-              <a:rPr lang="en-US" sz="2800"/>
-              <a:t>Standardised XML language for executable processes</a:t>
-            </a:r>
-            <a:endParaRPr/>
-          </a:p>
-          <a:p>
-            <a:pPr indent="-342900" lvl="0" marL="342900" rtl="0" algn="l">
-              <a:spcBef>
-                <a:spcPts val="560"/>
-              </a:spcBef>
-              <a:spcAft>
-                <a:spcPts val="0"/>
-              </a:spcAft>
-              <a:buClr>
-                <a:schemeClr val="dk1"/>
-              </a:buClr>
-              <a:buSzPts val="2800"/>
-              <a:buChar char="•"/>
-            </a:pPr>
-            <a:r>
-              <a:rPr lang="en-US" sz="2800"/>
-              <a:t>Well defined execution</a:t>
-            </a:r>
-            <a:endParaRPr/>
-          </a:p>
-          <a:p>
-            <a:pPr indent="-285750" lvl="1" marL="742950" rtl="0" algn="l">
-              <a:spcBef>
-                <a:spcPts val="480"/>
-              </a:spcBef>
-              <a:spcAft>
-                <a:spcPts val="0"/>
-              </a:spcAft>
-              <a:buClr>
-                <a:schemeClr val="dk1"/>
-              </a:buClr>
-              <a:buSzPts val="2400"/>
-              <a:buChar char="–"/>
-            </a:pPr>
-            <a:r>
-              <a:rPr lang="en-US" sz="2400"/>
-              <a:t>No deadlocks</a:t>
-            </a:r>
-            <a:endParaRPr/>
-          </a:p>
-          <a:p>
-            <a:pPr indent="-285750" lvl="1" marL="742950" rtl="0" algn="l">
-              <a:spcBef>
-                <a:spcPts val="480"/>
-              </a:spcBef>
-              <a:spcAft>
-                <a:spcPts val="0"/>
-              </a:spcAft>
-              <a:buClr>
-                <a:schemeClr val="dk1"/>
-              </a:buClr>
-              <a:buSzPts val="2400"/>
-              <a:buChar char="–"/>
-            </a:pPr>
-            <a:r>
-              <a:rPr lang="en-US" sz="2400"/>
-              <a:t>Graphs must be acyclic</a:t>
-            </a:r>
-            <a:endParaRPr/>
-          </a:p>
-          <a:p>
-            <a:pPr indent="-342900" lvl="0" marL="342900" rtl="0" algn="l">
-              <a:spcBef>
-                <a:spcPts val="560"/>
-              </a:spcBef>
-              <a:spcAft>
-                <a:spcPts val="0"/>
-              </a:spcAft>
-              <a:buClr>
-                <a:schemeClr val="dk1"/>
-              </a:buClr>
-              <a:buSzPts val="2800"/>
-              <a:buChar char="•"/>
-            </a:pPr>
-            <a:r>
-              <a:rPr lang="en-US" sz="2800"/>
-              <a:t>Tied to WSDL concepts</a:t>
-            </a:r>
-            <a:endParaRPr/>
-          </a:p>
-          <a:p>
-            <a:pPr indent="-342900" lvl="0" marL="342900" rtl="0" algn="l">
-              <a:spcBef>
-                <a:spcPts val="560"/>
-              </a:spcBef>
-              <a:spcAft>
-                <a:spcPts val="0"/>
-              </a:spcAft>
-              <a:buClr>
-                <a:schemeClr val="dk1"/>
-              </a:buClr>
-              <a:buSzPts val="2800"/>
-              <a:buChar char="•"/>
-            </a:pPr>
-            <a:r>
-              <a:rPr lang="en-US" sz="2800"/>
-              <a:t>No built in support for human activities (though this has been added)</a:t>
-            </a:r>
-            <a:endParaRPr/>
-          </a:p>
-          <a:p>
-            <a:pPr indent="-342900" lvl="0" marL="342900" rtl="0" algn="l">
-              <a:spcBef>
-                <a:spcPts val="560"/>
-              </a:spcBef>
-              <a:spcAft>
-                <a:spcPts val="0"/>
-              </a:spcAft>
-              <a:buClr>
-                <a:schemeClr val="dk1"/>
-              </a:buClr>
-              <a:buSzPts val="2800"/>
-              <a:buChar char="•"/>
-            </a:pPr>
-            <a:r>
-              <a:rPr lang="en-US" sz="2800"/>
-              <a:t>No graphical notation</a:t>
-            </a:r>
-            <a:endParaRPr/>
-          </a:p>
-          <a:p>
-            <a:pPr indent="-165100" lvl="0" marL="342900" rtl="0" algn="l">
-              <a:spcBef>
-                <a:spcPts val="560"/>
-              </a:spcBef>
-              <a:spcAft>
-                <a:spcPts val="0"/>
-              </a:spcAft>
-              <a:buClr>
-                <a:schemeClr val="dk1"/>
-              </a:buClr>
-              <a:buSzPts val="2800"/>
-              <a:buNone/>
-            </a:pPr>
-            <a:r>
-              <a:t/>
-            </a:r>
-            <a:endParaRPr sz="2800"/>
-          </a:p>
-        </p:txBody>
-      </p:sp>
+      </p:pic>
     </p:spTree>
   </p:cSld>
   <p:clrMapOvr>
@@ -16787,7 +16723,7 @@
         </p:spPr>
         <p:txBody>
           <a:bodyPr anchorCtr="0" anchor="ctr" bIns="45700" lIns="91425" spcFirstLastPara="1" rIns="91425" wrap="square" tIns="45700">
-            <a:normAutofit/>
+            <a:normAutofit fontScale="90000"/>
           </a:bodyPr>
           <a:lstStyle/>
           <a:p>
@@ -16801,20 +16737,13 @@
               <a:buClr>
                 <a:schemeClr val="dk1"/>
               </a:buClr>
-              <a:buSzPts val="4400"/>
+              <a:buSzPct val="100000"/>
               <a:buFont typeface="Montserrat"/>
               <a:buNone/>
             </a:pPr>
             <a:r>
               <a:rPr lang="en-US"/>
-              <a:t>The main strength of BPEL</a:t>
-            </a:r>
-            <a:br>
-              <a:rPr lang="en-US"/>
-            </a:br>
-            <a:r>
-              <a:rPr lang="en-US" sz="2200"/>
-              <a:t>(IMO)</a:t>
+              <a:t>Business Process Execution Language (BPEL)</a:t>
             </a:r>
             <a:endParaRPr/>
           </a:p>
@@ -16857,77 +16786,97 @@
               <a:buClr>
                 <a:schemeClr val="dk1"/>
               </a:buClr>
-              <a:buSzPts val="3200"/>
+              <a:buSzPts val="2800"/>
               <a:buChar char="•"/>
             </a:pPr>
             <a:r>
-              <a:rPr lang="en-US"/>
-              <a:t>BPEL is a completely executable standalone language</a:t>
+              <a:rPr lang="en-US" sz="2800"/>
+              <a:t>Standardised XML language for executable processes</a:t>
+            </a:r>
+            <a:endParaRPr/>
+          </a:p>
+          <a:p>
+            <a:pPr indent="-342900" lvl="0" marL="342900" rtl="0" algn="l">
+              <a:spcBef>
+                <a:spcPts val="560"/>
+              </a:spcBef>
+              <a:spcAft>
+                <a:spcPts val="0"/>
+              </a:spcAft>
+              <a:buClr>
+                <a:schemeClr val="dk1"/>
+              </a:buClr>
+              <a:buSzPts val="2800"/>
+              <a:buChar char="•"/>
+            </a:pPr>
+            <a:r>
+              <a:rPr lang="en-US" sz="2800"/>
+              <a:t>Well defined execution</a:t>
             </a:r>
             <a:endParaRPr/>
           </a:p>
           <a:p>
             <a:pPr indent="-285750" lvl="1" marL="742950" rtl="0" algn="l">
               <a:spcBef>
-                <a:spcPts val="560"/>
-              </a:spcBef>
-              <a:spcAft>
-                <a:spcPts val="0"/>
-              </a:spcAft>
-              <a:buClr>
-                <a:schemeClr val="dk1"/>
-              </a:buClr>
-              <a:buSzPts val="2800"/>
+                <a:spcPts val="480"/>
+              </a:spcBef>
+              <a:spcAft>
+                <a:spcPts val="0"/>
+              </a:spcAft>
+              <a:buClr>
+                <a:schemeClr val="dk1"/>
+              </a:buClr>
+              <a:buSzPts val="2400"/>
               <a:buChar char="–"/>
             </a:pPr>
             <a:r>
-              <a:rPr lang="en-US"/>
-              <a:t>PartnerLinks define places where you can call WSDL services </a:t>
+              <a:rPr lang="en-US" sz="2400"/>
+              <a:t>No deadlocks</a:t>
             </a:r>
             <a:endParaRPr/>
           </a:p>
           <a:p>
             <a:pPr indent="-285750" lvl="1" marL="742950" rtl="0" algn="l">
               <a:spcBef>
-                <a:spcPts val="560"/>
-              </a:spcBef>
-              <a:spcAft>
-                <a:spcPts val="0"/>
-              </a:spcAft>
-              <a:buClr>
-                <a:schemeClr val="dk1"/>
-              </a:buClr>
-              <a:buSzPts val="2800"/>
+                <a:spcPts val="480"/>
+              </a:spcBef>
+              <a:spcAft>
+                <a:spcPts val="0"/>
+              </a:spcAft>
+              <a:buClr>
+                <a:schemeClr val="dk1"/>
+              </a:buClr>
+              <a:buSzPts val="2400"/>
               <a:buChar char="–"/>
             </a:pPr>
             <a:r>
-              <a:rPr lang="en-US"/>
-              <a:t>Or where other parties can call WSDL Services into the process</a:t>
+              <a:rPr lang="en-US" sz="2400"/>
+              <a:t>Graphs must be acyclic</a:t>
             </a:r>
             <a:endParaRPr/>
           </a:p>
           <a:p>
             <a:pPr indent="-342900" lvl="0" marL="342900" rtl="0" algn="l">
               <a:spcBef>
-                <a:spcPts val="640"/>
-              </a:spcBef>
-              <a:spcAft>
-                <a:spcPts val="0"/>
-              </a:spcAft>
-              <a:buClr>
-                <a:schemeClr val="dk1"/>
-              </a:buClr>
-              <a:buSzPts val="3200"/>
+                <a:spcPts val="560"/>
+              </a:spcBef>
+              <a:spcAft>
+                <a:spcPts val="0"/>
+              </a:spcAft>
+              <a:buClr>
+                <a:schemeClr val="dk1"/>
+              </a:buClr>
+              <a:buSzPts val="2800"/>
               <a:buChar char="•"/>
             </a:pPr>
             <a:r>
-              <a:rPr lang="en-US"/>
-              <a:t>Deployment descriptor + BPEL can be executed without any Java or other language</a:t>
+              <a:rPr lang="en-US" sz="2800"/>
+              <a:t>Tied to WSDL concepts</a:t>
             </a:r>
             <a:endParaRPr/>
           </a:p>
           <a:p>
-            <a:pPr indent="-107950" lvl="1" marL="742950" rtl="0" algn="l">
+            <a:pPr indent="-342900" lvl="0" marL="342900" rtl="0" algn="l">
               <a:spcBef>
                 <a:spcPts val="560"/>
               </a:spcBef>
@@ -16938,12 +16887,52 @@
                 <a:schemeClr val="dk1"/>
               </a:buClr>
               <a:buSzPts val="2800"/>
-              <a:buNone/>
+              <a:buChar char="•"/>
             </a:pPr>
             <a:r>
+              <a:rPr lang="en-US" sz="2800"/>
+              <a:t>No built in support for human activities (though this has been added)</a:t>
+            </a:r>
+            <a:endParaRPr/>
+          </a:p>
+          <a:p>
+            <a:pPr indent="-342900" lvl="0" marL="342900" rtl="0" algn="l">
+              <a:spcBef>
+                <a:spcPts val="560"/>
+              </a:spcBef>
+              <a:spcAft>
+                <a:spcPts val="0"/>
+              </a:spcAft>
+              <a:buClr>
+                <a:schemeClr val="dk1"/>
+              </a:buClr>
+              <a:buSzPts val="2800"/>
+              <a:buChar char="•"/>
+            </a:pPr>
+            <a:r>
+              <a:rPr lang="en-US" sz="2800"/>
+              <a:t>No graphical notation</a:t>
+            </a:r>
+            <a:endParaRPr/>
+          </a:p>
+          <a:p>
+            <a:pPr indent="-165100" lvl="0" marL="342900" rtl="0" algn="l">
+              <a:spcBef>
+                <a:spcPts val="560"/>
+              </a:spcBef>
+              <a:spcAft>
+                <a:spcPts val="0"/>
+              </a:spcAft>
+              <a:buClr>
+                <a:schemeClr val="dk1"/>
+              </a:buClr>
+              <a:buSzPts val="2800"/>
+              <a:buNone/>
+            </a:pPr>
+            <a:r>
               <a:t/>
             </a:r>
-            <a:endParaRPr/>
+            <a:endParaRPr sz="2800"/>
           </a:p>
         </p:txBody>
       </p:sp>
@@ -16995,7 +16984,7 @@
         </p:spPr>
         <p:txBody>
           <a:bodyPr anchorCtr="0" anchor="ctr" bIns="45700" lIns="91425" spcFirstLastPara="1" rIns="91425" wrap="square" tIns="45700">
-            <a:normAutofit fontScale="90000"/>
+            <a:normAutofit/>
           </a:bodyPr>
           <a:lstStyle/>
           <a:p>
@@ -17009,13 +16998,13 @@
               <a:buClr>
                 <a:schemeClr val="dk1"/>
               </a:buClr>
-              <a:buSzPct val="100000"/>
+              <a:buSzPts val="4400"/>
               <a:buFont typeface="Montserrat"/>
               <a:buNone/>
             </a:pPr>
             <a:r>
               <a:rPr lang="en-US"/>
-              <a:t>The main weaknesses of BPEL	</a:t>
+              <a:t>The main strength of BPEL</a:t>
             </a:r>
             <a:br>
               <a:rPr lang="en-US"/>
@@ -17070,7 +17059,7 @@
             </a:pPr>
             <a:r>
               <a:rPr lang="en-US"/>
-              <a:t>Too much like a programming language</a:t>
+              <a:t>BPEL is a completely executable standalone language</a:t>
             </a:r>
             <a:endParaRPr/>
           </a:p>
@@ -17090,7 +17079,27 @@
             </a:pPr>
             <a:r>
               <a:rPr lang="en-US"/>
-              <a:t>Need WS-HumanTask, BPEL4People and script or Java extensions to make it useful for real processes</a:t>
+              <a:t>PartnerLinks define places where you can call WSDL services </a:t>
+            </a:r>
+            <a:endParaRPr/>
+          </a:p>
+          <a:p>
+            <a:pPr indent="-285750" lvl="1" marL="742950" rtl="0" algn="l">
+              <a:spcBef>
+                <a:spcPts val="560"/>
+              </a:spcBef>
+              <a:spcAft>
+                <a:spcPts val="0"/>
+              </a:spcAft>
+              <a:buClr>
+                <a:schemeClr val="dk1"/>
+              </a:buClr>
+              <a:buSzPts val="2800"/>
+              <a:buChar char="–"/>
+            </a:pPr>
+            <a:r>
+              <a:rPr lang="en-US"/>
+              <a:t>Or where other parties can call WSDL Services into the process</a:t>
             </a:r>
             <a:endParaRPr/>
           </a:p>
@@ -17110,27 +17119,26 @@
             </a:pPr>
             <a:r>
               <a:rPr lang="en-US"/>
-              <a:t>No swimlanes (explained in a minute)</a:t>
+              <a:t>Deployment descriptor + BPEL can be executed without any Java or other language</a:t>
             </a:r>
             <a:endParaRPr/>
           </a:p>
           <a:p>
-            <a:pPr indent="-342900" lvl="0" marL="342900" rtl="0" algn="l">
-              <a:spcBef>
-                <a:spcPts val="640"/>
-              </a:spcBef>
-              <a:spcAft>
-                <a:spcPts val="0"/>
-              </a:spcAft>
-              <a:buClr>
-                <a:schemeClr val="dk1"/>
-              </a:buClr>
-              <a:buSzPts val="3200"/>
-              <a:buChar char="•"/>
+            <a:pPr indent="-107950" lvl="1" marL="742950" rtl="0" algn="l">
+              <a:spcBef>
+                <a:spcPts val="560"/>
+              </a:spcBef>
+              <a:spcAft>
+                <a:spcPts val="0"/>
+              </a:spcAft>
+              <a:buClr>
+                <a:schemeClr val="dk1"/>
+              </a:buClr>
+              <a:buSzPts val="2800"/>
+              <a:buNone/>
             </a:pPr>
             <a:r>
-              <a:rPr lang="en-US"/>
-              <a:t>No common visual notation</a:t>
+              <a:t/>
             </a:r>
             <a:endParaRPr/>
           </a:p>
@@ -17184,7 +17192,7 @@
         </p:spPr>
         <p:txBody>
           <a:bodyPr anchorCtr="0" anchor="ctr" bIns="45700" lIns="91425" spcFirstLastPara="1" rIns="91425" wrap="square" tIns="45700">
-            <a:normAutofit/>
+            <a:normAutofit fontScale="90000"/>
           </a:bodyPr>
           <a:lstStyle/>
           <a:p>
@@ -17198,13 +17206,20 @@
               <a:buClr>
                 <a:schemeClr val="dk1"/>
               </a:buClr>
-              <a:buSzPts val="4400"/>
+              <a:buSzPct val="100000"/>
               <a:buFont typeface="Montserrat"/>
               <a:buNone/>
             </a:pPr>
             <a:r>
               <a:rPr lang="en-US"/>
-              <a:t>BPMN + BPEL</a:t>
+              <a:t>The main weaknesses of BPEL	</a:t>
+            </a:r>
+            <a:br>
+              <a:rPr lang="en-US"/>
+            </a:br>
+            <a:r>
+              <a:rPr lang="en-US" sz="2200"/>
+              <a:t>(IMO)</a:t>
             </a:r>
             <a:endParaRPr/>
           </a:p>
@@ -17252,7 +17267,7 @@
             </a:pPr>
             <a:r>
               <a:rPr lang="en-US"/>
-              <a:t>In theory:</a:t>
+              <a:t>Too much like a programming language</a:t>
             </a:r>
             <a:endParaRPr/>
           </a:p>
@@ -17272,27 +17287,7 @@
             </a:pPr>
             <a:r>
               <a:rPr lang="en-US"/>
-              <a:t>Process experts design and model in BPMN</a:t>
-            </a:r>
-            <a:endParaRPr/>
-          </a:p>
-          <a:p>
-            <a:pPr indent="-285750" lvl="1" marL="742950" rtl="0" algn="l">
-              <a:spcBef>
-                <a:spcPts val="560"/>
-              </a:spcBef>
-              <a:spcAft>
-                <a:spcPts val="0"/>
-              </a:spcAft>
-              <a:buClr>
-                <a:schemeClr val="dk1"/>
-              </a:buClr>
-              <a:buSzPts val="2800"/>
-              <a:buChar char="–"/>
-            </a:pPr>
-            <a:r>
-              <a:rPr lang="en-US"/>
-              <a:t>Developers/Implementors implement in BPEL</a:t>
+              <a:t>Need WS-HumanTask, BPEL4People and script or Java extensions to make it useful for real processes</a:t>
             </a:r>
             <a:endParaRPr/>
           </a:p>
@@ -17312,46 +17307,27 @@
             </a:pPr>
             <a:r>
               <a:rPr lang="en-US"/>
-              <a:t>No standard bridging/mapping</a:t>
+              <a:t>No swimlanes (explained in a minute)</a:t>
             </a:r>
             <a:endParaRPr/>
           </a:p>
           <a:p>
-            <a:pPr indent="-285750" lvl="1" marL="742950" rtl="0" algn="l">
-              <a:spcBef>
-                <a:spcPts val="560"/>
-              </a:spcBef>
-              <a:spcAft>
-                <a:spcPts val="0"/>
-              </a:spcAft>
-              <a:buClr>
-                <a:schemeClr val="dk1"/>
-              </a:buClr>
-              <a:buSzPts val="2800"/>
-              <a:buChar char="–"/>
+            <a:pPr indent="-342900" lvl="0" marL="342900" rtl="0" algn="l">
+              <a:spcBef>
+                <a:spcPts val="640"/>
+              </a:spcBef>
+              <a:spcAft>
+                <a:spcPts val="0"/>
+              </a:spcAft>
+              <a:buClr>
+                <a:schemeClr val="dk1"/>
+              </a:buClr>
+              <a:buSzPts val="3200"/>
+              <a:buChar char="•"/>
             </a:pPr>
             <a:r>
               <a:rPr lang="en-US"/>
-              <a:t>Double the effort</a:t>
-            </a:r>
-            <a:endParaRPr/>
-          </a:p>
-          <a:p>
-            <a:pPr indent="0" lvl="1" marL="457200" rtl="0" algn="l">
-              <a:spcBef>
-                <a:spcPts val="560"/>
-              </a:spcBef>
-              <a:spcAft>
-                <a:spcPts val="0"/>
-              </a:spcAft>
-              <a:buClr>
-                <a:schemeClr val="dk1"/>
-              </a:buClr>
-              <a:buSzPts val="2800"/>
-              <a:buNone/>
-            </a:pPr>
-            <a:r>
-              <a:t/>
+              <a:t>No common visual notation</a:t>
             </a:r>
             <a:endParaRPr/>
           </a:p>
@@ -17425,7 +17401,7 @@
             </a:pPr>
             <a:r>
               <a:rPr lang="en-US"/>
-              <a:t>BPMN 2.0</a:t>
+              <a:t>BPMN + BPEL</a:t>
             </a:r>
             <a:endParaRPr/>
           </a:p>
@@ -17473,7 +17449,47 @@
             </a:pPr>
             <a:r>
               <a:rPr lang="en-US"/>
-              <a:t>A notation for a subset of BPEL</a:t>
+              <a:t>In theory:</a:t>
+            </a:r>
+            <a:endParaRPr/>
+          </a:p>
+          <a:p>
+            <a:pPr indent="-285750" lvl="1" marL="742950" rtl="0" algn="l">
+              <a:spcBef>
+                <a:spcPts val="560"/>
+              </a:spcBef>
+              <a:spcAft>
+                <a:spcPts val="0"/>
+              </a:spcAft>
+              <a:buClr>
+                <a:schemeClr val="dk1"/>
+              </a:buClr>
+              <a:buSzPts val="2800"/>
+              <a:buChar char="–"/>
+            </a:pPr>
+            <a:r>
+              <a:rPr lang="en-US"/>
+              <a:t>Process experts design and model in BPMN</a:t>
+            </a:r>
+            <a:endParaRPr/>
+          </a:p>
+          <a:p>
+            <a:pPr indent="-285750" lvl="1" marL="742950" rtl="0" algn="l">
+              <a:spcBef>
+                <a:spcPts val="560"/>
+              </a:spcBef>
+              <a:spcAft>
+                <a:spcPts val="0"/>
+              </a:spcAft>
+              <a:buClr>
+                <a:schemeClr val="dk1"/>
+              </a:buClr>
+              <a:buSzPts val="2800"/>
+              <a:buChar char="–"/>
+            </a:pPr>
+            <a:r>
+              <a:rPr lang="en-US"/>
+              <a:t>Developers/Implementors implement in BPEL</a:t>
             </a:r>
             <a:endParaRPr/>
           </a:p>
@@ -17493,67 +17509,7 @@
             </a:pPr>
             <a:r>
               <a:rPr lang="en-US"/>
-              <a:t>Execution semantics for BPMN</a:t>
-            </a:r>
-            <a:endParaRPr/>
-          </a:p>
-          <a:p>
-            <a:pPr indent="-342900" lvl="0" marL="342900" rtl="0" algn="l">
-              <a:spcBef>
-                <a:spcPts val="640"/>
-              </a:spcBef>
-              <a:spcAft>
-                <a:spcPts val="0"/>
-              </a:spcAft>
-              <a:buClr>
-                <a:schemeClr val="dk1"/>
-              </a:buClr>
-              <a:buSzPts val="3200"/>
-              <a:buChar char="•"/>
-            </a:pPr>
-            <a:r>
-              <a:rPr lang="en-US"/>
-              <a:t>Notational support for choreography</a:t>
-            </a:r>
-            <a:endParaRPr/>
-          </a:p>
-          <a:p>
-            <a:pPr indent="-342900" lvl="0" marL="342900" rtl="0" algn="l">
-              <a:spcBef>
-                <a:spcPts val="640"/>
-              </a:spcBef>
-              <a:spcAft>
-                <a:spcPts val="0"/>
-              </a:spcAft>
-              <a:buClr>
-                <a:schemeClr val="dk1"/>
-              </a:buClr>
-              <a:buSzPts val="3200"/>
-              <a:buChar char="•"/>
-            </a:pPr>
-            <a:r>
-              <a:rPr lang="en-US"/>
-              <a:t>The best of both worlds?</a:t>
-            </a:r>
-            <a:endParaRPr/>
-          </a:p>
-          <a:p>
-            <a:pPr indent="-342900" lvl="0" marL="342900" rtl="0" algn="l">
-              <a:spcBef>
-                <a:spcPts val="640"/>
-              </a:spcBef>
-              <a:spcAft>
-                <a:spcPts val="0"/>
-              </a:spcAft>
-              <a:buClr>
-                <a:schemeClr val="dk1"/>
-              </a:buClr>
-              <a:buSzPts val="3200"/>
-              <a:buChar char="•"/>
-            </a:pPr>
-            <a:r>
-              <a:rPr lang="en-US"/>
-              <a:t>Cons:</a:t>
+              <a:t>No standard bridging/mapping</a:t>
             </a:r>
             <a:endParaRPr/>
           </a:p>
@@ -17573,7 +17529,26 @@
             </a:pPr>
             <a:r>
               <a:rPr lang="en-US"/>
-              <a:t>Need to write external logic in another language to implement a process</a:t>
+              <a:t>Double the effort</a:t>
+            </a:r>
+            <a:endParaRPr/>
+          </a:p>
+          <a:p>
+            <a:pPr indent="0" lvl="1" marL="457200" rtl="0" algn="l">
+              <a:spcBef>
+                <a:spcPts val="560"/>
+              </a:spcBef>
+              <a:spcAft>
+                <a:spcPts val="0"/>
+              </a:spcAft>
+              <a:buClr>
+                <a:schemeClr val="dk1"/>
+              </a:buClr>
+              <a:buSzPts val="2800"/>
+              <a:buNone/>
+            </a:pPr>
+            <a:r>
+              <a:t/>
             </a:r>
             <a:endParaRPr/>
           </a:p>
@@ -17615,7 +17590,7 @@
         <p:spPr>
           <a:xfrm>
             <a:off x="457200" y="274638"/>
-            <a:ext cx="3289300" cy="1143000"/>
+            <a:ext cx="8229600" cy="1143000"/>
           </a:xfrm>
           <a:prstGeom prst="rect">
             <a:avLst/>
@@ -17653,23 +17628,18 @@
           </a:p>
         </p:txBody>
       </p:sp>
-      <p:pic>
-        <p:nvPicPr>
+      <p:sp>
+        <p:nvSpPr>
           <p:cNvPr id="185" name="Google Shape;185;p29"/>
-          <p:cNvPicPr preferRelativeResize="0"/>
-          <p:nvPr/>
-        </p:nvPicPr>
-        <p:blipFill rotWithShape="1">
-          <a:blip r:embed="rId3">
-            <a:alphaModFix/>
-          </a:blip>
-          <a:srcRect b="0" l="0" r="0" t="0"/>
-          <a:stretch/>
-        </p:blipFill>
+          <p:cNvSpPr txBox="1"/>
+          <p:nvPr>
+            <p:ph idx="1" type="body"/>
+          </p:nvPr>
+        </p:nvSpPr>
         <p:spPr>
           <a:xfrm>
-            <a:off x="4102100" y="163481"/>
-            <a:ext cx="4730205" cy="5945219"/>
+            <a:off x="375635" y="1600200"/>
+            <a:ext cx="8229600" cy="4525963"/>
           </a:xfrm>
           <a:prstGeom prst="rect">
             <a:avLst/>
@@ -17679,7 +17649,133 @@
             <a:noFill/>
           </a:ln>
         </p:spPr>
-      </p:pic>
+        <p:txBody>
+          <a:bodyPr anchorCtr="0" anchor="t" bIns="45700" lIns="91425" spcFirstLastPara="1" rIns="91425" wrap="square" tIns="45700">
+            <a:normAutofit/>
+          </a:bodyPr>
+          <a:lstStyle/>
+          <a:p>
+            <a:pPr indent="-342900" lvl="0" marL="342900" rtl="0" algn="l">
+              <a:spcBef>
+                <a:spcPts val="0"/>
+              </a:spcBef>
+              <a:spcAft>
+                <a:spcPts val="0"/>
+              </a:spcAft>
+              <a:buClr>
+                <a:schemeClr val="dk1"/>
+              </a:buClr>
+              <a:buSzPts val="3200"/>
+              <a:buChar char="•"/>
+            </a:pPr>
+            <a:r>
+              <a:rPr lang="en-US"/>
+              <a:t>A notation for a subset of BPEL</a:t>
+            </a:r>
+            <a:endParaRPr/>
+          </a:p>
+          <a:p>
+            <a:pPr indent="-342900" lvl="0" marL="342900" rtl="0" algn="l">
+              <a:spcBef>
+                <a:spcPts val="640"/>
+              </a:spcBef>
+              <a:spcAft>
+                <a:spcPts val="0"/>
+              </a:spcAft>
+              <a:buClr>
+                <a:schemeClr val="dk1"/>
+              </a:buClr>
+              <a:buSzPts val="3200"/>
+              <a:buChar char="•"/>
+            </a:pPr>
+            <a:r>
+              <a:rPr lang="en-US"/>
+              <a:t>Execution semantics for BPMN</a:t>
+            </a:r>
+            <a:endParaRPr/>
+          </a:p>
+          <a:p>
+            <a:pPr indent="-342900" lvl="0" marL="342900" rtl="0" algn="l">
+              <a:spcBef>
+                <a:spcPts val="640"/>
+              </a:spcBef>
+              <a:spcAft>
+                <a:spcPts val="0"/>
+              </a:spcAft>
+              <a:buClr>
+                <a:schemeClr val="dk1"/>
+              </a:buClr>
+              <a:buSzPts val="3200"/>
+              <a:buChar char="•"/>
+            </a:pPr>
+            <a:r>
+              <a:rPr lang="en-US"/>
+              <a:t>Notational support for choreography</a:t>
+            </a:r>
+            <a:endParaRPr/>
+          </a:p>
+          <a:p>
+            <a:pPr indent="-342900" lvl="0" marL="342900" rtl="0" algn="l">
+              <a:spcBef>
+                <a:spcPts val="640"/>
+              </a:spcBef>
+              <a:spcAft>
+                <a:spcPts val="0"/>
+              </a:spcAft>
+              <a:buClr>
+                <a:schemeClr val="dk1"/>
+              </a:buClr>
+              <a:buSzPts val="3200"/>
+              <a:buChar char="•"/>
+            </a:pPr>
+            <a:r>
+              <a:rPr lang="en-US"/>
+              <a:t>The best of both worlds?</a:t>
+            </a:r>
+            <a:endParaRPr/>
+          </a:p>
+          <a:p>
+            <a:pPr indent="-342900" lvl="0" marL="342900" rtl="0" algn="l">
+              <a:spcBef>
+                <a:spcPts val="640"/>
+              </a:spcBef>
+              <a:spcAft>
+                <a:spcPts val="0"/>
+              </a:spcAft>
+              <a:buClr>
+                <a:schemeClr val="dk1"/>
+              </a:buClr>
+              <a:buSzPts val="3200"/>
+              <a:buChar char="•"/>
+            </a:pPr>
+            <a:r>
+              <a:rPr lang="en-US"/>
+              <a:t>Cons:</a:t>
+            </a:r>
+            <a:endParaRPr/>
+          </a:p>
+          <a:p>
+            <a:pPr indent="-285750" lvl="1" marL="742950" rtl="0" algn="l">
+              <a:spcBef>
+                <a:spcPts val="560"/>
+              </a:spcBef>
+              <a:spcAft>
+                <a:spcPts val="0"/>
+              </a:spcAft>
+              <a:buClr>
+                <a:schemeClr val="dk1"/>
+              </a:buClr>
+              <a:buSzPts val="2800"/>
+              <a:buChar char="–"/>
+            </a:pPr>
+            <a:r>
+              <a:rPr lang="en-US"/>
+              <a:t>Need to write external logic in another language to implement a process</a:t>
+            </a:r>
+            <a:endParaRPr/>
+          </a:p>
+        </p:txBody>
+      </p:sp>
     </p:spTree>
   </p:cSld>
   <p:clrMapOvr>
@@ -17716,7 +17812,7 @@
         <p:spPr>
           <a:xfrm>
             <a:off x="457200" y="274638"/>
-            <a:ext cx="8229600" cy="1143000"/>
+            <a:ext cx="3289300" cy="1143000"/>
           </a:xfrm>
           <a:prstGeom prst="rect">
             <a:avLst/>
@@ -17748,7 +17844,7 @@
             </a:pPr>
             <a:r>
               <a:rPr lang="en-US"/>
-              <a:t>BPMN 2.0 Basics</a:t>
+              <a:t>BPMN 2.0</a:t>
             </a:r>
             <a:endParaRPr/>
           </a:p>
@@ -17769,8 +17865,8 @@
         </p:blipFill>
         <p:spPr>
           <a:xfrm>
-            <a:off x="457200" y="1146175"/>
-            <a:ext cx="8585200" cy="5486400"/>
+            <a:off x="4102100" y="163481"/>
+            <a:ext cx="4730205" cy="5945219"/>
           </a:xfrm>
           <a:prstGeom prst="rect">
             <a:avLst/>
@@ -17829,7 +17925,7 @@
         </p:spPr>
         <p:txBody>
           <a:bodyPr anchorCtr="0" anchor="ctr" bIns="45700" lIns="91425" spcFirstLastPara="1" rIns="91425" wrap="square" tIns="45700">
-            <a:normAutofit fontScale="90000"/>
+            <a:normAutofit/>
           </a:bodyPr>
           <a:lstStyle/>
           <a:p>
@@ -17843,24 +17939,14 @@
               <a:buClr>
                 <a:schemeClr val="dk1"/>
               </a:buClr>
-              <a:buSzPct val="100000"/>
+              <a:buSzPts val="4400"/>
               <a:buFont typeface="Montserrat"/>
               <a:buNone/>
             </a:pPr>
             <a:r>
               <a:rPr lang="en-US"/>
-              <a:t>Swimlanes:</a:t>
-            </a:r>
-            <a:br>
-              <a:rPr lang="en-US"/>
-            </a:br>
-            <a:r>
-              <a:rPr lang="en-US" sz="2200"/>
-              <a:t>partition an activity diagram into the responsibilities of different entities </a:t>
-            </a:r>
-            <a:br>
-              <a:rPr lang="en-US" sz="2200"/>
-            </a:br>
+              <a:t>BPMN 2.0 Basics</a:t>
+            </a:r>
             <a:endParaRPr/>
           </a:p>
         </p:txBody>
@@ -17880,8 +17966,8 @@
         </p:blipFill>
         <p:spPr>
           <a:xfrm>
-            <a:off x="806307" y="1417638"/>
-            <a:ext cx="6672174" cy="4491994"/>
+            <a:off x="457200" y="1146175"/>
+            <a:ext cx="8585200" cy="5486400"/>
           </a:xfrm>
           <a:prstGeom prst="rect">
             <a:avLst/>
@@ -18105,8 +18191,18 @@
             </a:pPr>
             <a:r>
               <a:rPr lang="en-US"/>
-              <a:t>Swimlanes represent different participants</a:t>
-            </a:r>
+              <a:t>Swimlanes:</a:t>
+            </a:r>
+            <a:br>
+              <a:rPr lang="en-US"/>
+            </a:br>
+            <a:r>
+              <a:rPr lang="en-US" sz="2200"/>
+              <a:t>partition an activity diagram into the responsibilities of different entities </a:t>
+            </a:r>
+            <a:br>
+              <a:rPr lang="en-US" sz="2200"/>
+            </a:br>
             <a:endParaRPr/>
           </a:p>
         </p:txBody>
@@ -18126,8 +18222,8 @@
         </p:blipFill>
         <p:spPr>
           <a:xfrm>
-            <a:off x="63500" y="1560255"/>
-            <a:ext cx="7127876" cy="5297746"/>
+            <a:off x="806307" y="1417638"/>
+            <a:ext cx="6672174" cy="4491994"/>
           </a:xfrm>
           <a:prstGeom prst="rect">
             <a:avLst/>
@@ -18186,6 +18282,107 @@
         </p:spPr>
         <p:txBody>
           <a:bodyPr anchorCtr="0" anchor="ctr" bIns="45700" lIns="91425" spcFirstLastPara="1" rIns="91425" wrap="square" tIns="45700">
+            <a:normAutofit fontScale="90000"/>
+          </a:bodyPr>
+          <a:lstStyle/>
+          <a:p>
+            <a:pPr indent="0" lvl="0" marL="0" rtl="0" algn="ctr">
+              <a:spcBef>
+                <a:spcPts val="0"/>
+              </a:spcBef>
+              <a:spcAft>
+                <a:spcPts val="0"/>
+              </a:spcAft>
+              <a:buClr>
+                <a:schemeClr val="dk1"/>
+              </a:buClr>
+              <a:buSzPct val="100000"/>
+              <a:buFont typeface="Montserrat"/>
+              <a:buNone/>
+            </a:pPr>
+            <a:r>
+              <a:rPr lang="en-US"/>
+              <a:t>Swimlanes represent different participants</a:t>
+            </a:r>
+            <a:endParaRPr/>
+          </a:p>
+        </p:txBody>
+      </p:sp>
+      <p:pic>
+        <p:nvPicPr>
+          <p:cNvPr id="209" name="Google Shape;209;p33"/>
+          <p:cNvPicPr preferRelativeResize="0"/>
+          <p:nvPr/>
+        </p:nvPicPr>
+        <p:blipFill rotWithShape="1">
+          <a:blip r:embed="rId3">
+            <a:alphaModFix/>
+          </a:blip>
+          <a:srcRect b="0" l="0" r="0" t="0"/>
+          <a:stretch/>
+        </p:blipFill>
+        <p:spPr>
+          <a:xfrm>
+            <a:off x="63500" y="1560255"/>
+            <a:ext cx="7127876" cy="5297746"/>
+          </a:xfrm>
+          <a:prstGeom prst="rect">
+            <a:avLst/>
+          </a:prstGeom>
+          <a:noFill/>
+          <a:ln>
+            <a:noFill/>
+          </a:ln>
+        </p:spPr>
+      </p:pic>
+    </p:spTree>
+  </p:cSld>
+  <p:clrMapOvr>
+    <a:masterClrMapping/>
+  </p:clrMapOvr>
+</p:sld>
+</file>
+
+<file path=ppt/slides/slide22.xml><?xml version="1.0" encoding="utf-8"?>
+<p:sld xmlns:a="http://schemas.openxmlformats.org/drawingml/2006/main" xmlns:r="http://schemas.openxmlformats.org/officeDocument/2006/relationships" xmlns:mc="http://schemas.openxmlformats.org/markup-compatibility/2006" xmlns:mv="urn:schemas-microsoft-com:mac:vml" xmlns:p="http://schemas.openxmlformats.org/presentationml/2006/main" xmlns:c="http://schemas.openxmlformats.org/drawingml/2006/chart" xmlns:dgm="http://schemas.openxmlformats.org/drawingml/2006/diagram" xmlns:o="urn:schemas-microsoft-com:office:office" xmlns:v="urn:schemas-microsoft-com:vml" xmlns:pvml="urn:schemas-microsoft-com:office:powerpoint" xmlns:com="http://schemas.openxmlformats.org/drawingml/2006/compatibility" xmlns:p14="http://schemas.microsoft.com/office/powerpoint/2010/main" xmlns:p15="http://schemas.microsoft.com/office/powerpoint/2012/main" xmlns:ahyp="http://schemas.microsoft.com/office/drawing/2018/hyperlinkcolor">
+  <p:cSld>
+    <p:spTree>
+      <p:nvGrpSpPr>
+        <p:cNvPr id="213" name="Shape 213"/>
+        <p:cNvGrpSpPr/>
+        <p:nvPr/>
+      </p:nvGrpSpPr>
+      <p:grpSpPr>
+        <a:xfrm>
+          <a:off x="0" y="0"/>
+          <a:ext cx="0" cy="0"/>
+          <a:chOff x="0" y="0"/>
+          <a:chExt cx="0" cy="0"/>
+        </a:xfrm>
+      </p:grpSpPr>
+      <p:sp>
+        <p:nvSpPr>
+          <p:cNvPr id="214" name="Google Shape;214;p34"/>
+          <p:cNvSpPr txBox="1"/>
+          <p:nvPr>
+            <p:ph type="title"/>
+          </p:nvPr>
+        </p:nvSpPr>
+        <p:spPr>
+          <a:xfrm>
+            <a:off x="457200" y="274638"/>
+            <a:ext cx="8229600" cy="1143000"/>
+          </a:xfrm>
+          <a:prstGeom prst="rect">
+            <a:avLst/>
+          </a:prstGeom>
+          <a:noFill/>
+          <a:ln>
+            <a:noFill/>
+          </a:ln>
+        </p:spPr>
+        <p:txBody>
+          <a:bodyPr anchorCtr="0" anchor="ctr" bIns="45700" lIns="91425" spcFirstLastPara="1" rIns="91425" wrap="square" tIns="45700">
             <a:normAutofit/>
           </a:bodyPr>
           <a:lstStyle/>
@@ -18214,7 +18411,7 @@
       </p:sp>
       <p:sp>
         <p:nvSpPr>
-          <p:cNvPr id="209" name="Google Shape;209;p33"/>
+          <p:cNvPr id="215" name="Google Shape;215;p34"/>
           <p:cNvSpPr txBox="1"/>
           <p:nvPr>
             <p:ph idx="1" type="body"/>
@@ -18398,7 +18595,7 @@
       </p:sp>
       <p:pic>
         <p:nvPicPr>
-          <p:cNvPr id="210" name="Google Shape;210;p33"/>
+          <p:cNvPr id="216" name="Google Shape;216;p34"/>
           <p:cNvPicPr preferRelativeResize="0"/>
           <p:nvPr/>
         </p:nvPicPr>
@@ -18425,7 +18622,7 @@
       </p:pic>
       <p:pic>
         <p:nvPicPr>
-          <p:cNvPr id="211" name="Google Shape;211;p33"/>
+          <p:cNvPr id="217" name="Google Shape;217;p34"/>
           <p:cNvPicPr preferRelativeResize="0"/>
           <p:nvPr/>
         </p:nvPicPr>
@@ -18452,7 +18649,7 @@
       </p:pic>
       <p:pic>
         <p:nvPicPr>
-          <p:cNvPr id="212" name="Google Shape;212;p33"/>
+          <p:cNvPr id="218" name="Google Shape;218;p34"/>
           <p:cNvPicPr preferRelativeResize="0"/>
           <p:nvPr/>
         </p:nvPicPr>
@@ -18479,7 +18676,7 @@
       </p:pic>
       <p:pic>
         <p:nvPicPr>
-          <p:cNvPr id="213" name="Google Shape;213;p33"/>
+          <p:cNvPr id="219" name="Google Shape;219;p34"/>
           <p:cNvPicPr preferRelativeResize="0"/>
           <p:nvPr/>
         </p:nvPicPr>
@@ -18512,12 +18709,12 @@
 </p:sld>
 </file>
 
-<file path=ppt/slides/slide22.xml><?xml version="1.0" encoding="utf-8"?>
+<file path=ppt/slides/slide23.xml><?xml version="1.0" encoding="utf-8"?>
 <p:sld xmlns:a="http://schemas.openxmlformats.org/drawingml/2006/main" xmlns:r="http://schemas.openxmlformats.org/officeDocument/2006/relationships" xmlns:mc="http://schemas.openxmlformats.org/markup-compatibility/2006" xmlns:mv="urn:schemas-microsoft-com:mac:vml" xmlns:p="http://schemas.openxmlformats.org/presentationml/2006/main" xmlns:c="http://schemas.openxmlformats.org/drawingml/2006/chart" xmlns:dgm="http://schemas.openxmlformats.org/drawingml/2006/diagram" xmlns:o="urn:schemas-microsoft-com:office:office" xmlns:v="urn:schemas-microsoft-com:vml" xmlns:pvml="urn:schemas-microsoft-com:office:powerpoint" xmlns:com="http://schemas.openxmlformats.org/drawingml/2006/compatibility" xmlns:p14="http://schemas.microsoft.com/office/powerpoint/2010/main" xmlns:p15="http://schemas.microsoft.com/office/powerpoint/2012/main" xmlns:ahyp="http://schemas.microsoft.com/office/drawing/2018/hyperlinkcolor">
   <p:cSld>
     <p:spTree>
       <p:nvGrpSpPr>
-        <p:cNvPr id="217" name="Shape 217"/>
+        <p:cNvPr id="223" name="Shape 223"/>
         <p:cNvGrpSpPr/>
         <p:nvPr/>
       </p:nvGrpSpPr>
@@ -18531,7 +18728,7 @@
       </p:grpSpPr>
       <p:sp>
         <p:nvSpPr>
-          <p:cNvPr id="218" name="Google Shape;218;p34"/>
+          <p:cNvPr id="224" name="Google Shape;224;p35"/>
           <p:cNvSpPr txBox="1"/>
           <p:nvPr>
             <p:ph type="title"/>
@@ -18580,7 +18777,7 @@
       </p:sp>
       <p:sp>
         <p:nvSpPr>
-          <p:cNvPr id="219" name="Google Shape;219;p34"/>
+          <p:cNvPr id="225" name="Google Shape;225;p35"/>
           <p:cNvSpPr txBox="1"/>
           <p:nvPr>
             <p:ph idx="1" type="body"/>
@@ -18647,7 +18844,7 @@
       </p:sp>
       <p:pic>
         <p:nvPicPr>
-          <p:cNvPr id="220" name="Google Shape;220;p34"/>
+          <p:cNvPr id="226" name="Google Shape;226;p35"/>
           <p:cNvPicPr preferRelativeResize="0"/>
           <p:nvPr/>
         </p:nvPicPr>
@@ -18680,12 +18877,12 @@
 </p:sld>
 </file>
 
-<file path=ppt/slides/slide23.xml><?xml version="1.0" encoding="utf-8"?>
+<file path=ppt/slides/slide24.xml><?xml version="1.0" encoding="utf-8"?>
 <p:sld xmlns:a="http://schemas.openxmlformats.org/drawingml/2006/main" xmlns:r="http://schemas.openxmlformats.org/officeDocument/2006/relationships" xmlns:mc="http://schemas.openxmlformats.org/markup-compatibility/2006" xmlns:mv="urn:schemas-microsoft-com:mac:vml" xmlns:p="http://schemas.openxmlformats.org/presentationml/2006/main" xmlns:c="http://schemas.openxmlformats.org/drawingml/2006/chart" xmlns:dgm="http://schemas.openxmlformats.org/drawingml/2006/diagram" xmlns:o="urn:schemas-microsoft-com:office:office" xmlns:v="urn:schemas-microsoft-com:vml" xmlns:pvml="urn:schemas-microsoft-com:office:powerpoint" xmlns:com="http://schemas.openxmlformats.org/drawingml/2006/compatibility" xmlns:p14="http://schemas.microsoft.com/office/powerpoint/2010/main" xmlns:p15="http://schemas.microsoft.com/office/powerpoint/2012/main" xmlns:ahyp="http://schemas.microsoft.com/office/drawing/2018/hyperlinkcolor">
   <p:cSld>
     <p:spTree>
       <p:nvGrpSpPr>
-        <p:cNvPr id="224" name="Shape 224"/>
+        <p:cNvPr id="230" name="Shape 230"/>
         <p:cNvGrpSpPr/>
         <p:nvPr/>
       </p:nvGrpSpPr>
@@ -18699,7 +18896,7 @@
       </p:grpSpPr>
       <p:sp>
         <p:nvSpPr>
-          <p:cNvPr id="225" name="Google Shape;225;p35"/>
+          <p:cNvPr id="231" name="Google Shape;231;p36"/>
           <p:cNvSpPr txBox="1"/>
           <p:nvPr>
             <p:ph type="title"/>
@@ -18748,7 +18945,7 @@
       </p:sp>
       <p:sp>
         <p:nvSpPr>
-          <p:cNvPr id="226" name="Google Shape;226;p35"/>
+          <p:cNvPr id="232" name="Google Shape;232;p36"/>
           <p:cNvSpPr txBox="1"/>
           <p:nvPr>
             <p:ph idx="1" type="body"/>
@@ -18895,7 +19092,7 @@
       </p:sp>
       <p:pic>
         <p:nvPicPr>
-          <p:cNvPr id="227" name="Google Shape;227;p35"/>
+          <p:cNvPr id="233" name="Google Shape;233;p36"/>
           <p:cNvPicPr preferRelativeResize="0"/>
           <p:nvPr/>
         </p:nvPicPr>
@@ -18922,7 +19119,7 @@
       </p:pic>
       <p:pic>
         <p:nvPicPr>
-          <p:cNvPr id="228" name="Google Shape;228;p35"/>
+          <p:cNvPr id="234" name="Google Shape;234;p36"/>
           <p:cNvPicPr preferRelativeResize="0"/>
           <p:nvPr/>
         </p:nvPicPr>
@@ -18949,7 +19146,7 @@
       </p:pic>
       <p:pic>
         <p:nvPicPr>
-          <p:cNvPr id="229" name="Google Shape;229;p35"/>
+          <p:cNvPr id="235" name="Google Shape;235;p36"/>
           <p:cNvPicPr preferRelativeResize="0"/>
           <p:nvPr/>
         </p:nvPicPr>
@@ -18976,7 +19173,7 @@
       </p:pic>
       <p:pic>
         <p:nvPicPr>
-          <p:cNvPr id="230" name="Google Shape;230;p35"/>
+          <p:cNvPr id="236" name="Google Shape;236;p36"/>
           <p:cNvPicPr preferRelativeResize="0"/>
           <p:nvPr/>
         </p:nvPicPr>
@@ -19003,7 +19200,7 @@
       </p:pic>
       <p:pic>
         <p:nvPicPr>
-          <p:cNvPr id="231" name="Google Shape;231;p35"/>
+          <p:cNvPr id="237" name="Google Shape;237;p36"/>
           <p:cNvPicPr preferRelativeResize="0"/>
           <p:nvPr/>
         </p:nvPicPr>
@@ -19036,12 +19233,12 @@
 </p:sld>
 </file>
 
-<file path=ppt/slides/slide24.xml><?xml version="1.0" encoding="utf-8"?>
+<file path=ppt/slides/slide25.xml><?xml version="1.0" encoding="utf-8"?>
 <p:sld xmlns:a="http://schemas.openxmlformats.org/drawingml/2006/main" xmlns:r="http://schemas.openxmlformats.org/officeDocument/2006/relationships" xmlns:mc="http://schemas.openxmlformats.org/markup-compatibility/2006" xmlns:mv="urn:schemas-microsoft-com:mac:vml" xmlns:p="http://schemas.openxmlformats.org/presentationml/2006/main" xmlns:c="http://schemas.openxmlformats.org/drawingml/2006/chart" xmlns:dgm="http://schemas.openxmlformats.org/drawingml/2006/diagram" xmlns:o="urn:schemas-microsoft-com:office:office" xmlns:v="urn:schemas-microsoft-com:vml" xmlns:pvml="urn:schemas-microsoft-com:office:powerpoint" xmlns:com="http://schemas.openxmlformats.org/drawingml/2006/compatibility" xmlns:p14="http://schemas.microsoft.com/office/powerpoint/2010/main" xmlns:p15="http://schemas.microsoft.com/office/powerpoint/2012/main" xmlns:ahyp="http://schemas.microsoft.com/office/drawing/2018/hyperlinkcolor">
   <p:cSld>
     <p:spTree>
       <p:nvGrpSpPr>
-        <p:cNvPr id="235" name="Shape 235"/>
+        <p:cNvPr id="241" name="Shape 241"/>
         <p:cNvGrpSpPr/>
         <p:nvPr/>
       </p:nvGrpSpPr>
@@ -19055,7 +19252,7 @@
       </p:grpSpPr>
       <p:sp>
         <p:nvSpPr>
-          <p:cNvPr id="236" name="Google Shape;236;p36"/>
+          <p:cNvPr id="242" name="Google Shape;242;p37"/>
           <p:cNvSpPr txBox="1"/>
           <p:nvPr>
             <p:ph type="title"/>
@@ -19104,7 +19301,7 @@
       </p:sp>
       <p:pic>
         <p:nvPicPr>
-          <p:cNvPr id="237" name="Google Shape;237;p36"/>
+          <p:cNvPr id="243" name="Google Shape;243;p37"/>
           <p:cNvPicPr preferRelativeResize="0"/>
           <p:nvPr/>
         </p:nvPicPr>
@@ -19131,7 +19328,7 @@
       </p:pic>
       <p:sp>
         <p:nvSpPr>
-          <p:cNvPr id="238" name="Google Shape;238;p36"/>
+          <p:cNvPr id="244" name="Google Shape;244;p37"/>
           <p:cNvSpPr txBox="1"/>
           <p:nvPr/>
         </p:nvSpPr>
@@ -19390,107 +19587,6 @@
           </a:p>
         </p:txBody>
       </p:sp>
-    </p:spTree>
-  </p:cSld>
-  <p:clrMapOvr>
-    <a:masterClrMapping/>
-  </p:clrMapOvr>
-</p:sld>
-</file>
-
-<file path=ppt/slides/slide25.xml><?xml version="1.0" encoding="utf-8"?>
-<p:sld xmlns:a="http://schemas.openxmlformats.org/drawingml/2006/main" xmlns:r="http://schemas.openxmlformats.org/officeDocument/2006/relationships" xmlns:mc="http://schemas.openxmlformats.org/markup-compatibility/2006" xmlns:mv="urn:schemas-microsoft-com:mac:vml" xmlns:p="http://schemas.openxmlformats.org/presentationml/2006/main" xmlns:c="http://schemas.openxmlformats.org/drawingml/2006/chart" xmlns:dgm="http://schemas.openxmlformats.org/drawingml/2006/diagram" xmlns:o="urn:schemas-microsoft-com:office:office" xmlns:v="urn:schemas-microsoft-com:vml" xmlns:pvml="urn:schemas-microsoft-com:office:powerpoint" xmlns:com="http://schemas.openxmlformats.org/drawingml/2006/compatibility" xmlns:p14="http://schemas.microsoft.com/office/powerpoint/2010/main" xmlns:p15="http://schemas.microsoft.com/office/powerpoint/2012/main" xmlns:ahyp="http://schemas.microsoft.com/office/drawing/2018/hyperlinkcolor">
-  <p:cSld>
-    <p:spTree>
-      <p:nvGrpSpPr>
-        <p:cNvPr id="242" name="Shape 242"/>
-        <p:cNvGrpSpPr/>
-        <p:nvPr/>
-      </p:nvGrpSpPr>
-      <p:grpSpPr>
-        <a:xfrm>
-          <a:off x="0" y="0"/>
-          <a:ext cx="0" cy="0"/>
-          <a:chOff x="0" y="0"/>
-          <a:chExt cx="0" cy="0"/>
-        </a:xfrm>
-      </p:grpSpPr>
-      <p:sp>
-        <p:nvSpPr>
-          <p:cNvPr id="243" name="Google Shape;243;p37"/>
-          <p:cNvSpPr txBox="1"/>
-          <p:nvPr>
-            <p:ph type="title"/>
-          </p:nvPr>
-        </p:nvSpPr>
-        <p:spPr>
-          <a:xfrm>
-            <a:off x="457200" y="274638"/>
-            <a:ext cx="8229600" cy="1143000"/>
-          </a:xfrm>
-          <a:prstGeom prst="rect">
-            <a:avLst/>
-          </a:prstGeom>
-          <a:noFill/>
-          <a:ln>
-            <a:noFill/>
-          </a:ln>
-        </p:spPr>
-        <p:txBody>
-          <a:bodyPr anchorCtr="0" anchor="ctr" bIns="45700" lIns="91425" spcFirstLastPara="1" rIns="91425" wrap="square" tIns="45700">
-            <a:normAutofit/>
-          </a:bodyPr>
-          <a:lstStyle/>
-          <a:p>
-            <a:pPr indent="0" lvl="0" marL="0" rtl="0" algn="ctr">
-              <a:spcBef>
-                <a:spcPts val="0"/>
-              </a:spcBef>
-              <a:spcAft>
-                <a:spcPts val="0"/>
-              </a:spcAft>
-              <a:buClr>
-                <a:schemeClr val="dk1"/>
-              </a:buClr>
-              <a:buSzPts val="4400"/>
-              <a:buFont typeface="Montserrat"/>
-              <a:buNone/>
-            </a:pPr>
-            <a:r>
-              <a:rPr lang="en-US"/>
-              <a:t>Some End Events</a:t>
-            </a:r>
-            <a:endParaRPr/>
-          </a:p>
-        </p:txBody>
-      </p:sp>
-      <p:pic>
-        <p:nvPicPr>
-          <p:cNvPr id="244" name="Google Shape;244;p37"/>
-          <p:cNvPicPr preferRelativeResize="0"/>
-          <p:nvPr/>
-        </p:nvPicPr>
-        <p:blipFill rotWithShape="1">
-          <a:blip r:embed="rId3">
-            <a:alphaModFix/>
-          </a:blip>
-          <a:srcRect b="0" l="0" r="0" t="0"/>
-          <a:stretch/>
-        </p:blipFill>
-        <p:spPr>
-          <a:xfrm>
-            <a:off x="1905000" y="1409700"/>
-            <a:ext cx="5334000" cy="4025900"/>
-          </a:xfrm>
-          <a:prstGeom prst="rect">
-            <a:avLst/>
-          </a:prstGeom>
-          <a:noFill/>
-          <a:ln>
-            <a:noFill/>
-          </a:ln>
-        </p:spPr>
-      </p:pic>
     </p:spTree>
   </p:cSld>
   <p:clrMapOvr>
@@ -19539,7 +19635,7 @@
         </p:spPr>
         <p:txBody>
           <a:bodyPr anchorCtr="0" anchor="ctr" bIns="45700" lIns="91425" spcFirstLastPara="1" rIns="91425" wrap="square" tIns="45700">
-            <a:normAutofit fontScale="90000"/>
+            <a:normAutofit/>
           </a:bodyPr>
           <a:lstStyle/>
           <a:p>
@@ -19553,17 +19649,14 @@
               <a:buClr>
                 <a:schemeClr val="dk1"/>
               </a:buClr>
-              <a:buSzPct val="100000"/>
+              <a:buSzPts val="4400"/>
               <a:buFont typeface="Montserrat"/>
               <a:buNone/>
             </a:pPr>
             <a:r>
               <a:rPr lang="en-US"/>
-              <a:t>Activities</a:t>
-            </a:r>
-            <a:br>
-              <a:rPr lang="en-US"/>
-            </a:br>
+              <a:t>Some End Events</a:t>
+            </a:r>
             <a:endParaRPr/>
           </a:p>
         </p:txBody>
@@ -19583,8 +19676,8 @@
         </p:blipFill>
         <p:spPr>
           <a:xfrm>
-            <a:off x="0" y="1198434"/>
-            <a:ext cx="9144000" cy="5659566"/>
+            <a:off x="1905000" y="1409700"/>
+            <a:ext cx="5334000" cy="4025900"/>
           </a:xfrm>
           <a:prstGeom prst="rect">
             <a:avLst/>
@@ -19643,7 +19736,7 @@
         </p:spPr>
         <p:txBody>
           <a:bodyPr anchorCtr="0" anchor="ctr" bIns="45700" lIns="91425" spcFirstLastPara="1" rIns="91425" wrap="square" tIns="45700">
-            <a:normAutofit/>
+            <a:normAutofit fontScale="90000"/>
           </a:bodyPr>
           <a:lstStyle/>
           <a:p>
@@ -19657,30 +19750,38 @@
               <a:buClr>
                 <a:schemeClr val="dk1"/>
               </a:buClr>
-              <a:buSzPts val="4400"/>
+              <a:buSzPct val="100000"/>
               <a:buFont typeface="Montserrat"/>
               <a:buNone/>
             </a:pPr>
             <a:r>
               <a:rPr lang="en-US"/>
-              <a:t>Service Task	</a:t>
-            </a:r>
+              <a:t>Activities</a:t>
+            </a:r>
+            <a:br>
+              <a:rPr lang="en-US"/>
+            </a:br>
             <a:endParaRPr/>
           </a:p>
         </p:txBody>
       </p:sp>
-      <p:sp>
-        <p:nvSpPr>
+      <p:pic>
+        <p:nvPicPr>
           <p:cNvPr id="256" name="Google Shape;256;p39"/>
-          <p:cNvSpPr txBox="1"/>
-          <p:nvPr>
-            <p:ph idx="1" type="body"/>
-          </p:nvPr>
-        </p:nvSpPr>
+          <p:cNvPicPr preferRelativeResize="0"/>
+          <p:nvPr/>
+        </p:nvPicPr>
+        <p:blipFill rotWithShape="1">
+          <a:blip r:embed="rId3">
+            <a:alphaModFix/>
+          </a:blip>
+          <a:srcRect b="0" l="0" r="0" t="0"/>
+          <a:stretch/>
+        </p:blipFill>
         <p:spPr>
           <a:xfrm>
-            <a:off x="375635" y="1600200"/>
-            <a:ext cx="8229600" cy="4525963"/>
+            <a:off x="0" y="1198434"/>
+            <a:ext cx="9144000" cy="5659566"/>
           </a:xfrm>
           <a:prstGeom prst="rect">
             <a:avLst/>
@@ -19690,73 +19791,7 @@
             <a:noFill/>
           </a:ln>
         </p:spPr>
-        <p:txBody>
-          <a:bodyPr anchorCtr="0" anchor="t" bIns="45700" lIns="91425" spcFirstLastPara="1" rIns="91425" wrap="square" tIns="45700">
-            <a:normAutofit/>
-          </a:bodyPr>
-          <a:lstStyle/>
-          <a:p>
-            <a:pPr indent="-342900" lvl="0" marL="342900" rtl="0" algn="l">
-              <a:spcBef>
-                <a:spcPts val="0"/>
-              </a:spcBef>
-              <a:spcAft>
-                <a:spcPts val="0"/>
-              </a:spcAft>
-              <a:buClr>
-                <a:schemeClr val="dk1"/>
-              </a:buClr>
-              <a:buSzPts val="3200"/>
-              <a:buChar char="•"/>
-            </a:pPr>
-            <a:r>
-              <a:rPr lang="en-US"/>
-              <a:t>Call a service</a:t>
-            </a:r>
-            <a:endParaRPr/>
-          </a:p>
-          <a:p>
-            <a:pPr indent="-285750" lvl="1" marL="742950" rtl="0" algn="l">
-              <a:spcBef>
-                <a:spcPts val="560"/>
-              </a:spcBef>
-              <a:spcAft>
-                <a:spcPts val="0"/>
-              </a:spcAft>
-              <a:buClr>
-                <a:schemeClr val="dk1"/>
-              </a:buClr>
-              <a:buSzPts val="2800"/>
-              <a:buChar char="–"/>
-            </a:pPr>
-            <a:r>
-              <a:rPr lang="en-US"/>
-              <a:t>Unlike BPEL there is no direct way of capturing the actual service</a:t>
-            </a:r>
-            <a:endParaRPr/>
-          </a:p>
-          <a:p>
-            <a:pPr indent="-285750" lvl="1" marL="742950" rtl="0" algn="l">
-              <a:spcBef>
-                <a:spcPts val="560"/>
-              </a:spcBef>
-              <a:spcAft>
-                <a:spcPts val="0"/>
-              </a:spcAft>
-              <a:buClr>
-                <a:schemeClr val="dk1"/>
-              </a:buClr>
-              <a:buSzPts val="2800"/>
-              <a:buChar char="–"/>
-            </a:pPr>
-            <a:r>
-              <a:rPr lang="en-US"/>
-              <a:t>Typically need to write some code (e.g. Java) to capture that</a:t>
-            </a:r>
-            <a:endParaRPr/>
-          </a:p>
-        </p:txBody>
-      </p:sp>
+      </p:pic>
     </p:spTree>
   </p:cSld>
   <p:clrMapOvr>
@@ -19825,7 +19860,7 @@
             </a:pPr>
             <a:r>
               <a:rPr lang="en-US"/>
-              <a:t>Data Flow</a:t>
+              <a:t>Service Task	</a:t>
             </a:r>
             <a:endParaRPr/>
           </a:p>
@@ -19854,7 +19889,7 @@
         </p:spPr>
         <p:txBody>
           <a:bodyPr anchorCtr="0" anchor="t" bIns="45700" lIns="91425" spcFirstLastPara="1" rIns="91425" wrap="square" tIns="45700">
-            <a:normAutofit fontScale="70000" lnSpcReduction="20000"/>
+            <a:normAutofit/>
           </a:bodyPr>
           <a:lstStyle/>
           <a:p>
@@ -19868,171 +19903,52 @@
               <a:buClr>
                 <a:schemeClr val="dk1"/>
               </a:buClr>
-              <a:buSzPct val="100000"/>
+              <a:buSzPts val="3200"/>
               <a:buChar char="•"/>
             </a:pPr>
             <a:r>
               <a:rPr lang="en-US"/>
-              <a:t>Transitions between activities represent </a:t>
-            </a:r>
-            <a:r>
-              <a:rPr i="1" lang="en-US"/>
-              <a:t>control dependencies</a:t>
-            </a:r>
-            <a:r>
-              <a:rPr lang="en-US"/>
-              <a:t>: one activity must complete before another can start </a:t>
-            </a:r>
-            <a:endParaRPr/>
-          </a:p>
-          <a:p>
-            <a:pPr indent="-342900" lvl="0" marL="342900" rtl="0" algn="l">
-              <a:spcBef>
-                <a:spcPts val="448"/>
-              </a:spcBef>
-              <a:spcAft>
-                <a:spcPts val="0"/>
-              </a:spcAft>
-              <a:buClr>
-                <a:schemeClr val="dk1"/>
-              </a:buClr>
-              <a:buSzPct val="100000"/>
-              <a:buChar char="•"/>
-            </a:pPr>
-            <a:r>
-              <a:rPr lang="en-US"/>
-              <a:t>Workflows also have </a:t>
-            </a:r>
-            <a:r>
-              <a:rPr i="1" lang="en-US"/>
-              <a:t>data dependencies</a:t>
-            </a:r>
-            <a:r>
-              <a:rPr lang="en-US"/>
-              <a:t>: one activity produces a result that another requires </a:t>
-            </a:r>
-            <a:endParaRPr/>
-          </a:p>
-          <a:p>
-            <a:pPr indent="-342900" lvl="0" marL="342900" rtl="0" algn="l">
-              <a:spcBef>
-                <a:spcPts val="448"/>
-              </a:spcBef>
-              <a:spcAft>
-                <a:spcPts val="0"/>
-              </a:spcAft>
-              <a:buClr>
-                <a:schemeClr val="dk1"/>
-              </a:buClr>
-              <a:buSzPct val="100000"/>
-              <a:buChar char="•"/>
-            </a:pPr>
-            <a:r>
-              <a:rPr lang="en-US"/>
-              <a:t>UML activity diagrams allow </a:t>
-            </a:r>
-            <a:r>
-              <a:rPr i="1" lang="en-US"/>
-              <a:t>object flow </a:t>
-            </a:r>
-            <a:r>
-              <a:rPr lang="en-US"/>
-              <a:t>as well as </a:t>
-            </a:r>
-            <a:r>
-              <a:rPr i="1" lang="en-US"/>
-              <a:t>control flow </a:t>
-            </a:r>
-            <a:endParaRPr/>
-          </a:p>
-          <a:p>
-            <a:pPr indent="-342900" lvl="0" marL="342900" rtl="0" algn="l">
-              <a:spcBef>
-                <a:spcPts val="448"/>
-              </a:spcBef>
-              <a:spcAft>
-                <a:spcPts val="0"/>
-              </a:spcAft>
-              <a:buClr>
-                <a:schemeClr val="dk1"/>
-              </a:buClr>
-              <a:buSzPct val="100000"/>
-              <a:buChar char="•"/>
-            </a:pPr>
-            <a:r>
-              <a:rPr lang="en-US"/>
-              <a:t>Dependent data is shown as an object icon (rectangle with underlined name and type) </a:t>
+              <a:t>Call a service</a:t>
             </a:r>
             <a:endParaRPr/>
           </a:p>
           <a:p>
             <a:pPr indent="-285750" lvl="1" marL="742950" rtl="0" algn="l">
               <a:spcBef>
-                <a:spcPts val="392"/>
-              </a:spcBef>
-              <a:spcAft>
-                <a:spcPts val="0"/>
-              </a:spcAft>
-              <a:buClr>
-                <a:schemeClr val="dk1"/>
-              </a:buClr>
-              <a:buSzPct val="100000"/>
+                <a:spcPts val="560"/>
+              </a:spcBef>
+              <a:spcAft>
+                <a:spcPts val="0"/>
+              </a:spcAft>
+              <a:buClr>
+                <a:schemeClr val="dk1"/>
+              </a:buClr>
+              <a:buSzPts val="2800"/>
               <a:buChar char="–"/>
             </a:pPr>
             <a:r>
-              <a:rPr i="1" lang="en-US"/>
-              <a:t>dependencies </a:t>
-            </a:r>
-            <a:r>
               <a:rPr lang="en-US"/>
-              <a:t>shown as dashed arrows from generating activity to object, and from object to consuming activity(s) </a:t>
+              <a:t>Unlike BPEL there is no direct way of capturing the actual service</a:t>
             </a:r>
             <a:endParaRPr/>
           </a:p>
           <a:p>
             <a:pPr indent="-285750" lvl="1" marL="742950" rtl="0" algn="l">
               <a:spcBef>
-                <a:spcPts val="392"/>
-              </a:spcBef>
-              <a:spcAft>
-                <a:spcPts val="0"/>
-              </a:spcAft>
-              <a:buClr>
-                <a:schemeClr val="dk1"/>
-              </a:buClr>
-              <a:buSzPct val="100000"/>
+                <a:spcPts val="560"/>
+              </a:spcBef>
+              <a:spcAft>
+                <a:spcPts val="0"/>
+              </a:spcAft>
+              <a:buClr>
+                <a:schemeClr val="dk1"/>
+              </a:buClr>
+              <a:buSzPts val="2800"/>
               <a:buChar char="–"/>
             </a:pPr>
             <a:r>
               <a:rPr lang="en-US"/>
-              <a:t>same object may occur multiple times in an activity diagram, typically in different </a:t>
-            </a:r>
-            <a:r>
-              <a:rPr i="1" lang="en-US"/>
-              <a:t>states </a:t>
-            </a:r>
-            <a:r>
-              <a:rPr lang="en-US"/>
-              <a:t>(shown in square brackets after object name) </a:t>
-            </a:r>
-            <a:endParaRPr/>
-          </a:p>
-          <a:p>
-            <a:pPr indent="-200660" lvl="0" marL="342900" rtl="0" algn="l">
-              <a:spcBef>
-                <a:spcPts val="448"/>
-              </a:spcBef>
-              <a:spcAft>
-                <a:spcPts val="0"/>
-              </a:spcAft>
-              <a:buClr>
-                <a:schemeClr val="dk1"/>
-              </a:buClr>
-              <a:buSzPct val="100000"/>
-              <a:buNone/>
-            </a:pPr>
-            <a:r>
-              <a:t/>
+              <a:t>Typically need to write some code (e.g. Java) to capture that</a:t>
             </a:r>
             <a:endParaRPr/>
           </a:p>
@@ -20106,29 +20022,24 @@
             </a:pPr>
             <a:r>
               <a:rPr lang="en-US"/>
-              <a:t>Example Object Flow</a:t>
+              <a:t>Data Flow</a:t>
             </a:r>
             <a:endParaRPr/>
           </a:p>
         </p:txBody>
       </p:sp>
-      <p:pic>
-        <p:nvPicPr>
+      <p:sp>
+        <p:nvSpPr>
           <p:cNvPr id="268" name="Google Shape;268;p41"/>
-          <p:cNvPicPr preferRelativeResize="0"/>
-          <p:nvPr/>
-        </p:nvPicPr>
-        <p:blipFill rotWithShape="1">
-          <a:blip r:embed="rId3">
-            <a:alphaModFix/>
-          </a:blip>
-          <a:srcRect b="0" l="0" r="0" t="0"/>
-          <a:stretch/>
-        </p:blipFill>
+          <p:cNvSpPr txBox="1"/>
+          <p:nvPr>
+            <p:ph idx="1" type="body"/>
+          </p:nvPr>
+        </p:nvSpPr>
         <p:spPr>
           <a:xfrm>
-            <a:off x="1092200" y="1181101"/>
-            <a:ext cx="7257268" cy="4927600"/>
+            <a:off x="375635" y="1600200"/>
+            <a:ext cx="8229600" cy="4525963"/>
           </a:xfrm>
           <a:prstGeom prst="rect">
             <a:avLst/>
@@ -20138,7 +20049,192 @@
             <a:noFill/>
           </a:ln>
         </p:spPr>
-      </p:pic>
+        <p:txBody>
+          <a:bodyPr anchorCtr="0" anchor="t" bIns="45700" lIns="91425" spcFirstLastPara="1" rIns="91425" wrap="square" tIns="45700">
+            <a:normAutofit fontScale="70000" lnSpcReduction="20000"/>
+          </a:bodyPr>
+          <a:lstStyle/>
+          <a:p>
+            <a:pPr indent="-342900" lvl="0" marL="342900" rtl="0" algn="l">
+              <a:spcBef>
+                <a:spcPts val="0"/>
+              </a:spcBef>
+              <a:spcAft>
+                <a:spcPts val="0"/>
+              </a:spcAft>
+              <a:buClr>
+                <a:schemeClr val="dk1"/>
+              </a:buClr>
+              <a:buSzPct val="100000"/>
+              <a:buChar char="•"/>
+            </a:pPr>
+            <a:r>
+              <a:rPr lang="en-US"/>
+              <a:t>Transitions between activities represent </a:t>
+            </a:r>
+            <a:r>
+              <a:rPr i="1" lang="en-US"/>
+              <a:t>control dependencies</a:t>
+            </a:r>
+            <a:r>
+              <a:rPr lang="en-US"/>
+              <a:t>: one activity must complete before another can start </a:t>
+            </a:r>
+            <a:endParaRPr/>
+          </a:p>
+          <a:p>
+            <a:pPr indent="-342900" lvl="0" marL="342900" rtl="0" algn="l">
+              <a:spcBef>
+                <a:spcPts val="448"/>
+              </a:spcBef>
+              <a:spcAft>
+                <a:spcPts val="0"/>
+              </a:spcAft>
+              <a:buClr>
+                <a:schemeClr val="dk1"/>
+              </a:buClr>
+              <a:buSzPct val="100000"/>
+              <a:buChar char="•"/>
+            </a:pPr>
+            <a:r>
+              <a:rPr lang="en-US"/>
+              <a:t>Workflows also have </a:t>
+            </a:r>
+            <a:r>
+              <a:rPr i="1" lang="en-US"/>
+              <a:t>data dependencies</a:t>
+            </a:r>
+            <a:r>
+              <a:rPr lang="en-US"/>
+              <a:t>: one activity produces a result that another requires </a:t>
+            </a:r>
+            <a:endParaRPr/>
+          </a:p>
+          <a:p>
+            <a:pPr indent="-342900" lvl="0" marL="342900" rtl="0" algn="l">
+              <a:spcBef>
+                <a:spcPts val="448"/>
+              </a:spcBef>
+              <a:spcAft>
+                <a:spcPts val="0"/>
+              </a:spcAft>
+              <a:buClr>
+                <a:schemeClr val="dk1"/>
+              </a:buClr>
+              <a:buSzPct val="100000"/>
+              <a:buChar char="•"/>
+            </a:pPr>
+            <a:r>
+              <a:rPr lang="en-US"/>
+              <a:t>UML activity diagrams allow </a:t>
+            </a:r>
+            <a:r>
+              <a:rPr i="1" lang="en-US"/>
+              <a:t>object flow </a:t>
+            </a:r>
+            <a:r>
+              <a:rPr lang="en-US"/>
+              <a:t>as well as </a:t>
+            </a:r>
+            <a:r>
+              <a:rPr i="1" lang="en-US"/>
+              <a:t>control flow </a:t>
+            </a:r>
+            <a:endParaRPr/>
+          </a:p>
+          <a:p>
+            <a:pPr indent="-342900" lvl="0" marL="342900" rtl="0" algn="l">
+              <a:spcBef>
+                <a:spcPts val="448"/>
+              </a:spcBef>
+              <a:spcAft>
+                <a:spcPts val="0"/>
+              </a:spcAft>
+              <a:buClr>
+                <a:schemeClr val="dk1"/>
+              </a:buClr>
+              <a:buSzPct val="100000"/>
+              <a:buChar char="•"/>
+            </a:pPr>
+            <a:r>
+              <a:rPr lang="en-US"/>
+              <a:t>Dependent data is shown as an object icon (rectangle with underlined name and type) </a:t>
+            </a:r>
+            <a:endParaRPr/>
+          </a:p>
+          <a:p>
+            <a:pPr indent="-285750" lvl="1" marL="742950" rtl="0" algn="l">
+              <a:spcBef>
+                <a:spcPts val="392"/>
+              </a:spcBef>
+              <a:spcAft>
+                <a:spcPts val="0"/>
+              </a:spcAft>
+              <a:buClr>
+                <a:schemeClr val="dk1"/>
+              </a:buClr>
+              <a:buSzPct val="100000"/>
+              <a:buChar char="–"/>
+            </a:pPr>
+            <a:r>
+              <a:rPr i="1" lang="en-US"/>
+              <a:t>dependencies </a:t>
+            </a:r>
+            <a:r>
+              <a:rPr lang="en-US"/>
+              <a:t>shown as dashed arrows from generating activity to object, and from object to consuming activity(s) </a:t>
+            </a:r>
+            <a:endParaRPr/>
+          </a:p>
+          <a:p>
+            <a:pPr indent="-285750" lvl="1" marL="742950" rtl="0" algn="l">
+              <a:spcBef>
+                <a:spcPts val="392"/>
+              </a:spcBef>
+              <a:spcAft>
+                <a:spcPts val="0"/>
+              </a:spcAft>
+              <a:buClr>
+                <a:schemeClr val="dk1"/>
+              </a:buClr>
+              <a:buSzPct val="100000"/>
+              <a:buChar char="–"/>
+            </a:pPr>
+            <a:r>
+              <a:rPr lang="en-US"/>
+              <a:t>same object may occur multiple times in an activity diagram, typically in different </a:t>
+            </a:r>
+            <a:r>
+              <a:rPr i="1" lang="en-US"/>
+              <a:t>states </a:t>
+            </a:r>
+            <a:r>
+              <a:rPr lang="en-US"/>
+              <a:t>(shown in square brackets after object name) </a:t>
+            </a:r>
+            <a:endParaRPr/>
+          </a:p>
+          <a:p>
+            <a:pPr indent="-200660" lvl="0" marL="342900" rtl="0" algn="l">
+              <a:spcBef>
+                <a:spcPts val="448"/>
+              </a:spcBef>
+              <a:spcAft>
+                <a:spcPts val="0"/>
+              </a:spcAft>
+              <a:buClr>
+                <a:schemeClr val="dk1"/>
+              </a:buClr>
+              <a:buSzPct val="100000"/>
+              <a:buNone/>
+            </a:pPr>
+            <a:r>
+              <a:t/>
+            </a:r>
+            <a:endParaRPr/>
+          </a:p>
+        </p:txBody>
+      </p:sp>
     </p:spTree>
   </p:cSld>
   <p:clrMapOvr>
@@ -20580,7 +20676,7 @@
             </a:pPr>
             <a:r>
               <a:rPr lang="en-US"/>
-              <a:t>Flows</a:t>
+              <a:t>Example Object Flow</a:t>
             </a:r>
             <a:endParaRPr/>
           </a:p>
@@ -20589,6 +20685,107 @@
       <p:pic>
         <p:nvPicPr>
           <p:cNvPr id="274" name="Google Shape;274;p42"/>
+          <p:cNvPicPr preferRelativeResize="0"/>
+          <p:nvPr/>
+        </p:nvPicPr>
+        <p:blipFill rotWithShape="1">
+          <a:blip r:embed="rId3">
+            <a:alphaModFix/>
+          </a:blip>
+          <a:srcRect b="0" l="0" r="0" t="0"/>
+          <a:stretch/>
+        </p:blipFill>
+        <p:spPr>
+          <a:xfrm>
+            <a:off x="1092200" y="1181101"/>
+            <a:ext cx="7257268" cy="4927600"/>
+          </a:xfrm>
+          <a:prstGeom prst="rect">
+            <a:avLst/>
+          </a:prstGeom>
+          <a:noFill/>
+          <a:ln>
+            <a:noFill/>
+          </a:ln>
+        </p:spPr>
+      </p:pic>
+    </p:spTree>
+  </p:cSld>
+  <p:clrMapOvr>
+    <a:masterClrMapping/>
+  </p:clrMapOvr>
+</p:sld>
+</file>
+
+<file path=ppt/slides/slide31.xml><?xml version="1.0" encoding="utf-8"?>
+<p:sld xmlns:a="http://schemas.openxmlformats.org/drawingml/2006/main" xmlns:r="http://schemas.openxmlformats.org/officeDocument/2006/relationships" xmlns:mc="http://schemas.openxmlformats.org/markup-compatibility/2006" xmlns:mv="urn:schemas-microsoft-com:mac:vml" xmlns:p="http://schemas.openxmlformats.org/presentationml/2006/main" xmlns:c="http://schemas.openxmlformats.org/drawingml/2006/chart" xmlns:dgm="http://schemas.openxmlformats.org/drawingml/2006/diagram" xmlns:o="urn:schemas-microsoft-com:office:office" xmlns:v="urn:schemas-microsoft-com:vml" xmlns:pvml="urn:schemas-microsoft-com:office:powerpoint" xmlns:com="http://schemas.openxmlformats.org/drawingml/2006/compatibility" xmlns:p14="http://schemas.microsoft.com/office/powerpoint/2010/main" xmlns:p15="http://schemas.microsoft.com/office/powerpoint/2012/main" xmlns:ahyp="http://schemas.microsoft.com/office/drawing/2018/hyperlinkcolor">
+  <p:cSld>
+    <p:spTree>
+      <p:nvGrpSpPr>
+        <p:cNvPr id="278" name="Shape 278"/>
+        <p:cNvGrpSpPr/>
+        <p:nvPr/>
+      </p:nvGrpSpPr>
+      <p:grpSpPr>
+        <a:xfrm>
+          <a:off x="0" y="0"/>
+          <a:ext cx="0" cy="0"/>
+          <a:chOff x="0" y="0"/>
+          <a:chExt cx="0" cy="0"/>
+        </a:xfrm>
+      </p:grpSpPr>
+      <p:sp>
+        <p:nvSpPr>
+          <p:cNvPr id="279" name="Google Shape;279;p43"/>
+          <p:cNvSpPr txBox="1"/>
+          <p:nvPr>
+            <p:ph type="title"/>
+          </p:nvPr>
+        </p:nvSpPr>
+        <p:spPr>
+          <a:xfrm>
+            <a:off x="457200" y="274638"/>
+            <a:ext cx="8229600" cy="1143000"/>
+          </a:xfrm>
+          <a:prstGeom prst="rect">
+            <a:avLst/>
+          </a:prstGeom>
+          <a:noFill/>
+          <a:ln>
+            <a:noFill/>
+          </a:ln>
+        </p:spPr>
+        <p:txBody>
+          <a:bodyPr anchorCtr="0" anchor="ctr" bIns="45700" lIns="91425" spcFirstLastPara="1" rIns="91425" wrap="square" tIns="45700">
+            <a:normAutofit/>
+          </a:bodyPr>
+          <a:lstStyle/>
+          <a:p>
+            <a:pPr indent="0" lvl="0" marL="0" rtl="0" algn="ctr">
+              <a:spcBef>
+                <a:spcPts val="0"/>
+              </a:spcBef>
+              <a:spcAft>
+                <a:spcPts val="0"/>
+              </a:spcAft>
+              <a:buClr>
+                <a:schemeClr val="dk1"/>
+              </a:buClr>
+              <a:buSzPts val="4400"/>
+              <a:buFont typeface="Montserrat"/>
+              <a:buNone/>
+            </a:pPr>
+            <a:r>
+              <a:rPr lang="en-US"/>
+              <a:t>Flows</a:t>
+            </a:r>
+            <a:endParaRPr/>
+          </a:p>
+        </p:txBody>
+      </p:sp>
+      <p:pic>
+        <p:nvPicPr>
+          <p:cNvPr id="280" name="Google Shape;280;p43"/>
           <p:cNvPicPr preferRelativeResize="0"/>
           <p:nvPr/>
         </p:nvPicPr>
@@ -20615,7 +20812,7 @@
       </p:pic>
       <p:sp>
         <p:nvSpPr>
-          <p:cNvPr id="275" name="Google Shape;275;p42"/>
+          <p:cNvPr id="281" name="Google Shape;281;p43"/>
           <p:cNvSpPr txBox="1"/>
           <p:nvPr/>
         </p:nvSpPr>
@@ -20665,7 +20862,7 @@
       </p:sp>
       <p:sp>
         <p:nvSpPr>
-          <p:cNvPr id="276" name="Google Shape;276;p42"/>
+          <p:cNvPr id="282" name="Google Shape;282;p43"/>
           <p:cNvSpPr txBox="1"/>
           <p:nvPr/>
         </p:nvSpPr>
@@ -20715,7 +20912,7 @@
       </p:sp>
       <p:sp>
         <p:nvSpPr>
-          <p:cNvPr id="277" name="Google Shape;277;p42"/>
+          <p:cNvPr id="283" name="Google Shape;283;p43"/>
           <p:cNvSpPr txBox="1"/>
           <p:nvPr/>
         </p:nvSpPr>
@@ -20905,12 +21102,12 @@
 </p:sld>
 </file>
 
-<file path=ppt/slides/slide31.xml><?xml version="1.0" encoding="utf-8"?>
+<file path=ppt/slides/slide32.xml><?xml version="1.0" encoding="utf-8"?>
 <p:sld xmlns:a="http://schemas.openxmlformats.org/drawingml/2006/main" xmlns:r="http://schemas.openxmlformats.org/officeDocument/2006/relationships" xmlns:mc="http://schemas.openxmlformats.org/markup-compatibility/2006" xmlns:mv="urn:schemas-microsoft-com:mac:vml" xmlns:p="http://schemas.openxmlformats.org/presentationml/2006/main" xmlns:c="http://schemas.openxmlformats.org/drawingml/2006/chart" xmlns:dgm="http://schemas.openxmlformats.org/drawingml/2006/diagram" xmlns:o="urn:schemas-microsoft-com:office:office" xmlns:v="urn:schemas-microsoft-com:vml" xmlns:pvml="urn:schemas-microsoft-com:office:powerpoint" xmlns:com="http://schemas.openxmlformats.org/drawingml/2006/compatibility" xmlns:p14="http://schemas.microsoft.com/office/powerpoint/2010/main" xmlns:p15="http://schemas.microsoft.com/office/powerpoint/2012/main" xmlns:ahyp="http://schemas.microsoft.com/office/drawing/2018/hyperlinkcolor">
   <p:cSld>
     <p:spTree>
       <p:nvGrpSpPr>
-        <p:cNvPr id="281" name="Shape 281"/>
+        <p:cNvPr id="287" name="Shape 287"/>
         <p:cNvGrpSpPr/>
         <p:nvPr/>
       </p:nvGrpSpPr>
@@ -20924,7 +21121,7 @@
       </p:grpSpPr>
       <p:sp>
         <p:nvSpPr>
-          <p:cNvPr id="282" name="Google Shape;282;p43"/>
+          <p:cNvPr id="288" name="Google Shape;288;p44"/>
           <p:cNvSpPr txBox="1"/>
           <p:nvPr>
             <p:ph type="title"/>
@@ -20973,7 +21170,7 @@
       </p:sp>
       <p:sp>
         <p:nvSpPr>
-          <p:cNvPr id="283" name="Google Shape;283;p43"/>
+          <p:cNvPr id="289" name="Google Shape;289;p44"/>
           <p:cNvSpPr txBox="1"/>
           <p:nvPr>
             <p:ph idx="1" type="body"/>
@@ -21121,7 +21318,7 @@
       </p:sp>
       <p:pic>
         <p:nvPicPr>
-          <p:cNvPr id="284" name="Google Shape;284;p43"/>
+          <p:cNvPr id="290" name="Google Shape;290;p44"/>
           <p:cNvPicPr preferRelativeResize="0"/>
           <p:nvPr/>
         </p:nvPicPr>
@@ -21148,7 +21345,7 @@
       </p:pic>
       <p:pic>
         <p:nvPicPr>
-          <p:cNvPr id="285" name="Google Shape;285;p43"/>
+          <p:cNvPr id="291" name="Google Shape;291;p44"/>
           <p:cNvPicPr preferRelativeResize="0"/>
           <p:nvPr/>
         </p:nvPicPr>
@@ -21181,12 +21378,12 @@
 </p:sld>
 </file>
 
-<file path=ppt/slides/slide32.xml><?xml version="1.0" encoding="utf-8"?>
+<file path=ppt/slides/slide33.xml><?xml version="1.0" encoding="utf-8"?>
 <p:sld xmlns:a="http://schemas.openxmlformats.org/drawingml/2006/main" xmlns:r="http://schemas.openxmlformats.org/officeDocument/2006/relationships" xmlns:mc="http://schemas.openxmlformats.org/markup-compatibility/2006" xmlns:mv="urn:schemas-microsoft-com:mac:vml" xmlns:p="http://schemas.openxmlformats.org/presentationml/2006/main" xmlns:c="http://schemas.openxmlformats.org/drawingml/2006/chart" xmlns:dgm="http://schemas.openxmlformats.org/drawingml/2006/diagram" xmlns:o="urn:schemas-microsoft-com:office:office" xmlns:v="urn:schemas-microsoft-com:vml" xmlns:pvml="urn:schemas-microsoft-com:office:powerpoint" xmlns:com="http://schemas.openxmlformats.org/drawingml/2006/compatibility" xmlns:p14="http://schemas.microsoft.com/office/powerpoint/2010/main" xmlns:p15="http://schemas.microsoft.com/office/powerpoint/2012/main" xmlns:ahyp="http://schemas.microsoft.com/office/drawing/2018/hyperlinkcolor">
   <p:cSld>
     <p:spTree>
       <p:nvGrpSpPr>
-        <p:cNvPr id="289" name="Shape 289"/>
+        <p:cNvPr id="295" name="Shape 295"/>
         <p:cNvGrpSpPr/>
         <p:nvPr/>
       </p:nvGrpSpPr>
@@ -21200,7 +21397,7 @@
       </p:grpSpPr>
       <p:sp>
         <p:nvSpPr>
-          <p:cNvPr id="290" name="Google Shape;290;p44"/>
+          <p:cNvPr id="296" name="Google Shape;296;p45"/>
           <p:cNvSpPr txBox="1"/>
           <p:nvPr>
             <p:ph type="title"/>
@@ -21249,7 +21446,7 @@
       </p:sp>
       <p:pic>
         <p:nvPicPr>
-          <p:cNvPr id="291" name="Google Shape;291;p44"/>
+          <p:cNvPr id="297" name="Google Shape;297;p45"/>
           <p:cNvPicPr preferRelativeResize="0"/>
           <p:nvPr/>
         </p:nvPicPr>
@@ -21276,7 +21473,7 @@
       </p:pic>
       <p:sp>
         <p:nvSpPr>
-          <p:cNvPr id="292" name="Google Shape;292;p44"/>
+          <p:cNvPr id="298" name="Google Shape;298;p45"/>
           <p:cNvSpPr txBox="1"/>
           <p:nvPr/>
         </p:nvSpPr>
@@ -21324,107 +21521,6 @@
           </a:p>
         </p:txBody>
       </p:sp>
-    </p:spTree>
-  </p:cSld>
-  <p:clrMapOvr>
-    <a:masterClrMapping/>
-  </p:clrMapOvr>
-</p:sld>
-</file>
-
-<file path=ppt/slides/slide33.xml><?xml version="1.0" encoding="utf-8"?>
-<p:sld xmlns:a="http://schemas.openxmlformats.org/drawingml/2006/main" xmlns:r="http://schemas.openxmlformats.org/officeDocument/2006/relationships" xmlns:mc="http://schemas.openxmlformats.org/markup-compatibility/2006" xmlns:mv="urn:schemas-microsoft-com:mac:vml" xmlns:p="http://schemas.openxmlformats.org/presentationml/2006/main" xmlns:c="http://schemas.openxmlformats.org/drawingml/2006/chart" xmlns:dgm="http://schemas.openxmlformats.org/drawingml/2006/diagram" xmlns:o="urn:schemas-microsoft-com:office:office" xmlns:v="urn:schemas-microsoft-com:vml" xmlns:pvml="urn:schemas-microsoft-com:office:powerpoint" xmlns:com="http://schemas.openxmlformats.org/drawingml/2006/compatibility" xmlns:p14="http://schemas.microsoft.com/office/powerpoint/2010/main" xmlns:p15="http://schemas.microsoft.com/office/powerpoint/2012/main" xmlns:ahyp="http://schemas.microsoft.com/office/drawing/2018/hyperlinkcolor">
-  <p:cSld>
-    <p:spTree>
-      <p:nvGrpSpPr>
-        <p:cNvPr id="296" name="Shape 296"/>
-        <p:cNvGrpSpPr/>
-        <p:nvPr/>
-      </p:nvGrpSpPr>
-      <p:grpSpPr>
-        <a:xfrm>
-          <a:off x="0" y="0"/>
-          <a:ext cx="0" cy="0"/>
-          <a:chOff x="0" y="0"/>
-          <a:chExt cx="0" cy="0"/>
-        </a:xfrm>
-      </p:grpSpPr>
-      <p:sp>
-        <p:nvSpPr>
-          <p:cNvPr id="297" name="Google Shape;297;p45"/>
-          <p:cNvSpPr txBox="1"/>
-          <p:nvPr>
-            <p:ph type="title"/>
-          </p:nvPr>
-        </p:nvSpPr>
-        <p:spPr>
-          <a:xfrm>
-            <a:off x="457200" y="274638"/>
-            <a:ext cx="8229600" cy="1143000"/>
-          </a:xfrm>
-          <a:prstGeom prst="rect">
-            <a:avLst/>
-          </a:prstGeom>
-          <a:noFill/>
-          <a:ln>
-            <a:noFill/>
-          </a:ln>
-        </p:spPr>
-        <p:txBody>
-          <a:bodyPr anchorCtr="0" anchor="ctr" bIns="45700" lIns="91425" spcFirstLastPara="1" rIns="91425" wrap="square" tIns="45700">
-            <a:normAutofit/>
-          </a:bodyPr>
-          <a:lstStyle/>
-          <a:p>
-            <a:pPr indent="0" lvl="0" marL="0" rtl="0" algn="ctr">
-              <a:spcBef>
-                <a:spcPts val="0"/>
-              </a:spcBef>
-              <a:spcAft>
-                <a:spcPts val="0"/>
-              </a:spcAft>
-              <a:buClr>
-                <a:schemeClr val="dk1"/>
-              </a:buClr>
-              <a:buSzPts val="4400"/>
-              <a:buFont typeface="Montserrat"/>
-              <a:buNone/>
-            </a:pPr>
-            <a:r>
-              <a:rPr lang="en-US"/>
-              <a:t>Complex Gateway</a:t>
-            </a:r>
-            <a:endParaRPr/>
-          </a:p>
-        </p:txBody>
-      </p:sp>
-      <p:pic>
-        <p:nvPicPr>
-          <p:cNvPr id="298" name="Google Shape;298;p45"/>
-          <p:cNvPicPr preferRelativeResize="0"/>
-          <p:nvPr/>
-        </p:nvPicPr>
-        <p:blipFill rotWithShape="1">
-          <a:blip r:embed="rId3">
-            <a:alphaModFix/>
-          </a:blip>
-          <a:srcRect b="0" l="0" r="0" t="0"/>
-          <a:stretch/>
-        </p:blipFill>
-        <p:spPr>
-          <a:xfrm>
-            <a:off x="0" y="1689100"/>
-            <a:ext cx="9144000" cy="3466103"/>
-          </a:xfrm>
-          <a:prstGeom prst="rect">
-            <a:avLst/>
-          </a:prstGeom>
-          <a:noFill/>
-          <a:ln>
-            <a:noFill/>
-          </a:ln>
-        </p:spPr>
-      </p:pic>
     </p:spTree>
   </p:cSld>
   <p:clrMapOvr>
@@ -21460,6 +21556,107 @@
         </p:nvSpPr>
         <p:spPr>
           <a:xfrm>
+            <a:off x="457200" y="274638"/>
+            <a:ext cx="8229600" cy="1143000"/>
+          </a:xfrm>
+          <a:prstGeom prst="rect">
+            <a:avLst/>
+          </a:prstGeom>
+          <a:noFill/>
+          <a:ln>
+            <a:noFill/>
+          </a:ln>
+        </p:spPr>
+        <p:txBody>
+          <a:bodyPr anchorCtr="0" anchor="ctr" bIns="45700" lIns="91425" spcFirstLastPara="1" rIns="91425" wrap="square" tIns="45700">
+            <a:normAutofit/>
+          </a:bodyPr>
+          <a:lstStyle/>
+          <a:p>
+            <a:pPr indent="0" lvl="0" marL="0" rtl="0" algn="ctr">
+              <a:spcBef>
+                <a:spcPts val="0"/>
+              </a:spcBef>
+              <a:spcAft>
+                <a:spcPts val="0"/>
+              </a:spcAft>
+              <a:buClr>
+                <a:schemeClr val="dk1"/>
+              </a:buClr>
+              <a:buSzPts val="4400"/>
+              <a:buFont typeface="Montserrat"/>
+              <a:buNone/>
+            </a:pPr>
+            <a:r>
+              <a:rPr lang="en-US"/>
+              <a:t>Complex Gateway</a:t>
+            </a:r>
+            <a:endParaRPr/>
+          </a:p>
+        </p:txBody>
+      </p:sp>
+      <p:pic>
+        <p:nvPicPr>
+          <p:cNvPr id="304" name="Google Shape;304;p46"/>
+          <p:cNvPicPr preferRelativeResize="0"/>
+          <p:nvPr/>
+        </p:nvPicPr>
+        <p:blipFill rotWithShape="1">
+          <a:blip r:embed="rId3">
+            <a:alphaModFix/>
+          </a:blip>
+          <a:srcRect b="0" l="0" r="0" t="0"/>
+          <a:stretch/>
+        </p:blipFill>
+        <p:spPr>
+          <a:xfrm>
+            <a:off x="0" y="1689100"/>
+            <a:ext cx="9144000" cy="3466103"/>
+          </a:xfrm>
+          <a:prstGeom prst="rect">
+            <a:avLst/>
+          </a:prstGeom>
+          <a:noFill/>
+          <a:ln>
+            <a:noFill/>
+          </a:ln>
+        </p:spPr>
+      </p:pic>
+    </p:spTree>
+  </p:cSld>
+  <p:clrMapOvr>
+    <a:masterClrMapping/>
+  </p:clrMapOvr>
+</p:sld>
+</file>
+
+<file path=ppt/slides/slide35.xml><?xml version="1.0" encoding="utf-8"?>
+<p:sld xmlns:a="http://schemas.openxmlformats.org/drawingml/2006/main" xmlns:r="http://schemas.openxmlformats.org/officeDocument/2006/relationships" xmlns:mc="http://schemas.openxmlformats.org/markup-compatibility/2006" xmlns:mv="urn:schemas-microsoft-com:mac:vml" xmlns:p="http://schemas.openxmlformats.org/presentationml/2006/main" xmlns:c="http://schemas.openxmlformats.org/drawingml/2006/chart" xmlns:dgm="http://schemas.openxmlformats.org/drawingml/2006/diagram" xmlns:o="urn:schemas-microsoft-com:office:office" xmlns:v="urn:schemas-microsoft-com:vml" xmlns:pvml="urn:schemas-microsoft-com:office:powerpoint" xmlns:com="http://schemas.openxmlformats.org/drawingml/2006/compatibility" xmlns:p14="http://schemas.microsoft.com/office/powerpoint/2010/main" xmlns:p15="http://schemas.microsoft.com/office/powerpoint/2012/main" xmlns:ahyp="http://schemas.microsoft.com/office/drawing/2018/hyperlinkcolor">
+  <p:cSld>
+    <p:spTree>
+      <p:nvGrpSpPr>
+        <p:cNvPr id="308" name="Shape 308"/>
+        <p:cNvGrpSpPr/>
+        <p:nvPr/>
+      </p:nvGrpSpPr>
+      <p:grpSpPr>
+        <a:xfrm>
+          <a:off x="0" y="0"/>
+          <a:ext cx="0" cy="0"/>
+          <a:chOff x="0" y="0"/>
+          <a:chExt cx="0" cy="0"/>
+        </a:xfrm>
+      </p:grpSpPr>
+      <p:sp>
+        <p:nvSpPr>
+          <p:cNvPr id="309" name="Google Shape;309;p47"/>
+          <p:cNvSpPr txBox="1"/>
+          <p:nvPr>
+            <p:ph type="title"/>
+          </p:nvPr>
+        </p:nvSpPr>
+        <p:spPr>
+          <a:xfrm>
             <a:off x="457200" y="510330"/>
             <a:ext cx="8229600" cy="1143000"/>
           </a:xfrm>
@@ -21515,7 +21712,7 @@
       </p:sp>
       <p:sp>
         <p:nvSpPr>
-          <p:cNvPr id="304" name="Google Shape;304;p46"/>
+          <p:cNvPr id="310" name="Google Shape;310;p47"/>
           <p:cNvSpPr/>
           <p:nvPr/>
         </p:nvSpPr>
@@ -21691,7 +21888,7 @@
       </p:sp>
       <p:pic>
         <p:nvPicPr>
-          <p:cNvPr id="305" name="Google Shape;305;p46"/>
+          <p:cNvPr id="311" name="Google Shape;311;p47"/>
           <p:cNvPicPr preferRelativeResize="0"/>
           <p:nvPr/>
         </p:nvPicPr>
@@ -21724,12 +21921,12 @@
 </p:sld>
 </file>
 
-<file path=ppt/slides/slide35.xml><?xml version="1.0" encoding="utf-8"?>
+<file path=ppt/slides/slide36.xml><?xml version="1.0" encoding="utf-8"?>
 <p:sld xmlns:a="http://schemas.openxmlformats.org/drawingml/2006/main" xmlns:r="http://schemas.openxmlformats.org/officeDocument/2006/relationships" xmlns:mc="http://schemas.openxmlformats.org/markup-compatibility/2006" xmlns:mv="urn:schemas-microsoft-com:mac:vml" xmlns:p="http://schemas.openxmlformats.org/presentationml/2006/main" xmlns:c="http://schemas.openxmlformats.org/drawingml/2006/chart" xmlns:dgm="http://schemas.openxmlformats.org/drawingml/2006/diagram" xmlns:o="urn:schemas-microsoft-com:office:office" xmlns:v="urn:schemas-microsoft-com:vml" xmlns:pvml="urn:schemas-microsoft-com:office:powerpoint" xmlns:com="http://schemas.openxmlformats.org/drawingml/2006/compatibility" xmlns:p14="http://schemas.microsoft.com/office/powerpoint/2010/main" xmlns:p15="http://schemas.microsoft.com/office/powerpoint/2012/main" xmlns:ahyp="http://schemas.microsoft.com/office/drawing/2018/hyperlinkcolor">
   <p:cSld>
     <p:spTree>
       <p:nvGrpSpPr>
-        <p:cNvPr id="309" name="Shape 309"/>
+        <p:cNvPr id="315" name="Shape 315"/>
         <p:cNvGrpSpPr/>
         <p:nvPr/>
       </p:nvGrpSpPr>
@@ -21743,7 +21940,7 @@
       </p:grpSpPr>
       <p:sp>
         <p:nvSpPr>
-          <p:cNvPr id="310" name="Google Shape;310;p47"/>
+          <p:cNvPr id="316" name="Google Shape;316;p48"/>
           <p:cNvSpPr txBox="1"/>
           <p:nvPr>
             <p:ph type="title"/>
@@ -21792,7 +21989,7 @@
       </p:sp>
       <p:sp>
         <p:nvSpPr>
-          <p:cNvPr id="311" name="Google Shape;311;p47"/>
+          <p:cNvPr id="317" name="Google Shape;317;p48"/>
           <p:cNvSpPr txBox="1"/>
           <p:nvPr>
             <p:ph idx="1" type="body"/>
